--- a/seminarppt.pptx
+++ b/seminarppt.pptx
@@ -5,16 +5,19 @@
     <p:sldMasterId id="2147483715" r:id="rId3"/>
   </p:sldMasterIdLst>
   <p:notesMasterIdLst>
-    <p:notesMasterId r:id="rId8"/>
+    <p:notesMasterId r:id="rId11"/>
   </p:notesMasterIdLst>
   <p:handoutMasterIdLst>
-    <p:handoutMasterId r:id="rId9"/>
+    <p:handoutMasterId r:id="rId12"/>
   </p:handoutMasterIdLst>
   <p:sldIdLst>
     <p:sldId id="532" r:id="rId4"/>
     <p:sldId id="589" r:id="rId5"/>
     <p:sldId id="590" r:id="rId6"/>
     <p:sldId id="591" r:id="rId7"/>
+    <p:sldId id="592" r:id="rId8"/>
+    <p:sldId id="593" r:id="rId9"/>
+    <p:sldId id="594" r:id="rId10"/>
   </p:sldIdLst>
   <p:sldSz cx="9144000" cy="6858000" type="screen4x3"/>
   <p:notesSz cx="7099300" cy="10234613"/>
@@ -1275,8 +1278,24 @@
           <a:lstStyle/>
           <a:p>
             <a:r>
-              <a:rPr lang="de-DE" noProof="0"/>
-              <a:t>Click to edit Master title style</a:t>
+              <a:rPr lang="de-DE" noProof="0" dirty="0"/>
+              <a:t>Click </a:t>
+            </a:r>
+            <a:r>
+              <a:rPr lang="de-DE" noProof="0" dirty="0" err="1"/>
+              <a:t>to</a:t>
+            </a:r>
+            <a:r>
+              <a:rPr lang="de-DE" noProof="0" dirty="0"/>
+              <a:t> </a:t>
+            </a:r>
+            <a:r>
+              <a:rPr lang="de-DE" noProof="0" dirty="0" err="1"/>
+              <a:t>edit</a:t>
+            </a:r>
+            <a:r>
+              <a:rPr lang="de-DE" noProof="0" dirty="0"/>
+              <a:t> Master title style</a:t>
             </a:r>
           </a:p>
         </p:txBody>
@@ -1347,8 +1366,8 @@
         </p:nvSpPr>
         <p:spPr bwMode="auto">
           <a:xfrm>
-            <a:off x="4275138" y="334963"/>
-            <a:ext cx="4489979" cy="215444"/>
+            <a:off x="4220737" y="334963"/>
+            <a:ext cx="4544381" cy="338554"/>
           </a:xfrm>
           <a:prstGeom prst="rect">
             <a:avLst/>
@@ -1379,45 +1398,8 @@
                 <a:latin typeface="Myriad Pro" pitchFamily="34" charset="0"/>
                 <a:ea typeface="Myriad Pro"/>
               </a:rPr>
-              <a:t>Topic </a:t>
-            </a:r>
-            <a:r>
-              <a:rPr lang="de-DE" sz="800" kern="800" cap="all" spc="80" noProof="0" dirty="0" err="1">
-                <a:solidFill>
-                  <a:srgbClr val="DDDDDD"/>
-                </a:solidFill>
-                <a:latin typeface="Myriad Pro" pitchFamily="34" charset="0"/>
-                <a:ea typeface="Myriad Pro"/>
-              </a:rPr>
-              <a:t>of</a:t>
-            </a:r>
-            <a:r>
-              <a:rPr lang="de-DE" sz="800" kern="800" cap="all" spc="80" noProof="0" dirty="0">
-                <a:solidFill>
-                  <a:srgbClr val="DDDDDD"/>
-                </a:solidFill>
-                <a:latin typeface="Myriad Pro" pitchFamily="34" charset="0"/>
-                <a:ea typeface="Myriad Pro"/>
-              </a:rPr>
-              <a:t> </a:t>
-            </a:r>
-            <a:r>
-              <a:rPr lang="de-DE" sz="800" kern="800" cap="all" spc="80" noProof="0" dirty="0" err="1">
-                <a:solidFill>
-                  <a:srgbClr val="DDDDDD"/>
-                </a:solidFill>
-                <a:latin typeface="Myriad Pro" pitchFamily="34" charset="0"/>
-                <a:ea typeface="Myriad Pro"/>
-              </a:rPr>
-              <a:t>Presentation</a:t>
-            </a:r>
-            <a:endParaRPr lang="de-DE" sz="800" kern="800" cap="all" spc="80" noProof="0" dirty="0">
-              <a:solidFill>
-                <a:srgbClr val="DDDDDD"/>
-              </a:solidFill>
-              <a:latin typeface="Myriad Pro" pitchFamily="34" charset="0"/>
-              <a:ea typeface="Myriad Pro"/>
-            </a:endParaRPr>
+              <a:t>AUTOMATIC DETECTION AND SEGMENTATION OF BRAIN TUMOR USING RANDOM FOREST APPROACH</a:t>
+            </a:r>
           </a:p>
         </p:txBody>
       </p:sp>
@@ -1493,7 +1475,7 @@
             <a:pPr algn="ctr">
               <a:defRPr/>
             </a:pPr>
-            <a:endParaRPr lang="de-DE" sz="2400" i="0" u="none">
+            <a:endParaRPr lang="de-DE" sz="2400" i="0" u="none" dirty="0">
               <a:latin typeface="Times New Roman" pitchFamily="18" charset="0"/>
             </a:endParaRPr>
           </a:p>
@@ -1526,37 +1508,94 @@
           <a:p>
             <a:pPr lvl="0"/>
             <a:r>
-              <a:rPr lang="de-DE" noProof="0"/>
-              <a:t>Click to edit Master text styles</a:t>
-            </a:r>
+              <a:rPr lang="de-DE" noProof="0" dirty="0"/>
+              <a:t>Click </a:t>
+            </a:r>
+            <a:r>
+              <a:rPr lang="de-DE" noProof="0" dirty="0" err="1"/>
+              <a:t>to</a:t>
+            </a:r>
+            <a:r>
+              <a:rPr lang="de-DE" noProof="0" dirty="0"/>
+              <a:t> </a:t>
+            </a:r>
+            <a:r>
+              <a:rPr lang="de-DE" noProof="0" dirty="0" err="1"/>
+              <a:t>edit</a:t>
+            </a:r>
+            <a:r>
+              <a:rPr lang="de-DE" noProof="0" dirty="0"/>
+              <a:t> Master </a:t>
+            </a:r>
+            <a:r>
+              <a:rPr lang="de-DE" noProof="0" dirty="0" err="1"/>
+              <a:t>text</a:t>
+            </a:r>
+            <a:r>
+              <a:rPr lang="de-DE" noProof="0" dirty="0"/>
+              <a:t> </a:t>
+            </a:r>
+            <a:r>
+              <a:rPr lang="de-DE" noProof="0" dirty="0" err="1"/>
+              <a:t>styles</a:t>
+            </a:r>
+            <a:endParaRPr lang="de-DE" noProof="0" dirty="0"/>
           </a:p>
           <a:p>
             <a:pPr lvl="1"/>
             <a:r>
-              <a:rPr lang="de-DE" noProof="0"/>
-              <a:t>Second level</a:t>
-            </a:r>
+              <a:rPr lang="de-DE" noProof="0" dirty="0"/>
+              <a:t>Second </a:t>
+            </a:r>
+            <a:r>
+              <a:rPr lang="de-DE" noProof="0" dirty="0" err="1"/>
+              <a:t>level</a:t>
+            </a:r>
+            <a:endParaRPr lang="de-DE" noProof="0" dirty="0"/>
           </a:p>
           <a:p>
             <a:pPr lvl="2"/>
             <a:r>
-              <a:rPr lang="de-DE" noProof="0"/>
-              <a:t>Third level</a:t>
-            </a:r>
+              <a:rPr lang="de-DE" noProof="0" dirty="0"/>
+              <a:t>Third </a:t>
+            </a:r>
+            <a:r>
+              <a:rPr lang="de-DE" noProof="0" dirty="0" err="1"/>
+              <a:t>level</a:t>
+            </a:r>
+            <a:endParaRPr lang="de-DE" noProof="0" dirty="0"/>
           </a:p>
           <a:p>
             <a:pPr lvl="3"/>
             <a:r>
-              <a:rPr lang="de-DE" noProof="0"/>
-              <a:t>Fourth level</a:t>
-            </a:r>
+              <a:rPr lang="de-DE" noProof="0" dirty="0" err="1"/>
+              <a:t>Fourth</a:t>
+            </a:r>
+            <a:r>
+              <a:rPr lang="de-DE" noProof="0" dirty="0"/>
+              <a:t> </a:t>
+            </a:r>
+            <a:r>
+              <a:rPr lang="de-DE" noProof="0" dirty="0" err="1"/>
+              <a:t>level</a:t>
+            </a:r>
+            <a:endParaRPr lang="de-DE" noProof="0" dirty="0"/>
           </a:p>
           <a:p>
             <a:pPr lvl="4"/>
             <a:r>
-              <a:rPr lang="de-DE" noProof="0"/>
-              <a:t>Fifth level</a:t>
-            </a:r>
+              <a:rPr lang="de-DE" noProof="0" dirty="0" err="1"/>
+              <a:t>Fifth</a:t>
+            </a:r>
+            <a:r>
+              <a:rPr lang="de-DE" noProof="0" dirty="0"/>
+              <a:t> </a:t>
+            </a:r>
+            <a:r>
+              <a:rPr lang="de-DE" noProof="0" dirty="0" err="1"/>
+              <a:t>level</a:t>
+            </a:r>
+            <a:endParaRPr lang="de-DE" noProof="0" dirty="0"/>
           </a:p>
         </p:txBody>
       </p:sp>
@@ -1586,8 +1625,24 @@
           <a:lstStyle/>
           <a:p>
             <a:r>
-              <a:rPr lang="de-DE" noProof="0"/>
-              <a:t>Click to edit Master title style</a:t>
+              <a:rPr lang="de-DE" noProof="0" dirty="0"/>
+              <a:t>Click </a:t>
+            </a:r>
+            <a:r>
+              <a:rPr lang="de-DE" noProof="0" dirty="0" err="1"/>
+              <a:t>to</a:t>
+            </a:r>
+            <a:r>
+              <a:rPr lang="de-DE" noProof="0" dirty="0"/>
+              <a:t> </a:t>
+            </a:r>
+            <a:r>
+              <a:rPr lang="de-DE" noProof="0" dirty="0" err="1"/>
+              <a:t>edit</a:t>
+            </a:r>
+            <a:r>
+              <a:rPr lang="de-DE" noProof="0" dirty="0"/>
+              <a:t> Master title style</a:t>
             </a:r>
           </a:p>
         </p:txBody>
@@ -2197,8 +2252,8 @@
         </p:nvSpPr>
         <p:spPr>
           <a:xfrm>
-            <a:off x="266700" y="1752600"/>
-            <a:ext cx="8628063" cy="1193800"/>
+            <a:off x="653079" y="1412487"/>
+            <a:ext cx="7855302" cy="1193800"/>
           </a:xfrm>
           <a:prstGeom prst="rect">
             <a:avLst/>
@@ -2216,12 +2271,8 @@
               </a:lnSpc>
             </a:pPr>
             <a:r>
-              <a:rPr lang="de-DE" sz="3200" dirty="0"/>
-              <a:t>The </a:t>
-            </a:r>
-            <a:r>
               <a:rPr lang="de-DE" sz="3200" dirty="0" err="1"/>
-              <a:t>fancy</a:t>
+              <a:t>Automatic</a:t>
             </a:r>
             <a:r>
               <a:rPr lang="de-DE" sz="3200" dirty="0"/>
@@ -2229,11 +2280,19 @@
             </a:r>
             <a:r>
               <a:rPr lang="de-DE" sz="3200" dirty="0" err="1"/>
-              <a:t>long</a:t>
+              <a:t>Detection</a:t>
             </a:r>
             <a:r>
               <a:rPr lang="de-DE" sz="3200" dirty="0"/>
-              <a:t> title </a:t>
+              <a:t> </a:t>
+            </a:r>
+            <a:r>
+              <a:rPr lang="de-DE" sz="3200" dirty="0" err="1"/>
+              <a:t>and</a:t>
+            </a:r>
+            <a:r>
+              <a:rPr lang="de-DE" sz="3200" dirty="0"/>
+              <a:t> Segmentation </a:t>
             </a:r>
             <a:r>
               <a:rPr lang="de-DE" sz="3200" dirty="0" err="1"/>
@@ -2244,20 +2303,28 @@
               <a:t> </a:t>
             </a:r>
             <a:r>
+              <a:rPr lang="de-DE" dirty="0"/>
+              <a:t>B</a:t>
+            </a:r>
+            <a:r>
+              <a:rPr lang="de-DE" sz="3200" dirty="0"/>
+              <a:t>rain Tumor </a:t>
+            </a:r>
+            <a:r>
               <a:rPr lang="de-DE" sz="3200" dirty="0" err="1"/>
-              <a:t>you</a:t>
-            </a:r>
-            <a:r>
-              <a:rPr lang="de-DE" dirty="0" err="1"/>
-              <a:t>r</a:t>
-            </a:r>
-            <a:r>
-              <a:rPr lang="de-DE" dirty="0"/>
-              <a:t> </a:t>
-            </a:r>
-            <a:r>
-              <a:rPr lang="de-DE" dirty="0" err="1"/>
-              <a:t>work</a:t>
+              <a:t>Using</a:t>
+            </a:r>
+            <a:r>
+              <a:rPr lang="de-DE" sz="3200" dirty="0"/>
+              <a:t> Random </a:t>
+            </a:r>
+            <a:r>
+              <a:rPr lang="de-DE" sz="3200" dirty="0" err="1"/>
+              <a:t>Forest</a:t>
+            </a:r>
+            <a:r>
+              <a:rPr lang="de-DE" sz="3200" dirty="0"/>
+              <a:t> Approach</a:t>
             </a:r>
             <a:endParaRPr lang="de-DE" sz="3200" dirty="0">
               <a:latin typeface="Myriad Pro" charset="0"/>
@@ -2273,8 +2340,8 @@
         </p:nvSpPr>
         <p:spPr>
           <a:xfrm>
-            <a:off x="2030695" y="2645201"/>
-            <a:ext cx="5082609" cy="3477875"/>
+            <a:off x="1477538" y="3363643"/>
+            <a:ext cx="6206400" cy="2150505"/>
           </a:xfrm>
           <a:prstGeom prst="rect">
             <a:avLst/>
@@ -2282,23 +2349,23 @@
           <a:noFill/>
         </p:spPr>
         <p:txBody>
-          <a:bodyPr wrap="none" rtlCol="0">
+          <a:bodyPr wrap="square" rtlCol="0">
             <a:spAutoFit/>
           </a:bodyPr>
           <a:lstStyle/>
           <a:p>
             <a:pPr algn="ctr"/>
             <a:r>
-              <a:rPr lang="en-US" sz="2200" dirty="0">
+              <a:rPr lang="en-US" sz="1800" dirty="0">
                 <a:latin typeface="+mn-lt"/>
               </a:rPr>
-              <a:t>Bachelor Seminar WS 2015/16</a:t>
+              <a:t>Bachelor Seminar WS 2020/21</a:t>
             </a:r>
           </a:p>
           <a:p>
             <a:pPr algn="ctr"/>
             <a:r>
-              <a:rPr lang="en-US" sz="2200" dirty="0">
+              <a:rPr lang="en-US" sz="1800" dirty="0">
                 <a:latin typeface="+mn-lt"/>
               </a:rPr>
               <a:t>“Medical Image Computing and e-Health”</a:t>
@@ -2306,74 +2373,83 @@
           </a:p>
           <a:p>
             <a:pPr algn="ctr"/>
-            <a:endParaRPr lang="en-US" sz="2200" dirty="0">
+            <a:endParaRPr lang="en-US" sz="1800" dirty="0">
               <a:latin typeface="+mn-lt"/>
             </a:endParaRPr>
           </a:p>
           <a:p>
             <a:pPr algn="ctr"/>
             <a:r>
-              <a:rPr lang="en-US" sz="2200" dirty="0">
+              <a:rPr lang="en-US" sz="1800" dirty="0">
                 <a:latin typeface="+mn-lt"/>
               </a:rPr>
-              <a:t>22.01.2016</a:t>
+              <a:t>08.01.2020</a:t>
             </a:r>
           </a:p>
           <a:p>
             <a:pPr algn="ctr"/>
-            <a:endParaRPr lang="en-US" sz="2200" dirty="0">
+            <a:endParaRPr lang="en-US" sz="1800" dirty="0">
               <a:latin typeface="+mn-lt"/>
             </a:endParaRPr>
           </a:p>
           <a:p>
             <a:pPr algn="ctr"/>
             <a:r>
-              <a:rPr lang="en-US" sz="2200" dirty="0">
+              <a:rPr lang="en-US" sz="1800" dirty="0">
                 <a:latin typeface="+mn-lt"/>
               </a:rPr>
-              <a:t>Dr. </a:t>
-            </a:r>
-            <a:r>
-              <a:rPr lang="en-US" sz="2200" dirty="0" err="1">
+              <a:t>Prof. Dr. Heinz </a:t>
+            </a:r>
+            <a:r>
+              <a:rPr lang="en-US" sz="1800" dirty="0" err="1">
                 <a:latin typeface="+mn-lt"/>
               </a:rPr>
-              <a:t>rer</a:t>
-            </a:r>
-            <a:r>
-              <a:rPr lang="en-US" sz="2200" dirty="0">
+              <a:t>Handels</a:t>
+            </a:r>
+            <a:r>
+              <a:rPr lang="en-US" sz="1800" dirty="0">
                 <a:latin typeface="+mn-lt"/>
               </a:rPr>
-              <a:t>. nat. Jan </a:t>
-            </a:r>
-            <a:r>
-              <a:rPr lang="en-US" sz="2200" dirty="0" err="1">
+              <a:t>, Prof. Dr. Josef </a:t>
+            </a:r>
+            <a:r>
+              <a:rPr lang="en-US" sz="1800" dirty="0" err="1">
                 <a:latin typeface="+mn-lt"/>
               </a:rPr>
-              <a:t>Ehrhardt</a:t>
-            </a:r>
-            <a:endParaRPr lang="en-US" sz="2200" dirty="0">
+              <a:t>Ingenerf</a:t>
+            </a:r>
+            <a:r>
+              <a:rPr lang="en-US" sz="1800" dirty="0">
+                <a:latin typeface="+mn-lt"/>
+              </a:rPr>
+              <a:t>, Prof. Dr.-Ing. Marcin </a:t>
+            </a:r>
+            <a:r>
+              <a:rPr lang="en-US" sz="1800" dirty="0" err="1">
+                <a:latin typeface="+mn-lt"/>
+              </a:rPr>
+              <a:t>Grzegorzek</a:t>
+            </a:r>
+            <a:r>
+              <a:rPr lang="en-US" sz="1800" dirty="0">
+                <a:latin typeface="+mn-lt"/>
+              </a:rPr>
+              <a:t> and coworkers</a:t>
+            </a:r>
+            <a:endParaRPr lang="en-US" sz="1600" dirty="0">
               <a:latin typeface="+mn-lt"/>
             </a:endParaRPr>
           </a:p>
           <a:p>
             <a:pPr algn="ctr"/>
-            <a:r>
-              <a:rPr lang="en-US" sz="2000" dirty="0">
-                <a:latin typeface="+mn-lt"/>
-              </a:rPr>
-              <a:t>Supervisor: M.Sc. Oskar Maier</a:t>
-            </a:r>
-          </a:p>
-          <a:p>
-            <a:pPr algn="ctr"/>
-            <a:endParaRPr lang="en-US" sz="2200" dirty="0">
+            <a:endParaRPr lang="en-US" sz="1800" dirty="0">
               <a:latin typeface="+mn-lt"/>
             </a:endParaRPr>
           </a:p>
           <a:p>
             <a:pPr algn="ctr"/>
             <a:r>
-              <a:rPr lang="en-US" sz="2200" dirty="0">
+              <a:rPr lang="en-US" sz="1800" dirty="0">
                 <a:latin typeface="+mn-lt"/>
               </a:rPr>
               <a:t>Institute of Medical Informatics</a:t>
@@ -2382,36 +2458,36 @@
           <a:p>
             <a:pPr algn="ctr"/>
             <a:r>
-              <a:rPr lang="en-US" sz="2200" dirty="0" err="1">
+              <a:rPr lang="en-US" sz="1800" dirty="0" err="1">
                 <a:latin typeface="+mn-lt"/>
               </a:rPr>
               <a:t>Universität</a:t>
             </a:r>
             <a:r>
-              <a:rPr lang="en-US" sz="2200" dirty="0">
+              <a:rPr lang="en-US" sz="1800" dirty="0">
                 <a:latin typeface="+mn-lt"/>
               </a:rPr>
               <a:t> </a:t>
             </a:r>
             <a:r>
-              <a:rPr lang="en-US" sz="2200" dirty="0" err="1">
+              <a:rPr lang="en-US" sz="1800" dirty="0" err="1">
                 <a:latin typeface="+mn-lt"/>
               </a:rPr>
               <a:t>zu</a:t>
             </a:r>
             <a:r>
-              <a:rPr lang="en-US" sz="2200" dirty="0">
+              <a:rPr lang="en-US" sz="1800" dirty="0">
                 <a:latin typeface="+mn-lt"/>
               </a:rPr>
               <a:t> </a:t>
             </a:r>
             <a:r>
-              <a:rPr lang="en-US" sz="2200" dirty="0" err="1">
+              <a:rPr lang="en-US" sz="1800" dirty="0" err="1">
                 <a:latin typeface="+mn-lt"/>
               </a:rPr>
               <a:t>Lübeck</a:t>
             </a:r>
-            <a:endParaRPr lang="en-US" sz="2200" dirty="0">
+            <a:endParaRPr lang="en-US" sz="1800" dirty="0">
               <a:latin typeface="+mn-lt"/>
             </a:endParaRPr>
           </a:p>
@@ -2481,19 +2557,16 @@
           <a:p>
             <a:r>
               <a:rPr lang="de-DE" dirty="0"/>
-              <a:t>Topic 1</a:t>
+              <a:t>Motivation</a:t>
             </a:r>
           </a:p>
           <a:p>
             <a:pPr lvl="1"/>
             <a:r>
               <a:rPr lang="de-DE" dirty="0" err="1"/>
-              <a:t>Subtopic</a:t>
-            </a:r>
-            <a:r>
-              <a:rPr lang="de-DE" dirty="0"/>
-              <a:t> 1.1</a:t>
-            </a:r>
+              <a:t>Motiavtion</a:t>
+            </a:r>
+            <a:endParaRPr lang="de-DE" dirty="0"/>
           </a:p>
           <a:p>
             <a:pPr lvl="2"/>
@@ -2598,7 +2671,7 @@
           <a:p>
             <a:r>
               <a:rPr lang="en-US" dirty="0"/>
-              <a:t>Introduction</a:t>
+              <a:t>Motivation </a:t>
             </a:r>
           </a:p>
         </p:txBody>
@@ -2674,7 +2747,7 @@
           <a:p>
             <a:r>
               <a:rPr lang="en-US" dirty="0"/>
-              <a:t>Methods</a:t>
+              <a:t>Basics</a:t>
             </a:r>
           </a:p>
         </p:txBody>
@@ -2702,6 +2775,228 @@
         </p:txBody>
       </p:sp>
     </p:spTree>
+  </p:cSld>
+  <p:clrMapOvr>
+    <a:masterClrMapping/>
+  </p:clrMapOvr>
+</p:sld>
+</file>
+
+<file path=ppt/slides/slide5.xml><?xml version="1.0" encoding="utf-8"?>
+<p:sld xmlns:a="http://schemas.openxmlformats.org/drawingml/2006/main" xmlns:r="http://schemas.openxmlformats.org/officeDocument/2006/relationships" xmlns:p="http://schemas.openxmlformats.org/presentationml/2006/main">
+  <p:cSld>
+    <p:spTree>
+      <p:nvGrpSpPr>
+        <p:cNvPr id="1" name=""/>
+        <p:cNvGrpSpPr/>
+        <p:nvPr/>
+      </p:nvGrpSpPr>
+      <p:grpSpPr>
+        <a:xfrm>
+          <a:off x="0" y="0"/>
+          <a:ext cx="0" cy="0"/>
+          <a:chOff x="0" y="0"/>
+          <a:chExt cx="0" cy="0"/>
+        </a:xfrm>
+      </p:grpSpPr>
+      <p:sp>
+        <p:nvSpPr>
+          <p:cNvPr id="2" name="Titel 1"/>
+          <p:cNvSpPr>
+            <a:spLocks noGrp="1"/>
+          </p:cNvSpPr>
+          <p:nvPr>
+            <p:ph type="title"/>
+          </p:nvPr>
+        </p:nvSpPr>
+        <p:spPr/>
+        <p:txBody>
+          <a:bodyPr/>
+          <a:lstStyle/>
+          <a:p>
+            <a:r>
+              <a:rPr lang="en-US" dirty="0"/>
+              <a:t>Methods</a:t>
+            </a:r>
+          </a:p>
+        </p:txBody>
+      </p:sp>
+      <p:sp>
+        <p:nvSpPr>
+          <p:cNvPr id="3" name="Inhaltsplatzhalter 2"/>
+          <p:cNvSpPr>
+            <a:spLocks noGrp="1"/>
+          </p:cNvSpPr>
+          <p:nvPr>
+            <p:ph sz="quarter" idx="10"/>
+          </p:nvPr>
+        </p:nvSpPr>
+        <p:spPr/>
+        <p:txBody>
+          <a:bodyPr/>
+          <a:lstStyle/>
+          <a:p>
+            <a:r>
+              <a:rPr lang="en-US" dirty="0"/>
+              <a:t>Now let’s go into details …</a:t>
+            </a:r>
+          </a:p>
+        </p:txBody>
+      </p:sp>
+    </p:spTree>
+    <p:extLst>
+      <p:ext uri="{BB962C8B-B14F-4D97-AF65-F5344CB8AC3E}">
+        <p14:creationId xmlns:p14="http://schemas.microsoft.com/office/powerpoint/2010/main" val="1533381046"/>
+      </p:ext>
+    </p:extLst>
+  </p:cSld>
+  <p:clrMapOvr>
+    <a:masterClrMapping/>
+  </p:clrMapOvr>
+</p:sld>
+</file>
+
+<file path=ppt/slides/slide6.xml><?xml version="1.0" encoding="utf-8"?>
+<p:sld xmlns:a="http://schemas.openxmlformats.org/drawingml/2006/main" xmlns:r="http://schemas.openxmlformats.org/officeDocument/2006/relationships" xmlns:p="http://schemas.openxmlformats.org/presentationml/2006/main">
+  <p:cSld>
+    <p:spTree>
+      <p:nvGrpSpPr>
+        <p:cNvPr id="1" name=""/>
+        <p:cNvGrpSpPr/>
+        <p:nvPr/>
+      </p:nvGrpSpPr>
+      <p:grpSpPr>
+        <a:xfrm>
+          <a:off x="0" y="0"/>
+          <a:ext cx="0" cy="0"/>
+          <a:chOff x="0" y="0"/>
+          <a:chExt cx="0" cy="0"/>
+        </a:xfrm>
+      </p:grpSpPr>
+      <p:sp>
+        <p:nvSpPr>
+          <p:cNvPr id="2" name="Titel 1"/>
+          <p:cNvSpPr>
+            <a:spLocks noGrp="1"/>
+          </p:cNvSpPr>
+          <p:nvPr>
+            <p:ph type="title"/>
+          </p:nvPr>
+        </p:nvSpPr>
+        <p:spPr/>
+        <p:txBody>
+          <a:bodyPr/>
+          <a:lstStyle/>
+          <a:p>
+            <a:r>
+              <a:rPr lang="en-US" dirty="0"/>
+              <a:t>Results</a:t>
+            </a:r>
+          </a:p>
+        </p:txBody>
+      </p:sp>
+      <p:sp>
+        <p:nvSpPr>
+          <p:cNvPr id="3" name="Inhaltsplatzhalter 2"/>
+          <p:cNvSpPr>
+            <a:spLocks noGrp="1"/>
+          </p:cNvSpPr>
+          <p:nvPr>
+            <p:ph sz="quarter" idx="10"/>
+          </p:nvPr>
+        </p:nvSpPr>
+        <p:spPr/>
+        <p:txBody>
+          <a:bodyPr/>
+          <a:lstStyle/>
+          <a:p>
+            <a:r>
+              <a:rPr lang="en-US" dirty="0"/>
+              <a:t>Now let’s go into details …</a:t>
+            </a:r>
+          </a:p>
+        </p:txBody>
+      </p:sp>
+    </p:spTree>
+    <p:extLst>
+      <p:ext uri="{BB962C8B-B14F-4D97-AF65-F5344CB8AC3E}">
+        <p14:creationId xmlns:p14="http://schemas.microsoft.com/office/powerpoint/2010/main" val="2299048768"/>
+      </p:ext>
+    </p:extLst>
+  </p:cSld>
+  <p:clrMapOvr>
+    <a:masterClrMapping/>
+  </p:clrMapOvr>
+</p:sld>
+</file>
+
+<file path=ppt/slides/slide7.xml><?xml version="1.0" encoding="utf-8"?>
+<p:sld xmlns:a="http://schemas.openxmlformats.org/drawingml/2006/main" xmlns:r="http://schemas.openxmlformats.org/officeDocument/2006/relationships" xmlns:p="http://schemas.openxmlformats.org/presentationml/2006/main">
+  <p:cSld>
+    <p:spTree>
+      <p:nvGrpSpPr>
+        <p:cNvPr id="1" name=""/>
+        <p:cNvGrpSpPr/>
+        <p:nvPr/>
+      </p:nvGrpSpPr>
+      <p:grpSpPr>
+        <a:xfrm>
+          <a:off x="0" y="0"/>
+          <a:ext cx="0" cy="0"/>
+          <a:chOff x="0" y="0"/>
+          <a:chExt cx="0" cy="0"/>
+        </a:xfrm>
+      </p:grpSpPr>
+      <p:sp>
+        <p:nvSpPr>
+          <p:cNvPr id="2" name="Titel 1"/>
+          <p:cNvSpPr>
+            <a:spLocks noGrp="1"/>
+          </p:cNvSpPr>
+          <p:nvPr>
+            <p:ph type="title"/>
+          </p:nvPr>
+        </p:nvSpPr>
+        <p:spPr/>
+        <p:txBody>
+          <a:bodyPr/>
+          <a:lstStyle/>
+          <a:p>
+            <a:r>
+              <a:rPr lang="en-US" dirty="0"/>
+              <a:t>Conclusion</a:t>
+            </a:r>
+          </a:p>
+        </p:txBody>
+      </p:sp>
+      <p:sp>
+        <p:nvSpPr>
+          <p:cNvPr id="3" name="Inhaltsplatzhalter 2"/>
+          <p:cNvSpPr>
+            <a:spLocks noGrp="1"/>
+          </p:cNvSpPr>
+          <p:nvPr>
+            <p:ph sz="quarter" idx="10"/>
+          </p:nvPr>
+        </p:nvSpPr>
+        <p:spPr/>
+        <p:txBody>
+          <a:bodyPr/>
+          <a:lstStyle/>
+          <a:p>
+            <a:r>
+              <a:rPr lang="en-US" dirty="0"/>
+              <a:t>Now let’s go into details …</a:t>
+            </a:r>
+          </a:p>
+        </p:txBody>
+      </p:sp>
+    </p:spTree>
+    <p:extLst>
+      <p:ext uri="{BB962C8B-B14F-4D97-AF65-F5344CB8AC3E}">
+        <p14:creationId xmlns:p14="http://schemas.microsoft.com/office/powerpoint/2010/main" val="1276775774"/>
+      </p:ext>
+    </p:extLst>
   </p:cSld>
   <p:clrMapOvr>
     <a:masterClrMapping/>

--- a/seminarppt.pptx
+++ b/seminarppt.pptx
@@ -5,19 +5,20 @@
     <p:sldMasterId id="2147483715" r:id="rId3"/>
   </p:sldMasterIdLst>
   <p:notesMasterIdLst>
-    <p:notesMasterId r:id="rId11"/>
+    <p:notesMasterId r:id="rId12"/>
   </p:notesMasterIdLst>
   <p:handoutMasterIdLst>
-    <p:handoutMasterId r:id="rId12"/>
+    <p:handoutMasterId r:id="rId13"/>
   </p:handoutMasterIdLst>
   <p:sldIdLst>
     <p:sldId id="532" r:id="rId4"/>
     <p:sldId id="589" r:id="rId5"/>
     <p:sldId id="590" r:id="rId6"/>
     <p:sldId id="591" r:id="rId7"/>
-    <p:sldId id="592" r:id="rId8"/>
-    <p:sldId id="593" r:id="rId9"/>
-    <p:sldId id="594" r:id="rId10"/>
+    <p:sldId id="595" r:id="rId8"/>
+    <p:sldId id="592" r:id="rId9"/>
+    <p:sldId id="593" r:id="rId10"/>
+    <p:sldId id="594" r:id="rId11"/>
   </p:sldIdLst>
   <p:sldSz cx="9144000" cy="6858000" type="screen4x3"/>
   <p:notesSz cx="7099300" cy="10234613"/>
@@ -1685,7 +1686,7 @@
             <a:fld id="{2A50D37A-6B93-784C-992A-41C102456268}" type="datetimeFigureOut">
               <a:rPr lang="de-DE" noProof="0" smtClean="0"/>
               <a:pPr/>
-              <a:t>27.10.20</a:t>
+              <a:t>05.11.20</a:t>
             </a:fld>
             <a:endParaRPr lang="de-DE" noProof="0"/>
           </a:p>
@@ -2561,61 +2562,104 @@
             </a:r>
           </a:p>
           <a:p>
+            <a:r>
+              <a:rPr lang="de-DE" dirty="0"/>
+              <a:t>Basics</a:t>
+            </a:r>
+          </a:p>
+          <a:p>
             <a:pPr lvl="1"/>
             <a:r>
+              <a:rPr lang="de-DE" dirty="0"/>
+              <a:t>Binary </a:t>
+            </a:r>
+            <a:r>
               <a:rPr lang="de-DE" dirty="0" err="1"/>
-              <a:t>Motiavtion</a:t>
-            </a:r>
-            <a:endParaRPr lang="de-DE" dirty="0"/>
-          </a:p>
-          <a:p>
-            <a:pPr lvl="2"/>
+              <a:t>Decision</a:t>
+            </a:r>
+            <a:r>
+              <a:rPr lang="de-DE" dirty="0"/>
+              <a:t> </a:t>
+            </a:r>
             <a:r>
               <a:rPr lang="de-DE" dirty="0" err="1"/>
-              <a:t>Subtopic</a:t>
+              <a:t>Trees</a:t>
             </a:r>
             <a:r>
               <a:rPr lang="de-DE" dirty="0"/>
-              <a:t> 1.1.1</a:t>
+              <a:t> (BDT)</a:t>
             </a:r>
           </a:p>
           <a:p>
             <a:pPr lvl="1"/>
             <a:r>
+              <a:rPr lang="de-DE" dirty="0"/>
+              <a:t>Random </a:t>
+            </a:r>
+            <a:r>
               <a:rPr lang="de-DE" dirty="0" err="1"/>
-              <a:t>Subtopic</a:t>
+              <a:t>Forest</a:t>
             </a:r>
             <a:r>
               <a:rPr lang="de-DE" dirty="0"/>
-              <a:t> 1.2</a:t>
-            </a:r>
-          </a:p>
-          <a:p>
+              <a:t> (RDF)</a:t>
+            </a:r>
+          </a:p>
+          <a:p>
+            <a:r>
+              <a:rPr lang="de-DE" dirty="0" err="1"/>
+              <a:t>Methods</a:t>
+            </a:r>
             <a:r>
               <a:rPr lang="de-DE" dirty="0"/>
-              <a:t>Topic 2</a:t>
+              <a:t> </a:t>
             </a:r>
           </a:p>
           <a:p>
             <a:pPr lvl="1"/>
             <a:r>
               <a:rPr lang="de-DE" dirty="0" err="1"/>
-              <a:t>Subtopic</a:t>
+              <a:t>Application</a:t>
             </a:r>
             <a:r>
               <a:rPr lang="de-DE" dirty="0"/>
-              <a:t> 2.1</a:t>
-            </a:r>
-          </a:p>
-          <a:p>
-            <a:pPr lvl="1"/>
+              <a:t> in Paper </a:t>
+            </a:r>
+          </a:p>
+          <a:p>
             <a:r>
               <a:rPr lang="de-DE" dirty="0" err="1"/>
-              <a:t>Subtopic</a:t>
+              <a:t>Results</a:t>
             </a:r>
             <a:r>
               <a:rPr lang="de-DE" dirty="0"/>
-              <a:t> 2.2</a:t>
+              <a:t> </a:t>
+            </a:r>
+            <a:r>
+              <a:rPr lang="de-DE" dirty="0" err="1"/>
+              <a:t>of</a:t>
+            </a:r>
+            <a:r>
+              <a:rPr lang="de-DE" dirty="0"/>
+              <a:t> </a:t>
+            </a:r>
+            <a:r>
+              <a:rPr lang="de-DE" dirty="0" err="1"/>
+              <a:t>the</a:t>
+            </a:r>
+            <a:r>
+              <a:rPr lang="de-DE" dirty="0"/>
+              <a:t> Experiment</a:t>
+            </a:r>
+          </a:p>
+          <a:p>
+            <a:r>
+              <a:rPr lang="de-DE" dirty="0" err="1"/>
+              <a:t>Conclusion</a:t>
+            </a:r>
+            <a:r>
+              <a:rPr lang="de-DE" dirty="0"/>
+              <a:t> </a:t>
             </a:r>
           </a:p>
           <a:p>
@@ -2686,21 +2730,95 @@
             <p:ph sz="quarter" idx="10"/>
           </p:nvPr>
         </p:nvSpPr>
-        <p:spPr/>
+        <p:spPr>
+          <a:xfrm>
+            <a:off x="455613" y="1693334"/>
+            <a:ext cx="8232775" cy="4491646"/>
+          </a:xfrm>
+        </p:spPr>
         <p:txBody>
           <a:bodyPr/>
           <a:lstStyle/>
           <a:p>
             <a:r>
+              <a:rPr lang="en-US" dirty="0">
+                <a:solidFill>
+                  <a:schemeClr val="bg1">
+                    <a:lumMod val="75000"/>
+                  </a:schemeClr>
+                </a:solidFill>
+              </a:rPr>
+              <a:t>Author: </a:t>
+            </a:r>
+            <a:r>
+              <a:rPr lang="en-US" dirty="0" err="1">
+                <a:solidFill>
+                  <a:schemeClr val="bg1">
+                    <a:lumMod val="75000"/>
+                  </a:schemeClr>
+                </a:solidFill>
+              </a:rPr>
+              <a:t>Zoltán</a:t>
+            </a:r>
+            <a:r>
+              <a:rPr lang="en-US" dirty="0">
+                <a:solidFill>
+                  <a:schemeClr val="bg1">
+                    <a:lumMod val="75000"/>
+                  </a:schemeClr>
+                </a:solidFill>
+              </a:rPr>
+              <a:t> </a:t>
+            </a:r>
+            <a:r>
+              <a:rPr lang="en-US" dirty="0" err="1">
+                <a:solidFill>
+                  <a:schemeClr val="bg1">
+                    <a:lumMod val="75000"/>
+                  </a:schemeClr>
+                </a:solidFill>
+              </a:rPr>
+              <a:t>Kapás</a:t>
+            </a:r>
+            <a:r>
+              <a:rPr lang="en-US" dirty="0">
+                <a:solidFill>
+                  <a:schemeClr val="bg1">
+                    <a:lumMod val="75000"/>
+                  </a:schemeClr>
+                </a:solidFill>
+              </a:rPr>
+              <a:t>, Release: 2016</a:t>
+            </a:r>
+          </a:p>
+          <a:p>
+            <a:r>
               <a:rPr lang="en-US" dirty="0"/>
-              <a:t>Why is the method important? </a:t>
-            </a:r>
-            <a:br>
+              <a:t>Building reliable procedure for tumor detection</a:t>
+            </a:r>
+          </a:p>
+          <a:p>
+            <a:r>
               <a:rPr lang="en-US" dirty="0"/>
-            </a:br>
+              <a:t>Based on supervised machine learning </a:t>
+            </a:r>
+          </a:p>
+          <a:p>
             <a:r>
               <a:rPr lang="en-US" dirty="0"/>
-              <a:t>Where could it be used / what are the fields of application?</a:t>
+              <a:t>Primary Goal: Early Detection  </a:t>
+            </a:r>
+          </a:p>
+          <a:p>
+            <a:r>
+              <a:rPr lang="en-US" dirty="0"/>
+              <a:t>Secondary Goal: Segmentation</a:t>
+            </a:r>
+          </a:p>
+          <a:p>
+            <a:r>
+              <a:rPr lang="en-US" dirty="0"/>
+              <a:t>Currently challenging due to variety of anatomical structures</a:t>
             </a:r>
           </a:p>
         </p:txBody>
@@ -2747,8 +2865,13 @@
           <a:p>
             <a:r>
               <a:rPr lang="en-US" dirty="0"/>
-              <a:t>Basics</a:t>
-            </a:r>
+              <a:t>Basics </a:t>
+            </a:r>
+            <a:r>
+              <a:rPr lang="en-US" sz="1400" b="0" dirty="0"/>
+              <a:t>- BINARY DECISION TREE</a:t>
+            </a:r>
+            <a:endParaRPr lang="en-US" b="0" dirty="0"/>
           </a:p>
         </p:txBody>
       </p:sp>
@@ -2769,16 +2892,933 @@
           <a:p>
             <a:r>
               <a:rPr lang="en-US" dirty="0"/>
-              <a:t>Now let’s go into details …</a:t>
-            </a:r>
+              <a:t>Hierarchy of two-way decisions</a:t>
+            </a:r>
+          </a:p>
+          <a:p>
+            <a:r>
+              <a:rPr lang="en-US" dirty="0"/>
+              <a:t>Learn Classification of training set</a:t>
+            </a:r>
+          </a:p>
+          <a:p>
+            <a:r>
+              <a:rPr lang="en-US" dirty="0"/>
+              <a:t>Decision at leaf node</a:t>
+            </a:r>
+          </a:p>
+          <a:p>
+            <a:endParaRPr lang="en-US" dirty="0"/>
           </a:p>
         </p:txBody>
       </p:sp>
+      <p:pic>
+        <p:nvPicPr>
+          <p:cNvPr id="5" name="Grafik 4">
+            <a:extLst>
+              <a:ext uri="{FF2B5EF4-FFF2-40B4-BE49-F238E27FC236}">
+                <a16:creationId xmlns:a16="http://schemas.microsoft.com/office/drawing/2014/main" id="{CDC32EC1-9CEA-9D44-9525-D70A14C4E31C}"/>
+              </a:ext>
+            </a:extLst>
+          </p:cNvPr>
+          <p:cNvPicPr>
+            <a:picLocks noChangeAspect="1"/>
+          </p:cNvPicPr>
+          <p:nvPr/>
+        </p:nvPicPr>
+        <p:blipFill>
+          <a:blip r:embed="rId2">
+            <a:extLst>
+              <a:ext uri="{28A0092B-C50C-407E-A947-70E740481C1C}">
+                <a14:useLocalDpi xmlns:a14="http://schemas.microsoft.com/office/drawing/2010/main" val="0"/>
+              </a:ext>
+            </a:extLst>
+          </a:blip>
+          <a:stretch>
+            <a:fillRect/>
+          </a:stretch>
+        </p:blipFill>
+        <p:spPr>
+          <a:xfrm>
+            <a:off x="2388231" y="3651701"/>
+            <a:ext cx="4367538" cy="3025931"/>
+          </a:xfrm>
+          <a:prstGeom prst="rect">
+            <a:avLst/>
+          </a:prstGeom>
+        </p:spPr>
+      </p:pic>
+      <p:sp>
+        <p:nvSpPr>
+          <p:cNvPr id="6" name="Textfeld 5">
+            <a:extLst>
+              <a:ext uri="{FF2B5EF4-FFF2-40B4-BE49-F238E27FC236}">
+                <a16:creationId xmlns:a16="http://schemas.microsoft.com/office/drawing/2014/main" id="{E8A4D665-8F0F-BD47-952C-E78B163F30B4}"/>
+              </a:ext>
+            </a:extLst>
+          </p:cNvPr>
+          <p:cNvSpPr txBox="1"/>
+          <p:nvPr/>
+        </p:nvSpPr>
+        <p:spPr>
+          <a:xfrm>
+            <a:off x="499795" y="3850703"/>
+            <a:ext cx="993913" cy="369332"/>
+          </a:xfrm>
+          <a:custGeom>
+            <a:avLst/>
+            <a:gdLst>
+              <a:gd name="connsiteX0" fmla="*/ 0 w 993913"/>
+              <a:gd name="connsiteY0" fmla="*/ 0 h 369332"/>
+              <a:gd name="connsiteX1" fmla="*/ 477078 w 993913"/>
+              <a:gd name="connsiteY1" fmla="*/ 0 h 369332"/>
+              <a:gd name="connsiteX2" fmla="*/ 993913 w 993913"/>
+              <a:gd name="connsiteY2" fmla="*/ 0 h 369332"/>
+              <a:gd name="connsiteX3" fmla="*/ 993913 w 993913"/>
+              <a:gd name="connsiteY3" fmla="*/ 369332 h 369332"/>
+              <a:gd name="connsiteX4" fmla="*/ 516835 w 993913"/>
+              <a:gd name="connsiteY4" fmla="*/ 369332 h 369332"/>
+              <a:gd name="connsiteX5" fmla="*/ 0 w 993913"/>
+              <a:gd name="connsiteY5" fmla="*/ 369332 h 369332"/>
+              <a:gd name="connsiteX6" fmla="*/ 0 w 993913"/>
+              <a:gd name="connsiteY6" fmla="*/ 0 h 369332"/>
+            </a:gdLst>
+            <a:ahLst/>
+            <a:cxnLst>
+              <a:cxn ang="0">
+                <a:pos x="connsiteX0" y="connsiteY0"/>
+              </a:cxn>
+              <a:cxn ang="0">
+                <a:pos x="connsiteX1" y="connsiteY1"/>
+              </a:cxn>
+              <a:cxn ang="0">
+                <a:pos x="connsiteX2" y="connsiteY2"/>
+              </a:cxn>
+              <a:cxn ang="0">
+                <a:pos x="connsiteX3" y="connsiteY3"/>
+              </a:cxn>
+              <a:cxn ang="0">
+                <a:pos x="connsiteX4" y="connsiteY4"/>
+              </a:cxn>
+              <a:cxn ang="0">
+                <a:pos x="connsiteX5" y="connsiteY5"/>
+              </a:cxn>
+              <a:cxn ang="0">
+                <a:pos x="connsiteX6" y="connsiteY6"/>
+              </a:cxn>
+            </a:cxnLst>
+            <a:rect l="l" t="t" r="r" b="b"/>
+            <a:pathLst>
+              <a:path w="993913" h="369332" fill="none" extrusionOk="0">
+                <a:moveTo>
+                  <a:pt x="0" y="0"/>
+                </a:moveTo>
+                <a:cubicBezTo>
+                  <a:pt x="110233" y="831"/>
+                  <a:pt x="344410" y="2717"/>
+                  <a:pt x="477078" y="0"/>
+                </a:cubicBezTo>
+                <a:cubicBezTo>
+                  <a:pt x="609746" y="-2717"/>
+                  <a:pt x="789582" y="24191"/>
+                  <a:pt x="993913" y="0"/>
+                </a:cubicBezTo>
+                <a:cubicBezTo>
+                  <a:pt x="994357" y="77020"/>
+                  <a:pt x="988615" y="186667"/>
+                  <a:pt x="993913" y="369332"/>
+                </a:cubicBezTo>
+                <a:cubicBezTo>
+                  <a:pt x="870856" y="389130"/>
+                  <a:pt x="739829" y="359700"/>
+                  <a:pt x="516835" y="369332"/>
+                </a:cubicBezTo>
+                <a:cubicBezTo>
+                  <a:pt x="293841" y="378964"/>
+                  <a:pt x="243585" y="355706"/>
+                  <a:pt x="0" y="369332"/>
+                </a:cubicBezTo>
+                <a:cubicBezTo>
+                  <a:pt x="8697" y="292210"/>
+                  <a:pt x="-13597" y="126911"/>
+                  <a:pt x="0" y="0"/>
+                </a:cubicBezTo>
+                <a:close/>
+              </a:path>
+              <a:path w="993913" h="369332" stroke="0" extrusionOk="0">
+                <a:moveTo>
+                  <a:pt x="0" y="0"/>
+                </a:moveTo>
+                <a:cubicBezTo>
+                  <a:pt x="171478" y="-19076"/>
+                  <a:pt x="241129" y="12254"/>
+                  <a:pt x="467139" y="0"/>
+                </a:cubicBezTo>
+                <a:cubicBezTo>
+                  <a:pt x="693149" y="-12254"/>
+                  <a:pt x="799691" y="23262"/>
+                  <a:pt x="993913" y="0"/>
+                </a:cubicBezTo>
+                <a:cubicBezTo>
+                  <a:pt x="987596" y="82414"/>
+                  <a:pt x="998246" y="246435"/>
+                  <a:pt x="993913" y="369332"/>
+                </a:cubicBezTo>
+                <a:cubicBezTo>
+                  <a:pt x="823872" y="380449"/>
+                  <a:pt x="737999" y="363639"/>
+                  <a:pt x="487017" y="369332"/>
+                </a:cubicBezTo>
+                <a:cubicBezTo>
+                  <a:pt x="236035" y="375025"/>
+                  <a:pt x="227458" y="363800"/>
+                  <a:pt x="0" y="369332"/>
+                </a:cubicBezTo>
+                <a:cubicBezTo>
+                  <a:pt x="-4533" y="200994"/>
+                  <a:pt x="1439" y="168643"/>
+                  <a:pt x="0" y="0"/>
+                </a:cubicBezTo>
+                <a:close/>
+              </a:path>
+            </a:pathLst>
+          </a:custGeom>
+          <a:solidFill>
+            <a:srgbClr val="007AFF"/>
+          </a:solidFill>
+          <a:ln>
+            <a:noFill/>
+            <a:extLst>
+              <a:ext uri="{C807C97D-BFC1-408E-A445-0C87EB9F89A2}">
+                <ask:lineSketchStyleProps xmlns:ask="http://schemas.microsoft.com/office/drawing/2018/sketchyshapes" sd="2421688614">
+                  <a:prstGeom prst="rect">
+                    <a:avLst/>
+                  </a:prstGeom>
+                  <ask:type>
+                    <ask:lineSketchFreehand/>
+                  </ask:type>
+                </ask:lineSketchStyleProps>
+              </a:ext>
+            </a:extLst>
+          </a:ln>
+          <a:effectLst>
+            <a:softEdge rad="12700"/>
+          </a:effectLst>
+        </p:spPr>
+        <p:txBody>
+          <a:bodyPr wrap="square" rtlCol="0">
+            <a:spAutoFit/>
+          </a:bodyPr>
+          <a:lstStyle/>
+          <a:p>
+            <a:pPr algn="ctr"/>
+            <a:r>
+              <a:rPr lang="de-DE" sz="1800" dirty="0">
+                <a:latin typeface="+mn-lt"/>
+              </a:rPr>
+              <a:t>ROOT</a:t>
+            </a:r>
+          </a:p>
+        </p:txBody>
+      </p:sp>
+      <p:sp>
+        <p:nvSpPr>
+          <p:cNvPr id="7" name="Textfeld 6">
+            <a:extLst>
+              <a:ext uri="{FF2B5EF4-FFF2-40B4-BE49-F238E27FC236}">
+                <a16:creationId xmlns:a16="http://schemas.microsoft.com/office/drawing/2014/main" id="{EF3360B7-CA3E-9F4D-982A-ACF88F172124}"/>
+              </a:ext>
+            </a:extLst>
+          </p:cNvPr>
+          <p:cNvSpPr txBox="1"/>
+          <p:nvPr/>
+        </p:nvSpPr>
+        <p:spPr>
+          <a:xfrm>
+            <a:off x="499795" y="4923205"/>
+            <a:ext cx="993913" cy="369332"/>
+          </a:xfrm>
+          <a:custGeom>
+            <a:avLst/>
+            <a:gdLst>
+              <a:gd name="connsiteX0" fmla="*/ 0 w 993913"/>
+              <a:gd name="connsiteY0" fmla="*/ 0 h 369332"/>
+              <a:gd name="connsiteX1" fmla="*/ 467139 w 993913"/>
+              <a:gd name="connsiteY1" fmla="*/ 0 h 369332"/>
+              <a:gd name="connsiteX2" fmla="*/ 993913 w 993913"/>
+              <a:gd name="connsiteY2" fmla="*/ 0 h 369332"/>
+              <a:gd name="connsiteX3" fmla="*/ 993913 w 993913"/>
+              <a:gd name="connsiteY3" fmla="*/ 369332 h 369332"/>
+              <a:gd name="connsiteX4" fmla="*/ 516835 w 993913"/>
+              <a:gd name="connsiteY4" fmla="*/ 369332 h 369332"/>
+              <a:gd name="connsiteX5" fmla="*/ 0 w 993913"/>
+              <a:gd name="connsiteY5" fmla="*/ 369332 h 369332"/>
+              <a:gd name="connsiteX6" fmla="*/ 0 w 993913"/>
+              <a:gd name="connsiteY6" fmla="*/ 0 h 369332"/>
+            </a:gdLst>
+            <a:ahLst/>
+            <a:cxnLst>
+              <a:cxn ang="0">
+                <a:pos x="connsiteX0" y="connsiteY0"/>
+              </a:cxn>
+              <a:cxn ang="0">
+                <a:pos x="connsiteX1" y="connsiteY1"/>
+              </a:cxn>
+              <a:cxn ang="0">
+                <a:pos x="connsiteX2" y="connsiteY2"/>
+              </a:cxn>
+              <a:cxn ang="0">
+                <a:pos x="connsiteX3" y="connsiteY3"/>
+              </a:cxn>
+              <a:cxn ang="0">
+                <a:pos x="connsiteX4" y="connsiteY4"/>
+              </a:cxn>
+              <a:cxn ang="0">
+                <a:pos x="connsiteX5" y="connsiteY5"/>
+              </a:cxn>
+              <a:cxn ang="0">
+                <a:pos x="connsiteX6" y="connsiteY6"/>
+              </a:cxn>
+            </a:cxnLst>
+            <a:rect l="l" t="t" r="r" b="b"/>
+            <a:pathLst>
+              <a:path w="993913" h="369332" fill="none" extrusionOk="0">
+                <a:moveTo>
+                  <a:pt x="0" y="0"/>
+                </a:moveTo>
+                <a:cubicBezTo>
+                  <a:pt x="185030" y="-13876"/>
+                  <a:pt x="350884" y="-19118"/>
+                  <a:pt x="467139" y="0"/>
+                </a:cubicBezTo>
+                <a:cubicBezTo>
+                  <a:pt x="583394" y="19118"/>
+                  <a:pt x="758265" y="-17987"/>
+                  <a:pt x="993913" y="0"/>
+                </a:cubicBezTo>
+                <a:cubicBezTo>
+                  <a:pt x="1006713" y="107504"/>
+                  <a:pt x="1012118" y="217297"/>
+                  <a:pt x="993913" y="369332"/>
+                </a:cubicBezTo>
+                <a:cubicBezTo>
+                  <a:pt x="782324" y="388679"/>
+                  <a:pt x="625688" y="354736"/>
+                  <a:pt x="516835" y="369332"/>
+                </a:cubicBezTo>
+                <a:cubicBezTo>
+                  <a:pt x="407982" y="383928"/>
+                  <a:pt x="113225" y="385284"/>
+                  <a:pt x="0" y="369332"/>
+                </a:cubicBezTo>
+                <a:cubicBezTo>
+                  <a:pt x="4389" y="233748"/>
+                  <a:pt x="4403" y="97432"/>
+                  <a:pt x="0" y="0"/>
+                </a:cubicBezTo>
+                <a:close/>
+              </a:path>
+              <a:path w="993913" h="369332" stroke="0" extrusionOk="0">
+                <a:moveTo>
+                  <a:pt x="0" y="0"/>
+                </a:moveTo>
+                <a:cubicBezTo>
+                  <a:pt x="176553" y="-10293"/>
+                  <a:pt x="345639" y="11788"/>
+                  <a:pt x="477078" y="0"/>
+                </a:cubicBezTo>
+                <a:cubicBezTo>
+                  <a:pt x="608517" y="-11788"/>
+                  <a:pt x="824857" y="25832"/>
+                  <a:pt x="993913" y="0"/>
+                </a:cubicBezTo>
+                <a:cubicBezTo>
+                  <a:pt x="981435" y="155510"/>
+                  <a:pt x="1008574" y="212860"/>
+                  <a:pt x="993913" y="369332"/>
+                </a:cubicBezTo>
+                <a:cubicBezTo>
+                  <a:pt x="884423" y="379665"/>
+                  <a:pt x="651836" y="388849"/>
+                  <a:pt x="526774" y="369332"/>
+                </a:cubicBezTo>
+                <a:cubicBezTo>
+                  <a:pt x="401712" y="349815"/>
+                  <a:pt x="180316" y="344906"/>
+                  <a:pt x="0" y="369332"/>
+                </a:cubicBezTo>
+                <a:cubicBezTo>
+                  <a:pt x="-3266" y="231908"/>
+                  <a:pt x="6819" y="112602"/>
+                  <a:pt x="0" y="0"/>
+                </a:cubicBezTo>
+                <a:close/>
+              </a:path>
+            </a:pathLst>
+          </a:custGeom>
+          <a:solidFill>
+            <a:srgbClr val="F59A22"/>
+          </a:solidFill>
+          <a:ln>
+            <a:noFill/>
+            <a:extLst>
+              <a:ext uri="{C807C97D-BFC1-408E-A445-0C87EB9F89A2}">
+                <ask:lineSketchStyleProps xmlns:ask="http://schemas.microsoft.com/office/drawing/2018/sketchyshapes" sd="1521724972">
+                  <a:prstGeom prst="rect">
+                    <a:avLst/>
+                  </a:prstGeom>
+                  <ask:type>
+                    <ask:lineSketchFreehand/>
+                  </ask:type>
+                </ask:lineSketchStyleProps>
+              </a:ext>
+            </a:extLst>
+          </a:ln>
+          <a:effectLst>
+            <a:softEdge rad="12700"/>
+          </a:effectLst>
+        </p:spPr>
+        <p:txBody>
+          <a:bodyPr wrap="square" rtlCol="0">
+            <a:spAutoFit/>
+          </a:bodyPr>
+          <a:lstStyle/>
+          <a:p>
+            <a:pPr algn="ctr"/>
+            <a:r>
+              <a:rPr lang="de-DE" sz="1800" dirty="0">
+                <a:latin typeface="+mn-lt"/>
+              </a:rPr>
+              <a:t>SPLIT</a:t>
+            </a:r>
+          </a:p>
+        </p:txBody>
+      </p:sp>
+      <p:sp>
+        <p:nvSpPr>
+          <p:cNvPr id="8" name="Textfeld 7">
+            <a:extLst>
+              <a:ext uri="{FF2B5EF4-FFF2-40B4-BE49-F238E27FC236}">
+                <a16:creationId xmlns:a16="http://schemas.microsoft.com/office/drawing/2014/main" id="{91AD6CFD-A63C-7D4D-AD9C-A9607B55E8A8}"/>
+              </a:ext>
+            </a:extLst>
+          </p:cNvPr>
+          <p:cNvSpPr txBox="1"/>
+          <p:nvPr/>
+        </p:nvSpPr>
+        <p:spPr>
+          <a:xfrm>
+            <a:off x="499795" y="5995707"/>
+            <a:ext cx="993913" cy="369332"/>
+          </a:xfrm>
+          <a:custGeom>
+            <a:avLst/>
+            <a:gdLst>
+              <a:gd name="connsiteX0" fmla="*/ 0 w 993913"/>
+              <a:gd name="connsiteY0" fmla="*/ 0 h 369332"/>
+              <a:gd name="connsiteX1" fmla="*/ 487017 w 993913"/>
+              <a:gd name="connsiteY1" fmla="*/ 0 h 369332"/>
+              <a:gd name="connsiteX2" fmla="*/ 993913 w 993913"/>
+              <a:gd name="connsiteY2" fmla="*/ 0 h 369332"/>
+              <a:gd name="connsiteX3" fmla="*/ 993913 w 993913"/>
+              <a:gd name="connsiteY3" fmla="*/ 369332 h 369332"/>
+              <a:gd name="connsiteX4" fmla="*/ 526774 w 993913"/>
+              <a:gd name="connsiteY4" fmla="*/ 369332 h 369332"/>
+              <a:gd name="connsiteX5" fmla="*/ 0 w 993913"/>
+              <a:gd name="connsiteY5" fmla="*/ 369332 h 369332"/>
+              <a:gd name="connsiteX6" fmla="*/ 0 w 993913"/>
+              <a:gd name="connsiteY6" fmla="*/ 0 h 369332"/>
+            </a:gdLst>
+            <a:ahLst/>
+            <a:cxnLst>
+              <a:cxn ang="0">
+                <a:pos x="connsiteX0" y="connsiteY0"/>
+              </a:cxn>
+              <a:cxn ang="0">
+                <a:pos x="connsiteX1" y="connsiteY1"/>
+              </a:cxn>
+              <a:cxn ang="0">
+                <a:pos x="connsiteX2" y="connsiteY2"/>
+              </a:cxn>
+              <a:cxn ang="0">
+                <a:pos x="connsiteX3" y="connsiteY3"/>
+              </a:cxn>
+              <a:cxn ang="0">
+                <a:pos x="connsiteX4" y="connsiteY4"/>
+              </a:cxn>
+              <a:cxn ang="0">
+                <a:pos x="connsiteX5" y="connsiteY5"/>
+              </a:cxn>
+              <a:cxn ang="0">
+                <a:pos x="connsiteX6" y="connsiteY6"/>
+              </a:cxn>
+            </a:cxnLst>
+            <a:rect l="l" t="t" r="r" b="b"/>
+            <a:pathLst>
+              <a:path w="993913" h="369332" fill="none" extrusionOk="0">
+                <a:moveTo>
+                  <a:pt x="0" y="0"/>
+                </a:moveTo>
+                <a:cubicBezTo>
+                  <a:pt x="128989" y="3003"/>
+                  <a:pt x="282018" y="2233"/>
+                  <a:pt x="487017" y="0"/>
+                </a:cubicBezTo>
+                <a:cubicBezTo>
+                  <a:pt x="692016" y="-2233"/>
+                  <a:pt x="761567" y="24926"/>
+                  <a:pt x="993913" y="0"/>
+                </a:cubicBezTo>
+                <a:cubicBezTo>
+                  <a:pt x="999223" y="105860"/>
+                  <a:pt x="1012339" y="263616"/>
+                  <a:pt x="993913" y="369332"/>
+                </a:cubicBezTo>
+                <a:cubicBezTo>
+                  <a:pt x="861041" y="357109"/>
+                  <a:pt x="674686" y="373019"/>
+                  <a:pt x="526774" y="369332"/>
+                </a:cubicBezTo>
+                <a:cubicBezTo>
+                  <a:pt x="378862" y="365645"/>
+                  <a:pt x="106999" y="384232"/>
+                  <a:pt x="0" y="369332"/>
+                </a:cubicBezTo>
+                <a:cubicBezTo>
+                  <a:pt x="-15145" y="243742"/>
+                  <a:pt x="10944" y="107533"/>
+                  <a:pt x="0" y="0"/>
+                </a:cubicBezTo>
+                <a:close/>
+              </a:path>
+              <a:path w="993913" h="369332" stroke="0" extrusionOk="0">
+                <a:moveTo>
+                  <a:pt x="0" y="0"/>
+                </a:moveTo>
+                <a:cubicBezTo>
+                  <a:pt x="162889" y="-2594"/>
+                  <a:pt x="376288" y="12093"/>
+                  <a:pt x="477078" y="0"/>
+                </a:cubicBezTo>
+                <a:cubicBezTo>
+                  <a:pt x="577868" y="-12093"/>
+                  <a:pt x="828234" y="-12416"/>
+                  <a:pt x="993913" y="0"/>
+                </a:cubicBezTo>
+                <a:cubicBezTo>
+                  <a:pt x="987386" y="96397"/>
+                  <a:pt x="980318" y="223384"/>
+                  <a:pt x="993913" y="369332"/>
+                </a:cubicBezTo>
+                <a:cubicBezTo>
+                  <a:pt x="867439" y="347393"/>
+                  <a:pt x="741036" y="379758"/>
+                  <a:pt x="506896" y="369332"/>
+                </a:cubicBezTo>
+                <a:cubicBezTo>
+                  <a:pt x="272756" y="358906"/>
+                  <a:pt x="119245" y="370534"/>
+                  <a:pt x="0" y="369332"/>
+                </a:cubicBezTo>
+                <a:cubicBezTo>
+                  <a:pt x="2953" y="238803"/>
+                  <a:pt x="184" y="144496"/>
+                  <a:pt x="0" y="0"/>
+                </a:cubicBezTo>
+                <a:close/>
+              </a:path>
+            </a:pathLst>
+          </a:custGeom>
+          <a:solidFill>
+            <a:srgbClr val="D20000"/>
+          </a:solidFill>
+          <a:ln>
+            <a:noFill/>
+            <a:extLst>
+              <a:ext uri="{C807C97D-BFC1-408E-A445-0C87EB9F89A2}">
+                <ask:lineSketchStyleProps xmlns:ask="http://schemas.microsoft.com/office/drawing/2018/sketchyshapes" sd="1540195912">
+                  <a:prstGeom prst="rect">
+                    <a:avLst/>
+                  </a:prstGeom>
+                  <ask:type>
+                    <ask:lineSketchFreehand/>
+                  </ask:type>
+                </ask:lineSketchStyleProps>
+              </a:ext>
+            </a:extLst>
+          </a:ln>
+          <a:effectLst>
+            <a:softEdge rad="12700"/>
+          </a:effectLst>
+        </p:spPr>
+        <p:txBody>
+          <a:bodyPr wrap="square" rtlCol="0">
+            <a:spAutoFit/>
+          </a:bodyPr>
+          <a:lstStyle/>
+          <a:p>
+            <a:pPr algn="ctr"/>
+            <a:r>
+              <a:rPr lang="de-DE" sz="1800" dirty="0">
+                <a:latin typeface="+mn-lt"/>
+              </a:rPr>
+              <a:t>LEAF</a:t>
+            </a:r>
+          </a:p>
+        </p:txBody>
+      </p:sp>
+      <p:cxnSp>
+        <p:nvCxnSpPr>
+          <p:cNvPr id="10" name="Gerade Verbindung 9">
+            <a:extLst>
+              <a:ext uri="{FF2B5EF4-FFF2-40B4-BE49-F238E27FC236}">
+                <a16:creationId xmlns:a16="http://schemas.microsoft.com/office/drawing/2014/main" id="{76394F09-4BCC-FA43-9395-9F4D77979437}"/>
+              </a:ext>
+            </a:extLst>
+          </p:cNvPr>
+          <p:cNvCxnSpPr>
+            <a:cxnSpLocks/>
+          </p:cNvCxnSpPr>
+          <p:nvPr/>
+        </p:nvCxnSpPr>
+        <p:spPr>
+          <a:xfrm>
+            <a:off x="1537890" y="4029690"/>
+            <a:ext cx="2693340" cy="0"/>
+          </a:xfrm>
+          <a:prstGeom prst="line">
+            <a:avLst/>
+          </a:prstGeom>
+          <a:ln w="28575">
+            <a:solidFill>
+              <a:srgbClr val="007AFF"/>
+            </a:solidFill>
+            <a:prstDash val="sysDot"/>
+          </a:ln>
+        </p:spPr>
+        <p:style>
+          <a:lnRef idx="1">
+            <a:schemeClr val="accent6"/>
+          </a:lnRef>
+          <a:fillRef idx="0">
+            <a:schemeClr val="accent6"/>
+          </a:fillRef>
+          <a:effectRef idx="0">
+            <a:schemeClr val="accent6"/>
+          </a:effectRef>
+          <a:fontRef idx="minor">
+            <a:schemeClr val="tx1"/>
+          </a:fontRef>
+        </p:style>
+      </p:cxnSp>
+      <p:cxnSp>
+        <p:nvCxnSpPr>
+          <p:cNvPr id="12" name="Gerade Verbindung 11">
+            <a:extLst>
+              <a:ext uri="{FF2B5EF4-FFF2-40B4-BE49-F238E27FC236}">
+                <a16:creationId xmlns:a16="http://schemas.microsoft.com/office/drawing/2014/main" id="{BD411D29-1CED-2343-B185-480699B73221}"/>
+              </a:ext>
+            </a:extLst>
+          </p:cNvPr>
+          <p:cNvCxnSpPr>
+            <a:cxnSpLocks/>
+          </p:cNvCxnSpPr>
+          <p:nvPr/>
+        </p:nvCxnSpPr>
+        <p:spPr>
+          <a:xfrm>
+            <a:off x="1537890" y="5107871"/>
+            <a:ext cx="1648311" cy="0"/>
+          </a:xfrm>
+          <a:prstGeom prst="line">
+            <a:avLst/>
+          </a:prstGeom>
+          <a:ln w="28575">
+            <a:solidFill>
+              <a:srgbClr val="F59A22"/>
+            </a:solidFill>
+            <a:prstDash val="sysDot"/>
+          </a:ln>
+        </p:spPr>
+        <p:style>
+          <a:lnRef idx="1">
+            <a:schemeClr val="accent6"/>
+          </a:lnRef>
+          <a:fillRef idx="0">
+            <a:schemeClr val="accent6"/>
+          </a:fillRef>
+          <a:effectRef idx="0">
+            <a:schemeClr val="accent6"/>
+          </a:effectRef>
+          <a:fontRef idx="minor">
+            <a:schemeClr val="tx1"/>
+          </a:fontRef>
+        </p:style>
+      </p:cxnSp>
+      <p:cxnSp>
+        <p:nvCxnSpPr>
+          <p:cNvPr id="14" name="Gerade Verbindung 13">
+            <a:extLst>
+              <a:ext uri="{FF2B5EF4-FFF2-40B4-BE49-F238E27FC236}">
+                <a16:creationId xmlns:a16="http://schemas.microsoft.com/office/drawing/2014/main" id="{B916137A-E3DB-D34B-BF50-5725D41919F8}"/>
+              </a:ext>
+            </a:extLst>
+          </p:cNvPr>
+          <p:cNvCxnSpPr>
+            <a:cxnSpLocks/>
+          </p:cNvCxnSpPr>
+          <p:nvPr/>
+        </p:nvCxnSpPr>
+        <p:spPr>
+          <a:xfrm flipV="1">
+            <a:off x="1537890" y="6180373"/>
+            <a:ext cx="1086040" cy="6731"/>
+          </a:xfrm>
+          <a:prstGeom prst="line">
+            <a:avLst/>
+          </a:prstGeom>
+          <a:ln w="28575">
+            <a:solidFill>
+              <a:srgbClr val="D20000"/>
+            </a:solidFill>
+            <a:prstDash val="sysDot"/>
+          </a:ln>
+        </p:spPr>
+        <p:style>
+          <a:lnRef idx="1">
+            <a:schemeClr val="accent6"/>
+          </a:lnRef>
+          <a:fillRef idx="0">
+            <a:schemeClr val="accent6"/>
+          </a:fillRef>
+          <a:effectRef idx="0">
+            <a:schemeClr val="accent6"/>
+          </a:effectRef>
+          <a:fontRef idx="minor">
+            <a:schemeClr val="tx1"/>
+          </a:fontRef>
+        </p:style>
+      </p:cxnSp>
     </p:spTree>
   </p:cSld>
   <p:clrMapOvr>
     <a:masterClrMapping/>
   </p:clrMapOvr>
+  <p:timing>
+    <p:tnLst>
+      <p:par>
+        <p:cTn id="1" dur="indefinite" restart="never" nodeType="tmRoot">
+          <p:childTnLst>
+            <p:seq concurrent="1" nextAc="seek">
+              <p:cTn id="2" dur="indefinite" nodeType="mainSeq">
+                <p:childTnLst>
+                  <p:par>
+                    <p:cTn id="3" fill="hold">
+                      <p:stCondLst>
+                        <p:cond delay="indefinite"/>
+                      </p:stCondLst>
+                      <p:childTnLst>
+                        <p:par>
+                          <p:cTn id="4" fill="hold">
+                            <p:stCondLst>
+                              <p:cond delay="0"/>
+                            </p:stCondLst>
+                            <p:childTnLst>
+                              <p:par>
+                                <p:cTn id="5" presetID="1" presetClass="entr" presetSubtype="0" fill="hold" grpId="0" nodeType="clickEffect">
+                                  <p:stCondLst>
+                                    <p:cond delay="0"/>
+                                  </p:stCondLst>
+                                  <p:childTnLst>
+                                    <p:set>
+                                      <p:cBhvr>
+                                        <p:cTn id="6" dur="1" fill="hold">
+                                          <p:stCondLst>
+                                            <p:cond delay="0"/>
+                                          </p:stCondLst>
+                                        </p:cTn>
+                                        <p:tgtEl>
+                                          <p:spTgt spid="6"/>
+                                        </p:tgtEl>
+                                        <p:attrNameLst>
+                                          <p:attrName>style.visibility</p:attrName>
+                                        </p:attrNameLst>
+                                      </p:cBhvr>
+                                      <p:to>
+                                        <p:strVal val="visible"/>
+                                      </p:to>
+                                    </p:set>
+                                  </p:childTnLst>
+                                </p:cTn>
+                              </p:par>
+                              <p:par>
+                                <p:cTn id="7" presetID="1" presetClass="entr" presetSubtype="0" fill="hold" grpId="0" nodeType="withEffect">
+                                  <p:stCondLst>
+                                    <p:cond delay="0"/>
+                                  </p:stCondLst>
+                                  <p:childTnLst>
+                                    <p:set>
+                                      <p:cBhvr>
+                                        <p:cTn id="8" dur="1" fill="hold">
+                                          <p:stCondLst>
+                                            <p:cond delay="0"/>
+                                          </p:stCondLst>
+                                        </p:cTn>
+                                        <p:tgtEl>
+                                          <p:spTgt spid="7"/>
+                                        </p:tgtEl>
+                                        <p:attrNameLst>
+                                          <p:attrName>style.visibility</p:attrName>
+                                        </p:attrNameLst>
+                                      </p:cBhvr>
+                                      <p:to>
+                                        <p:strVal val="visible"/>
+                                      </p:to>
+                                    </p:set>
+                                  </p:childTnLst>
+                                </p:cTn>
+                              </p:par>
+                              <p:par>
+                                <p:cTn id="9" presetID="1" presetClass="entr" presetSubtype="0" fill="hold" grpId="0" nodeType="withEffect">
+                                  <p:stCondLst>
+                                    <p:cond delay="0"/>
+                                  </p:stCondLst>
+                                  <p:childTnLst>
+                                    <p:set>
+                                      <p:cBhvr>
+                                        <p:cTn id="10" dur="1" fill="hold">
+                                          <p:stCondLst>
+                                            <p:cond delay="0"/>
+                                          </p:stCondLst>
+                                        </p:cTn>
+                                        <p:tgtEl>
+                                          <p:spTgt spid="8"/>
+                                        </p:tgtEl>
+                                        <p:attrNameLst>
+                                          <p:attrName>style.visibility</p:attrName>
+                                        </p:attrNameLst>
+                                      </p:cBhvr>
+                                      <p:to>
+                                        <p:strVal val="visible"/>
+                                      </p:to>
+                                    </p:set>
+                                  </p:childTnLst>
+                                </p:cTn>
+                              </p:par>
+                              <p:par>
+                                <p:cTn id="11" presetID="1" presetClass="entr" presetSubtype="0" fill="hold" nodeType="withEffect">
+                                  <p:stCondLst>
+                                    <p:cond delay="0"/>
+                                  </p:stCondLst>
+                                  <p:childTnLst>
+                                    <p:set>
+                                      <p:cBhvr>
+                                        <p:cTn id="12" dur="1" fill="hold">
+                                          <p:stCondLst>
+                                            <p:cond delay="0"/>
+                                          </p:stCondLst>
+                                        </p:cTn>
+                                        <p:tgtEl>
+                                          <p:spTgt spid="10"/>
+                                        </p:tgtEl>
+                                        <p:attrNameLst>
+                                          <p:attrName>style.visibility</p:attrName>
+                                        </p:attrNameLst>
+                                      </p:cBhvr>
+                                      <p:to>
+                                        <p:strVal val="visible"/>
+                                      </p:to>
+                                    </p:set>
+                                  </p:childTnLst>
+                                </p:cTn>
+                              </p:par>
+                              <p:par>
+                                <p:cTn id="13" presetID="1" presetClass="entr" presetSubtype="0" fill="hold" nodeType="withEffect">
+                                  <p:stCondLst>
+                                    <p:cond delay="0"/>
+                                  </p:stCondLst>
+                                  <p:childTnLst>
+                                    <p:set>
+                                      <p:cBhvr>
+                                        <p:cTn id="14" dur="1" fill="hold">
+                                          <p:stCondLst>
+                                            <p:cond delay="0"/>
+                                          </p:stCondLst>
+                                        </p:cTn>
+                                        <p:tgtEl>
+                                          <p:spTgt spid="12"/>
+                                        </p:tgtEl>
+                                        <p:attrNameLst>
+                                          <p:attrName>style.visibility</p:attrName>
+                                        </p:attrNameLst>
+                                      </p:cBhvr>
+                                      <p:to>
+                                        <p:strVal val="visible"/>
+                                      </p:to>
+                                    </p:set>
+                                  </p:childTnLst>
+                                </p:cTn>
+                              </p:par>
+                              <p:par>
+                                <p:cTn id="15" presetID="1" presetClass="entr" presetSubtype="0" fill="hold" nodeType="withEffect">
+                                  <p:stCondLst>
+                                    <p:cond delay="0"/>
+                                  </p:stCondLst>
+                                  <p:childTnLst>
+                                    <p:set>
+                                      <p:cBhvr>
+                                        <p:cTn id="16" dur="1" fill="hold">
+                                          <p:stCondLst>
+                                            <p:cond delay="0"/>
+                                          </p:stCondLst>
+                                        </p:cTn>
+                                        <p:tgtEl>
+                                          <p:spTgt spid="14"/>
+                                        </p:tgtEl>
+                                        <p:attrNameLst>
+                                          <p:attrName>style.visibility</p:attrName>
+                                        </p:attrNameLst>
+                                      </p:cBhvr>
+                                      <p:to>
+                                        <p:strVal val="visible"/>
+                                      </p:to>
+                                    </p:set>
+                                  </p:childTnLst>
+                                </p:cTn>
+                              </p:par>
+                            </p:childTnLst>
+                          </p:cTn>
+                        </p:par>
+                      </p:childTnLst>
+                    </p:cTn>
+                  </p:par>
+                </p:childTnLst>
+              </p:cTn>
+              <p:prevCondLst>
+                <p:cond evt="onPrev" delay="0">
+                  <p:tgtEl>
+                    <p:sldTgt/>
+                  </p:tgtEl>
+                </p:cond>
+              </p:prevCondLst>
+              <p:nextCondLst>
+                <p:cond evt="onNext" delay="0">
+                  <p:tgtEl>
+                    <p:sldTgt/>
+                  </p:tgtEl>
+                </p:cond>
+              </p:nextCondLst>
+            </p:seq>
+          </p:childTnLst>
+        </p:cTn>
+      </p:par>
+    </p:tnLst>
+    <p:bldLst>
+      <p:bldP spid="6" grpId="0" animBg="1"/>
+      <p:bldP spid="7" grpId="0" animBg="1"/>
+      <p:bldP spid="8" grpId="0" animBg="1"/>
+    </p:bldLst>
+  </p:timing>
 </p:sld>
 </file>
 
@@ -2816,43 +3856,1358 @@
           <a:p>
             <a:r>
               <a:rPr lang="en-US" dirty="0"/>
-              <a:t>Methods</a:t>
-            </a:r>
+              <a:t>Basics </a:t>
+            </a:r>
+            <a:r>
+              <a:rPr lang="en-US" sz="1400" b="0" dirty="0"/>
+              <a:t>- BINARY DECISION TREE</a:t>
+            </a:r>
+            <a:endParaRPr lang="en-US" b="0" dirty="0"/>
+          </a:p>
+        </p:txBody>
+      </p:sp>
+      <p:pic>
+        <p:nvPicPr>
+          <p:cNvPr id="5" name="Grafik 4">
+            <a:extLst>
+              <a:ext uri="{FF2B5EF4-FFF2-40B4-BE49-F238E27FC236}">
+                <a16:creationId xmlns:a16="http://schemas.microsoft.com/office/drawing/2014/main" id="{CDC32EC1-9CEA-9D44-9525-D70A14C4E31C}"/>
+              </a:ext>
+            </a:extLst>
+          </p:cNvPr>
+          <p:cNvPicPr>
+            <a:picLocks noChangeAspect="1"/>
+          </p:cNvPicPr>
+          <p:nvPr/>
+        </p:nvPicPr>
+        <p:blipFill>
+          <a:blip r:embed="rId2">
+            <a:extLst>
+              <a:ext uri="{28A0092B-C50C-407E-A947-70E740481C1C}">
+                <a14:useLocalDpi xmlns:a14="http://schemas.microsoft.com/office/drawing/2010/main" val="0"/>
+              </a:ext>
+            </a:extLst>
+          </a:blip>
+          <a:stretch>
+            <a:fillRect/>
+          </a:stretch>
+        </p:blipFill>
+        <p:spPr>
+          <a:xfrm>
+            <a:off x="7218648" y="973667"/>
+            <a:ext cx="1871396" cy="1296546"/>
+          </a:xfrm>
+          <a:prstGeom prst="rect">
+            <a:avLst/>
+          </a:prstGeom>
+        </p:spPr>
+      </p:pic>
+      <p:pic>
+        <p:nvPicPr>
+          <p:cNvPr id="9" name="Grafik 8" descr="Ein Bild, das Tisch enthält.&#10;&#10;Automatisch generierte Beschreibung">
+            <a:extLst>
+              <a:ext uri="{FF2B5EF4-FFF2-40B4-BE49-F238E27FC236}">
+                <a16:creationId xmlns:a16="http://schemas.microsoft.com/office/drawing/2014/main" id="{1D549646-3C2A-F84E-8898-B1A13BFB3EE1}"/>
+              </a:ext>
+            </a:extLst>
+          </p:cNvPr>
+          <p:cNvPicPr>
+            <a:picLocks noChangeAspect="1"/>
+          </p:cNvPicPr>
+          <p:nvPr/>
+        </p:nvPicPr>
+        <p:blipFill>
+          <a:blip r:embed="rId3">
+            <a:extLst>
+              <a:ext uri="{28A0092B-C50C-407E-A947-70E740481C1C}">
+                <a14:useLocalDpi xmlns:a14="http://schemas.microsoft.com/office/drawing/2010/main" val="0"/>
+              </a:ext>
+            </a:extLst>
+          </a:blip>
+          <a:stretch>
+            <a:fillRect/>
+          </a:stretch>
+        </p:blipFill>
+        <p:spPr>
+          <a:xfrm>
+            <a:off x="707038" y="2780782"/>
+            <a:ext cx="3722975" cy="2683122"/>
+          </a:xfrm>
+          <a:prstGeom prst="rect">
+            <a:avLst/>
+          </a:prstGeom>
+        </p:spPr>
+      </p:pic>
+      <p:sp>
+        <p:nvSpPr>
+          <p:cNvPr id="11" name="Rechteck 10">
+            <a:extLst>
+              <a:ext uri="{FF2B5EF4-FFF2-40B4-BE49-F238E27FC236}">
+                <a16:creationId xmlns:a16="http://schemas.microsoft.com/office/drawing/2014/main" id="{878836B6-2687-B445-90C2-C737DB174FED}"/>
+              </a:ext>
+            </a:extLst>
+          </p:cNvPr>
+          <p:cNvSpPr/>
+          <p:nvPr/>
+        </p:nvSpPr>
+        <p:spPr>
+          <a:xfrm>
+            <a:off x="3620622" y="2705600"/>
+            <a:ext cx="880323" cy="2833485"/>
+          </a:xfrm>
+          <a:prstGeom prst="rect">
+            <a:avLst/>
+          </a:prstGeom>
+          <a:noFill/>
+          <a:ln w="57150">
+            <a:solidFill>
+              <a:srgbClr val="C00000"/>
+            </a:solidFill>
+          </a:ln>
+        </p:spPr>
+        <p:style>
+          <a:lnRef idx="2">
+            <a:schemeClr val="accent1">
+              <a:shade val="50000"/>
+            </a:schemeClr>
+          </a:lnRef>
+          <a:fillRef idx="1">
+            <a:schemeClr val="accent1"/>
+          </a:fillRef>
+          <a:effectRef idx="0">
+            <a:schemeClr val="accent1"/>
+          </a:effectRef>
+          <a:fontRef idx="minor">
+            <a:schemeClr val="lt1"/>
+          </a:fontRef>
+        </p:style>
+        <p:txBody>
+          <a:bodyPr rtlCol="0" anchor="ctr"/>
+          <a:lstStyle/>
+          <a:p>
+            <a:pPr algn="ctr"/>
+            <a:endParaRPr lang="de-DE"/>
+          </a:p>
+        </p:txBody>
+      </p:sp>
+      <p:cxnSp>
+        <p:nvCxnSpPr>
+          <p:cNvPr id="21" name="Gerade Verbindung mit Pfeil 20">
+            <a:extLst>
+              <a:ext uri="{FF2B5EF4-FFF2-40B4-BE49-F238E27FC236}">
+                <a16:creationId xmlns:a16="http://schemas.microsoft.com/office/drawing/2014/main" id="{6FA98F9C-EC0A-E34E-9061-9CB47F28E5A0}"/>
+              </a:ext>
+            </a:extLst>
+          </p:cNvPr>
+          <p:cNvCxnSpPr>
+            <a:cxnSpLocks/>
+          </p:cNvCxnSpPr>
+          <p:nvPr/>
+        </p:nvCxnSpPr>
+        <p:spPr>
+          <a:xfrm flipV="1">
+            <a:off x="4500945" y="2044622"/>
+            <a:ext cx="2791537" cy="660978"/>
+          </a:xfrm>
+          <a:prstGeom prst="straightConnector1">
+            <a:avLst/>
+          </a:prstGeom>
+          <a:ln w="28575">
+            <a:solidFill>
+              <a:srgbClr val="C00000"/>
+            </a:solidFill>
+            <a:tailEnd type="triangle"/>
+          </a:ln>
+        </p:spPr>
+        <p:style>
+          <a:lnRef idx="1">
+            <a:schemeClr val="accent1"/>
+          </a:lnRef>
+          <a:fillRef idx="0">
+            <a:schemeClr val="accent1"/>
+          </a:fillRef>
+          <a:effectRef idx="0">
+            <a:schemeClr val="accent1"/>
+          </a:effectRef>
+          <a:fontRef idx="minor">
+            <a:schemeClr val="tx1"/>
+          </a:fontRef>
+        </p:style>
+      </p:cxnSp>
+      <p:pic>
+        <p:nvPicPr>
+          <p:cNvPr id="24" name="Grafik 23">
+            <a:extLst>
+              <a:ext uri="{FF2B5EF4-FFF2-40B4-BE49-F238E27FC236}">
+                <a16:creationId xmlns:a16="http://schemas.microsoft.com/office/drawing/2014/main" id="{E4BB6D13-06E8-7441-B534-2EC7ECC8591A}"/>
+              </a:ext>
+            </a:extLst>
+          </p:cNvPr>
+          <p:cNvPicPr>
+            <a:picLocks noChangeAspect="1"/>
+          </p:cNvPicPr>
+          <p:nvPr/>
+        </p:nvPicPr>
+        <p:blipFill>
+          <a:blip r:embed="rId4"/>
+          <a:stretch>
+            <a:fillRect/>
+          </a:stretch>
+        </p:blipFill>
+        <p:spPr>
+          <a:xfrm>
+            <a:off x="4572000" y="2780782"/>
+            <a:ext cx="4278561" cy="2833484"/>
+          </a:xfrm>
+          <a:prstGeom prst="rect">
+            <a:avLst/>
+          </a:prstGeom>
+        </p:spPr>
+      </p:pic>
+      <p:sp>
+        <p:nvSpPr>
+          <p:cNvPr id="26" name="Oval 25">
+            <a:extLst>
+              <a:ext uri="{FF2B5EF4-FFF2-40B4-BE49-F238E27FC236}">
+                <a16:creationId xmlns:a16="http://schemas.microsoft.com/office/drawing/2014/main" id="{BAA63D6D-3E44-F340-B9DA-4677F46C5801}"/>
+              </a:ext>
+            </a:extLst>
+          </p:cNvPr>
+          <p:cNvSpPr/>
+          <p:nvPr/>
+        </p:nvSpPr>
+        <p:spPr>
+          <a:xfrm>
+            <a:off x="4907090" y="4367538"/>
+            <a:ext cx="306695" cy="312373"/>
+          </a:xfrm>
+          <a:prstGeom prst="ellipse">
+            <a:avLst/>
+          </a:prstGeom>
+          <a:noFill/>
+          <a:ln>
+            <a:solidFill>
+              <a:srgbClr val="C00000"/>
+            </a:solidFill>
+          </a:ln>
+        </p:spPr>
+        <p:style>
+          <a:lnRef idx="2">
+            <a:schemeClr val="accent1">
+              <a:shade val="50000"/>
+            </a:schemeClr>
+          </a:lnRef>
+          <a:fillRef idx="1">
+            <a:schemeClr val="accent1"/>
+          </a:fillRef>
+          <a:effectRef idx="0">
+            <a:schemeClr val="accent1"/>
+          </a:effectRef>
+          <a:fontRef idx="minor">
+            <a:schemeClr val="lt1"/>
+          </a:fontRef>
+        </p:style>
+        <p:txBody>
+          <a:bodyPr rtlCol="0" anchor="ctr"/>
+          <a:lstStyle/>
+          <a:p>
+            <a:pPr algn="ctr"/>
+            <a:endParaRPr lang="de-DE"/>
           </a:p>
         </p:txBody>
       </p:sp>
       <p:sp>
         <p:nvSpPr>
-          <p:cNvPr id="3" name="Inhaltsplatzhalter 2"/>
-          <p:cNvSpPr>
-            <a:spLocks noGrp="1"/>
-          </p:cNvSpPr>
-          <p:nvPr>
-            <p:ph sz="quarter" idx="10"/>
-          </p:nvPr>
+          <p:cNvPr id="27" name="Oval 26">
+            <a:extLst>
+              <a:ext uri="{FF2B5EF4-FFF2-40B4-BE49-F238E27FC236}">
+                <a16:creationId xmlns:a16="http://schemas.microsoft.com/office/drawing/2014/main" id="{47FC3525-898D-5B49-AF29-F24369F3D502}"/>
+              </a:ext>
+            </a:extLst>
+          </p:cNvPr>
+          <p:cNvSpPr/>
+          <p:nvPr/>
         </p:nvSpPr>
-        <p:spPr/>
+        <p:spPr>
+          <a:xfrm>
+            <a:off x="5365739" y="4367538"/>
+            <a:ext cx="306695" cy="282372"/>
+          </a:xfrm>
+          <a:prstGeom prst="ellipse">
+            <a:avLst/>
+          </a:prstGeom>
+          <a:noFill/>
+          <a:ln>
+            <a:solidFill>
+              <a:srgbClr val="C00000"/>
+            </a:solidFill>
+          </a:ln>
+        </p:spPr>
+        <p:style>
+          <a:lnRef idx="2">
+            <a:schemeClr val="accent1">
+              <a:shade val="50000"/>
+            </a:schemeClr>
+          </a:lnRef>
+          <a:fillRef idx="1">
+            <a:schemeClr val="accent1"/>
+          </a:fillRef>
+          <a:effectRef idx="0">
+            <a:schemeClr val="accent1"/>
+          </a:effectRef>
+          <a:fontRef idx="minor">
+            <a:schemeClr val="lt1"/>
+          </a:fontRef>
+        </p:style>
         <p:txBody>
-          <a:bodyPr/>
+          <a:bodyPr rtlCol="0" anchor="ctr"/>
           <a:lstStyle/>
           <a:p>
-            <a:r>
-              <a:rPr lang="en-US" dirty="0"/>
-              <a:t>Now let’s go into details …</a:t>
-            </a:r>
+            <a:pPr algn="ctr"/>
+            <a:endParaRPr lang="de-DE"/>
           </a:p>
         </p:txBody>
       </p:sp>
+      <p:sp>
+        <p:nvSpPr>
+          <p:cNvPr id="28" name="Oval 27">
+            <a:extLst>
+              <a:ext uri="{FF2B5EF4-FFF2-40B4-BE49-F238E27FC236}">
+                <a16:creationId xmlns:a16="http://schemas.microsoft.com/office/drawing/2014/main" id="{B6B20DD9-5263-374F-AEF1-B0F31C908F9D}"/>
+              </a:ext>
+            </a:extLst>
+          </p:cNvPr>
+          <p:cNvSpPr/>
+          <p:nvPr/>
+        </p:nvSpPr>
+        <p:spPr>
+          <a:xfrm>
+            <a:off x="5530751" y="5048894"/>
+            <a:ext cx="306695" cy="312373"/>
+          </a:xfrm>
+          <a:prstGeom prst="ellipse">
+            <a:avLst/>
+          </a:prstGeom>
+          <a:noFill/>
+          <a:ln>
+            <a:solidFill>
+              <a:srgbClr val="C00000"/>
+            </a:solidFill>
+          </a:ln>
+        </p:spPr>
+        <p:style>
+          <a:lnRef idx="2">
+            <a:schemeClr val="accent1">
+              <a:shade val="50000"/>
+            </a:schemeClr>
+          </a:lnRef>
+          <a:fillRef idx="1">
+            <a:schemeClr val="accent1"/>
+          </a:fillRef>
+          <a:effectRef idx="0">
+            <a:schemeClr val="accent1"/>
+          </a:effectRef>
+          <a:fontRef idx="minor">
+            <a:schemeClr val="lt1"/>
+          </a:fontRef>
+        </p:style>
+        <p:txBody>
+          <a:bodyPr rtlCol="0" anchor="ctr"/>
+          <a:lstStyle/>
+          <a:p>
+            <a:pPr algn="ctr"/>
+            <a:endParaRPr lang="de-DE"/>
+          </a:p>
+        </p:txBody>
+      </p:sp>
+      <p:sp>
+        <p:nvSpPr>
+          <p:cNvPr id="29" name="Oval 28">
+            <a:extLst>
+              <a:ext uri="{FF2B5EF4-FFF2-40B4-BE49-F238E27FC236}">
+                <a16:creationId xmlns:a16="http://schemas.microsoft.com/office/drawing/2014/main" id="{63F6C818-4AA4-9841-AA93-9EF099FB7CB8}"/>
+              </a:ext>
+            </a:extLst>
+          </p:cNvPr>
+          <p:cNvSpPr/>
+          <p:nvPr/>
+        </p:nvSpPr>
+        <p:spPr>
+          <a:xfrm>
+            <a:off x="6129707" y="5089900"/>
+            <a:ext cx="306695" cy="312373"/>
+          </a:xfrm>
+          <a:prstGeom prst="ellipse">
+            <a:avLst/>
+          </a:prstGeom>
+          <a:noFill/>
+          <a:ln>
+            <a:solidFill>
+              <a:srgbClr val="C00000"/>
+            </a:solidFill>
+          </a:ln>
+        </p:spPr>
+        <p:style>
+          <a:lnRef idx="2">
+            <a:schemeClr val="accent1">
+              <a:shade val="50000"/>
+            </a:schemeClr>
+          </a:lnRef>
+          <a:fillRef idx="1">
+            <a:schemeClr val="accent1"/>
+          </a:fillRef>
+          <a:effectRef idx="0">
+            <a:schemeClr val="accent1"/>
+          </a:effectRef>
+          <a:fontRef idx="minor">
+            <a:schemeClr val="lt1"/>
+          </a:fontRef>
+        </p:style>
+        <p:txBody>
+          <a:bodyPr rtlCol="0" anchor="ctr"/>
+          <a:lstStyle/>
+          <a:p>
+            <a:pPr algn="ctr"/>
+            <a:endParaRPr lang="de-DE"/>
+          </a:p>
+        </p:txBody>
+      </p:sp>
+      <p:sp>
+        <p:nvSpPr>
+          <p:cNvPr id="30" name="Oval 29">
+            <a:extLst>
+              <a:ext uri="{FF2B5EF4-FFF2-40B4-BE49-F238E27FC236}">
+                <a16:creationId xmlns:a16="http://schemas.microsoft.com/office/drawing/2014/main" id="{3587D69A-B223-CC4B-87C1-840D50437A52}"/>
+              </a:ext>
+            </a:extLst>
+          </p:cNvPr>
+          <p:cNvSpPr/>
+          <p:nvPr/>
+        </p:nvSpPr>
+        <p:spPr>
+          <a:xfrm>
+            <a:off x="7450052" y="5125561"/>
+            <a:ext cx="275194" cy="272612"/>
+          </a:xfrm>
+          <a:prstGeom prst="ellipse">
+            <a:avLst/>
+          </a:prstGeom>
+          <a:noFill/>
+          <a:ln>
+            <a:solidFill>
+              <a:srgbClr val="C00000"/>
+            </a:solidFill>
+          </a:ln>
+        </p:spPr>
+        <p:style>
+          <a:lnRef idx="2">
+            <a:schemeClr val="accent1">
+              <a:shade val="50000"/>
+            </a:schemeClr>
+          </a:lnRef>
+          <a:fillRef idx="1">
+            <a:schemeClr val="accent1"/>
+          </a:fillRef>
+          <a:effectRef idx="0">
+            <a:schemeClr val="accent1"/>
+          </a:effectRef>
+          <a:fontRef idx="minor">
+            <a:schemeClr val="lt1"/>
+          </a:fontRef>
+        </p:style>
+        <p:txBody>
+          <a:bodyPr rtlCol="0" anchor="ctr"/>
+          <a:lstStyle/>
+          <a:p>
+            <a:pPr algn="ctr"/>
+            <a:endParaRPr lang="de-DE"/>
+          </a:p>
+        </p:txBody>
+      </p:sp>
+      <p:sp>
+        <p:nvSpPr>
+          <p:cNvPr id="31" name="Oval 30">
+            <a:extLst>
+              <a:ext uri="{FF2B5EF4-FFF2-40B4-BE49-F238E27FC236}">
+                <a16:creationId xmlns:a16="http://schemas.microsoft.com/office/drawing/2014/main" id="{26627596-8CEB-C84D-9F2E-F09045A39EB1}"/>
+              </a:ext>
+            </a:extLst>
+          </p:cNvPr>
+          <p:cNvSpPr/>
+          <p:nvPr/>
+        </p:nvSpPr>
+        <p:spPr>
+          <a:xfrm>
+            <a:off x="6890488" y="4375180"/>
+            <a:ext cx="260694" cy="250814"/>
+          </a:xfrm>
+          <a:prstGeom prst="ellipse">
+            <a:avLst/>
+          </a:prstGeom>
+          <a:noFill/>
+          <a:ln>
+            <a:solidFill>
+              <a:srgbClr val="C00000"/>
+            </a:solidFill>
+          </a:ln>
+        </p:spPr>
+        <p:style>
+          <a:lnRef idx="2">
+            <a:schemeClr val="accent1">
+              <a:shade val="50000"/>
+            </a:schemeClr>
+          </a:lnRef>
+          <a:fillRef idx="1">
+            <a:schemeClr val="accent1"/>
+          </a:fillRef>
+          <a:effectRef idx="0">
+            <a:schemeClr val="accent1"/>
+          </a:effectRef>
+          <a:fontRef idx="minor">
+            <a:schemeClr val="lt1"/>
+          </a:fontRef>
+        </p:style>
+        <p:txBody>
+          <a:bodyPr rtlCol="0" anchor="ctr"/>
+          <a:lstStyle/>
+          <a:p>
+            <a:pPr algn="ctr"/>
+            <a:endParaRPr lang="de-DE"/>
+          </a:p>
+        </p:txBody>
+      </p:sp>
+      <p:sp>
+        <p:nvSpPr>
+          <p:cNvPr id="32" name="Oval 31">
+            <a:extLst>
+              <a:ext uri="{FF2B5EF4-FFF2-40B4-BE49-F238E27FC236}">
+                <a16:creationId xmlns:a16="http://schemas.microsoft.com/office/drawing/2014/main" id="{D1B62F82-812A-7E4E-B0D8-FB25CA1043AC}"/>
+              </a:ext>
+            </a:extLst>
+          </p:cNvPr>
+          <p:cNvSpPr/>
+          <p:nvPr/>
+        </p:nvSpPr>
+        <p:spPr>
+          <a:xfrm>
+            <a:off x="7883252" y="5113261"/>
+            <a:ext cx="275194" cy="285598"/>
+          </a:xfrm>
+          <a:prstGeom prst="ellipse">
+            <a:avLst/>
+          </a:prstGeom>
+          <a:noFill/>
+          <a:ln>
+            <a:solidFill>
+              <a:srgbClr val="C00000"/>
+            </a:solidFill>
+          </a:ln>
+        </p:spPr>
+        <p:style>
+          <a:lnRef idx="2">
+            <a:schemeClr val="accent1">
+              <a:shade val="50000"/>
+            </a:schemeClr>
+          </a:lnRef>
+          <a:fillRef idx="1">
+            <a:schemeClr val="accent1"/>
+          </a:fillRef>
+          <a:effectRef idx="0">
+            <a:schemeClr val="accent1"/>
+          </a:effectRef>
+          <a:fontRef idx="minor">
+            <a:schemeClr val="lt1"/>
+          </a:fontRef>
+        </p:style>
+        <p:txBody>
+          <a:bodyPr rtlCol="0" anchor="ctr"/>
+          <a:lstStyle/>
+          <a:p>
+            <a:pPr algn="ctr"/>
+            <a:endParaRPr lang="de-DE"/>
+          </a:p>
+        </p:txBody>
+      </p:sp>
+      <p:sp>
+        <p:nvSpPr>
+          <p:cNvPr id="33" name="Oval 32">
+            <a:extLst>
+              <a:ext uri="{FF2B5EF4-FFF2-40B4-BE49-F238E27FC236}">
+                <a16:creationId xmlns:a16="http://schemas.microsoft.com/office/drawing/2014/main" id="{D64D88F7-4A14-0345-A3E3-4F091B70C90E}"/>
+              </a:ext>
+            </a:extLst>
+          </p:cNvPr>
+          <p:cNvSpPr/>
+          <p:nvPr/>
+        </p:nvSpPr>
+        <p:spPr>
+          <a:xfrm>
+            <a:off x="8267214" y="5109846"/>
+            <a:ext cx="306695" cy="312373"/>
+          </a:xfrm>
+          <a:prstGeom prst="ellipse">
+            <a:avLst/>
+          </a:prstGeom>
+          <a:noFill/>
+          <a:ln>
+            <a:solidFill>
+              <a:srgbClr val="C00000"/>
+            </a:solidFill>
+          </a:ln>
+        </p:spPr>
+        <p:style>
+          <a:lnRef idx="2">
+            <a:schemeClr val="accent1">
+              <a:shade val="50000"/>
+            </a:schemeClr>
+          </a:lnRef>
+          <a:fillRef idx="1">
+            <a:schemeClr val="accent1"/>
+          </a:fillRef>
+          <a:effectRef idx="0">
+            <a:schemeClr val="accent1"/>
+          </a:effectRef>
+          <a:fontRef idx="minor">
+            <a:schemeClr val="lt1"/>
+          </a:fontRef>
+        </p:style>
+        <p:txBody>
+          <a:bodyPr rtlCol="0" anchor="ctr"/>
+          <a:lstStyle/>
+          <a:p>
+            <a:pPr algn="ctr"/>
+            <a:endParaRPr lang="de-DE"/>
+          </a:p>
+        </p:txBody>
+      </p:sp>
+      <p:cxnSp>
+        <p:nvCxnSpPr>
+          <p:cNvPr id="4" name="Gerade Verbindung 3">
+            <a:extLst>
+              <a:ext uri="{FF2B5EF4-FFF2-40B4-BE49-F238E27FC236}">
+                <a16:creationId xmlns:a16="http://schemas.microsoft.com/office/drawing/2014/main" id="{902CBD5A-22EF-A74E-BB5C-C6AC830E5CDA}"/>
+              </a:ext>
+            </a:extLst>
+          </p:cNvPr>
+          <p:cNvCxnSpPr>
+            <a:cxnSpLocks/>
+          </p:cNvCxnSpPr>
+          <p:nvPr/>
+        </p:nvCxnSpPr>
+        <p:spPr>
+          <a:xfrm flipH="1">
+            <a:off x="5672434" y="2993097"/>
+            <a:ext cx="763968" cy="607707"/>
+          </a:xfrm>
+          <a:prstGeom prst="line">
+            <a:avLst/>
+          </a:prstGeom>
+          <a:ln w="38100">
+            <a:solidFill>
+              <a:srgbClr val="FFC000"/>
+            </a:solidFill>
+          </a:ln>
+        </p:spPr>
+        <p:style>
+          <a:lnRef idx="1">
+            <a:schemeClr val="accent1"/>
+          </a:lnRef>
+          <a:fillRef idx="0">
+            <a:schemeClr val="accent1"/>
+          </a:fillRef>
+          <a:effectRef idx="0">
+            <a:schemeClr val="accent1"/>
+          </a:effectRef>
+          <a:fontRef idx="minor">
+            <a:schemeClr val="tx1"/>
+          </a:fontRef>
+        </p:style>
+      </p:cxnSp>
+      <p:sp>
+        <p:nvSpPr>
+          <p:cNvPr id="8" name="Rechteck 7">
+            <a:extLst>
+              <a:ext uri="{FF2B5EF4-FFF2-40B4-BE49-F238E27FC236}">
+                <a16:creationId xmlns:a16="http://schemas.microsoft.com/office/drawing/2014/main" id="{B9566FF9-51EE-2B4B-B935-897B40E58A5D}"/>
+              </a:ext>
+            </a:extLst>
+          </p:cNvPr>
+          <p:cNvSpPr/>
+          <p:nvPr/>
+        </p:nvSpPr>
+        <p:spPr>
+          <a:xfrm>
+            <a:off x="636104" y="3470166"/>
+            <a:ext cx="3935896" cy="238539"/>
+          </a:xfrm>
+          <a:prstGeom prst="rect">
+            <a:avLst/>
+          </a:prstGeom>
+          <a:noFill/>
+          <a:ln w="38100">
+            <a:solidFill>
+              <a:srgbClr val="FFC000"/>
+            </a:solidFill>
+          </a:ln>
+        </p:spPr>
+        <p:style>
+          <a:lnRef idx="2">
+            <a:schemeClr val="accent1">
+              <a:shade val="50000"/>
+            </a:schemeClr>
+          </a:lnRef>
+          <a:fillRef idx="1">
+            <a:schemeClr val="accent1"/>
+          </a:fillRef>
+          <a:effectRef idx="0">
+            <a:schemeClr val="accent1"/>
+          </a:effectRef>
+          <a:fontRef idx="minor">
+            <a:schemeClr val="lt1"/>
+          </a:fontRef>
+        </p:style>
+        <p:txBody>
+          <a:bodyPr rtlCol="0" anchor="ctr"/>
+          <a:lstStyle/>
+          <a:p>
+            <a:pPr algn="ctr"/>
+            <a:endParaRPr lang="de-DE"/>
+          </a:p>
+        </p:txBody>
+      </p:sp>
+      <p:cxnSp>
+        <p:nvCxnSpPr>
+          <p:cNvPr id="22" name="Gerade Verbindung 21">
+            <a:extLst>
+              <a:ext uri="{FF2B5EF4-FFF2-40B4-BE49-F238E27FC236}">
+                <a16:creationId xmlns:a16="http://schemas.microsoft.com/office/drawing/2014/main" id="{9119C08A-A066-4B43-AE94-0C76EF99EDBA}"/>
+              </a:ext>
+            </a:extLst>
+          </p:cNvPr>
+          <p:cNvCxnSpPr>
+            <a:cxnSpLocks/>
+          </p:cNvCxnSpPr>
+          <p:nvPr/>
+        </p:nvCxnSpPr>
+        <p:spPr>
+          <a:xfrm>
+            <a:off x="5620052" y="3788230"/>
+            <a:ext cx="338315" cy="603990"/>
+          </a:xfrm>
+          <a:prstGeom prst="line">
+            <a:avLst/>
+          </a:prstGeom>
+          <a:ln w="38100">
+            <a:solidFill>
+              <a:srgbClr val="FFC000"/>
+            </a:solidFill>
+          </a:ln>
+        </p:spPr>
+        <p:style>
+          <a:lnRef idx="1">
+            <a:schemeClr val="accent1"/>
+          </a:lnRef>
+          <a:fillRef idx="0">
+            <a:schemeClr val="accent1"/>
+          </a:fillRef>
+          <a:effectRef idx="0">
+            <a:schemeClr val="accent1"/>
+          </a:effectRef>
+          <a:fontRef idx="minor">
+            <a:schemeClr val="tx1"/>
+          </a:fontRef>
+        </p:style>
+      </p:cxnSp>
+      <p:cxnSp>
+        <p:nvCxnSpPr>
+          <p:cNvPr id="25" name="Gerade Verbindung 24">
+            <a:extLst>
+              <a:ext uri="{FF2B5EF4-FFF2-40B4-BE49-F238E27FC236}">
+                <a16:creationId xmlns:a16="http://schemas.microsoft.com/office/drawing/2014/main" id="{6BF2EBFB-0D9F-3740-9D7C-C63D80938A3D}"/>
+              </a:ext>
+            </a:extLst>
+          </p:cNvPr>
+          <p:cNvCxnSpPr>
+            <a:cxnSpLocks/>
+          </p:cNvCxnSpPr>
+          <p:nvPr/>
+        </p:nvCxnSpPr>
+        <p:spPr>
+          <a:xfrm>
+            <a:off x="6037378" y="4591914"/>
+            <a:ext cx="191158" cy="456116"/>
+          </a:xfrm>
+          <a:prstGeom prst="line">
+            <a:avLst/>
+          </a:prstGeom>
+          <a:ln w="38100">
+            <a:solidFill>
+              <a:srgbClr val="FFC000"/>
+            </a:solidFill>
+          </a:ln>
+        </p:spPr>
+        <p:style>
+          <a:lnRef idx="1">
+            <a:schemeClr val="accent1"/>
+          </a:lnRef>
+          <a:fillRef idx="0">
+            <a:schemeClr val="accent1"/>
+          </a:fillRef>
+          <a:effectRef idx="0">
+            <a:schemeClr val="accent1"/>
+          </a:effectRef>
+          <a:fontRef idx="minor">
+            <a:schemeClr val="tx1"/>
+          </a:fontRef>
+        </p:style>
+      </p:cxnSp>
     </p:spTree>
     <p:extLst>
       <p:ext uri="{BB962C8B-B14F-4D97-AF65-F5344CB8AC3E}">
-        <p14:creationId xmlns:p14="http://schemas.microsoft.com/office/powerpoint/2010/main" val="1533381046"/>
+        <p14:creationId xmlns:p14="http://schemas.microsoft.com/office/powerpoint/2010/main" val="3215004565"/>
       </p:ext>
     </p:extLst>
   </p:cSld>
   <p:clrMapOvr>
     <a:masterClrMapping/>
   </p:clrMapOvr>
+  <p:timing>
+    <p:tnLst>
+      <p:par>
+        <p:cTn id="1" dur="indefinite" restart="never" nodeType="tmRoot">
+          <p:childTnLst>
+            <p:seq concurrent="1" nextAc="seek">
+              <p:cTn id="2" dur="indefinite" nodeType="mainSeq">
+                <p:childTnLst>
+                  <p:par>
+                    <p:cTn id="3" fill="hold">
+                      <p:stCondLst>
+                        <p:cond delay="indefinite"/>
+                      </p:stCondLst>
+                      <p:childTnLst>
+                        <p:par>
+                          <p:cTn id="4" fill="hold">
+                            <p:stCondLst>
+                              <p:cond delay="0"/>
+                            </p:stCondLst>
+                            <p:childTnLst>
+                              <p:par>
+                                <p:cTn id="5" presetID="1" presetClass="entr" presetSubtype="0" fill="hold" grpId="0" nodeType="clickEffect">
+                                  <p:stCondLst>
+                                    <p:cond delay="0"/>
+                                  </p:stCondLst>
+                                  <p:childTnLst>
+                                    <p:set>
+                                      <p:cBhvr>
+                                        <p:cTn id="6" dur="1" fill="hold">
+                                          <p:stCondLst>
+                                            <p:cond delay="0"/>
+                                          </p:stCondLst>
+                                        </p:cTn>
+                                        <p:tgtEl>
+                                          <p:spTgt spid="11"/>
+                                        </p:tgtEl>
+                                        <p:attrNameLst>
+                                          <p:attrName>style.visibility</p:attrName>
+                                        </p:attrNameLst>
+                                      </p:cBhvr>
+                                      <p:to>
+                                        <p:strVal val="visible"/>
+                                      </p:to>
+                                    </p:set>
+                                  </p:childTnLst>
+                                </p:cTn>
+                              </p:par>
+                              <p:par>
+                                <p:cTn id="7" presetID="1" presetClass="entr" presetSubtype="0" fill="hold" nodeType="withEffect">
+                                  <p:stCondLst>
+                                    <p:cond delay="0"/>
+                                  </p:stCondLst>
+                                  <p:childTnLst>
+                                    <p:set>
+                                      <p:cBhvr>
+                                        <p:cTn id="8" dur="1" fill="hold">
+                                          <p:stCondLst>
+                                            <p:cond delay="0"/>
+                                          </p:stCondLst>
+                                        </p:cTn>
+                                        <p:tgtEl>
+                                          <p:spTgt spid="21"/>
+                                        </p:tgtEl>
+                                        <p:attrNameLst>
+                                          <p:attrName>style.visibility</p:attrName>
+                                        </p:attrNameLst>
+                                      </p:cBhvr>
+                                      <p:to>
+                                        <p:strVal val="visible"/>
+                                      </p:to>
+                                    </p:set>
+                                  </p:childTnLst>
+                                </p:cTn>
+                              </p:par>
+                            </p:childTnLst>
+                          </p:cTn>
+                        </p:par>
+                      </p:childTnLst>
+                    </p:cTn>
+                  </p:par>
+                  <p:par>
+                    <p:cTn id="9" fill="hold">
+                      <p:stCondLst>
+                        <p:cond delay="indefinite"/>
+                      </p:stCondLst>
+                      <p:childTnLst>
+                        <p:par>
+                          <p:cTn id="10" fill="hold">
+                            <p:stCondLst>
+                              <p:cond delay="0"/>
+                            </p:stCondLst>
+                            <p:childTnLst>
+                              <p:par>
+                                <p:cTn id="11" presetID="1" presetClass="entr" presetSubtype="0" fill="hold" nodeType="clickEffect">
+                                  <p:stCondLst>
+                                    <p:cond delay="0"/>
+                                  </p:stCondLst>
+                                  <p:childTnLst>
+                                    <p:set>
+                                      <p:cBhvr>
+                                        <p:cTn id="12" dur="1" fill="hold">
+                                          <p:stCondLst>
+                                            <p:cond delay="0"/>
+                                          </p:stCondLst>
+                                        </p:cTn>
+                                        <p:tgtEl>
+                                          <p:spTgt spid="24"/>
+                                        </p:tgtEl>
+                                        <p:attrNameLst>
+                                          <p:attrName>style.visibility</p:attrName>
+                                        </p:attrNameLst>
+                                      </p:cBhvr>
+                                      <p:to>
+                                        <p:strVal val="visible"/>
+                                      </p:to>
+                                    </p:set>
+                                  </p:childTnLst>
+                                </p:cTn>
+                              </p:par>
+                            </p:childTnLst>
+                          </p:cTn>
+                        </p:par>
+                      </p:childTnLst>
+                    </p:cTn>
+                  </p:par>
+                  <p:par>
+                    <p:cTn id="13" fill="hold">
+                      <p:stCondLst>
+                        <p:cond delay="indefinite"/>
+                      </p:stCondLst>
+                      <p:childTnLst>
+                        <p:par>
+                          <p:cTn id="14" fill="hold">
+                            <p:stCondLst>
+                              <p:cond delay="0"/>
+                            </p:stCondLst>
+                            <p:childTnLst>
+                              <p:par>
+                                <p:cTn id="15" presetID="1" presetClass="entr" presetSubtype="0" fill="hold" grpId="0" nodeType="clickEffect">
+                                  <p:stCondLst>
+                                    <p:cond delay="0"/>
+                                  </p:stCondLst>
+                                  <p:childTnLst>
+                                    <p:set>
+                                      <p:cBhvr>
+                                        <p:cTn id="16" dur="1" fill="hold">
+                                          <p:stCondLst>
+                                            <p:cond delay="0"/>
+                                          </p:stCondLst>
+                                        </p:cTn>
+                                        <p:tgtEl>
+                                          <p:spTgt spid="26"/>
+                                        </p:tgtEl>
+                                        <p:attrNameLst>
+                                          <p:attrName>style.visibility</p:attrName>
+                                        </p:attrNameLst>
+                                      </p:cBhvr>
+                                      <p:to>
+                                        <p:strVal val="visible"/>
+                                      </p:to>
+                                    </p:set>
+                                  </p:childTnLst>
+                                </p:cTn>
+                              </p:par>
+                              <p:par>
+                                <p:cTn id="17" presetID="1" presetClass="entr" presetSubtype="0" fill="hold" grpId="0" nodeType="withEffect">
+                                  <p:stCondLst>
+                                    <p:cond delay="0"/>
+                                  </p:stCondLst>
+                                  <p:childTnLst>
+                                    <p:set>
+                                      <p:cBhvr>
+                                        <p:cTn id="18" dur="1" fill="hold">
+                                          <p:stCondLst>
+                                            <p:cond delay="0"/>
+                                          </p:stCondLst>
+                                        </p:cTn>
+                                        <p:tgtEl>
+                                          <p:spTgt spid="27"/>
+                                        </p:tgtEl>
+                                        <p:attrNameLst>
+                                          <p:attrName>style.visibility</p:attrName>
+                                        </p:attrNameLst>
+                                      </p:cBhvr>
+                                      <p:to>
+                                        <p:strVal val="visible"/>
+                                      </p:to>
+                                    </p:set>
+                                  </p:childTnLst>
+                                </p:cTn>
+                              </p:par>
+                              <p:par>
+                                <p:cTn id="19" presetID="1" presetClass="entr" presetSubtype="0" fill="hold" grpId="0" nodeType="withEffect">
+                                  <p:stCondLst>
+                                    <p:cond delay="0"/>
+                                  </p:stCondLst>
+                                  <p:childTnLst>
+                                    <p:set>
+                                      <p:cBhvr>
+                                        <p:cTn id="20" dur="1" fill="hold">
+                                          <p:stCondLst>
+                                            <p:cond delay="0"/>
+                                          </p:stCondLst>
+                                        </p:cTn>
+                                        <p:tgtEl>
+                                          <p:spTgt spid="28"/>
+                                        </p:tgtEl>
+                                        <p:attrNameLst>
+                                          <p:attrName>style.visibility</p:attrName>
+                                        </p:attrNameLst>
+                                      </p:cBhvr>
+                                      <p:to>
+                                        <p:strVal val="visible"/>
+                                      </p:to>
+                                    </p:set>
+                                  </p:childTnLst>
+                                </p:cTn>
+                              </p:par>
+                              <p:par>
+                                <p:cTn id="21" presetID="1" presetClass="entr" presetSubtype="0" fill="hold" grpId="0" nodeType="withEffect">
+                                  <p:stCondLst>
+                                    <p:cond delay="0"/>
+                                  </p:stCondLst>
+                                  <p:childTnLst>
+                                    <p:set>
+                                      <p:cBhvr>
+                                        <p:cTn id="22" dur="1" fill="hold">
+                                          <p:stCondLst>
+                                            <p:cond delay="0"/>
+                                          </p:stCondLst>
+                                        </p:cTn>
+                                        <p:tgtEl>
+                                          <p:spTgt spid="29"/>
+                                        </p:tgtEl>
+                                        <p:attrNameLst>
+                                          <p:attrName>style.visibility</p:attrName>
+                                        </p:attrNameLst>
+                                      </p:cBhvr>
+                                      <p:to>
+                                        <p:strVal val="visible"/>
+                                      </p:to>
+                                    </p:set>
+                                  </p:childTnLst>
+                                </p:cTn>
+                              </p:par>
+                              <p:par>
+                                <p:cTn id="23" presetID="1" presetClass="entr" presetSubtype="0" fill="hold" grpId="0" nodeType="withEffect">
+                                  <p:stCondLst>
+                                    <p:cond delay="0"/>
+                                  </p:stCondLst>
+                                  <p:childTnLst>
+                                    <p:set>
+                                      <p:cBhvr>
+                                        <p:cTn id="24" dur="1" fill="hold">
+                                          <p:stCondLst>
+                                            <p:cond delay="0"/>
+                                          </p:stCondLst>
+                                        </p:cTn>
+                                        <p:tgtEl>
+                                          <p:spTgt spid="31"/>
+                                        </p:tgtEl>
+                                        <p:attrNameLst>
+                                          <p:attrName>style.visibility</p:attrName>
+                                        </p:attrNameLst>
+                                      </p:cBhvr>
+                                      <p:to>
+                                        <p:strVal val="visible"/>
+                                      </p:to>
+                                    </p:set>
+                                  </p:childTnLst>
+                                </p:cTn>
+                              </p:par>
+                              <p:par>
+                                <p:cTn id="25" presetID="1" presetClass="entr" presetSubtype="0" fill="hold" grpId="0" nodeType="withEffect">
+                                  <p:stCondLst>
+                                    <p:cond delay="0"/>
+                                  </p:stCondLst>
+                                  <p:childTnLst>
+                                    <p:set>
+                                      <p:cBhvr>
+                                        <p:cTn id="26" dur="1" fill="hold">
+                                          <p:stCondLst>
+                                            <p:cond delay="0"/>
+                                          </p:stCondLst>
+                                        </p:cTn>
+                                        <p:tgtEl>
+                                          <p:spTgt spid="30"/>
+                                        </p:tgtEl>
+                                        <p:attrNameLst>
+                                          <p:attrName>style.visibility</p:attrName>
+                                        </p:attrNameLst>
+                                      </p:cBhvr>
+                                      <p:to>
+                                        <p:strVal val="visible"/>
+                                      </p:to>
+                                    </p:set>
+                                  </p:childTnLst>
+                                </p:cTn>
+                              </p:par>
+                              <p:par>
+                                <p:cTn id="27" presetID="1" presetClass="entr" presetSubtype="0" fill="hold" grpId="0" nodeType="withEffect">
+                                  <p:stCondLst>
+                                    <p:cond delay="0"/>
+                                  </p:stCondLst>
+                                  <p:childTnLst>
+                                    <p:set>
+                                      <p:cBhvr>
+                                        <p:cTn id="28" dur="1" fill="hold">
+                                          <p:stCondLst>
+                                            <p:cond delay="0"/>
+                                          </p:stCondLst>
+                                        </p:cTn>
+                                        <p:tgtEl>
+                                          <p:spTgt spid="32"/>
+                                        </p:tgtEl>
+                                        <p:attrNameLst>
+                                          <p:attrName>style.visibility</p:attrName>
+                                        </p:attrNameLst>
+                                      </p:cBhvr>
+                                      <p:to>
+                                        <p:strVal val="visible"/>
+                                      </p:to>
+                                    </p:set>
+                                  </p:childTnLst>
+                                </p:cTn>
+                              </p:par>
+                              <p:par>
+                                <p:cTn id="29" presetID="1" presetClass="entr" presetSubtype="0" fill="hold" grpId="0" nodeType="withEffect">
+                                  <p:stCondLst>
+                                    <p:cond delay="0"/>
+                                  </p:stCondLst>
+                                  <p:childTnLst>
+                                    <p:set>
+                                      <p:cBhvr>
+                                        <p:cTn id="30" dur="1" fill="hold">
+                                          <p:stCondLst>
+                                            <p:cond delay="0"/>
+                                          </p:stCondLst>
+                                        </p:cTn>
+                                        <p:tgtEl>
+                                          <p:spTgt spid="33"/>
+                                        </p:tgtEl>
+                                        <p:attrNameLst>
+                                          <p:attrName>style.visibility</p:attrName>
+                                        </p:attrNameLst>
+                                      </p:cBhvr>
+                                      <p:to>
+                                        <p:strVal val="visible"/>
+                                      </p:to>
+                                    </p:set>
+                                  </p:childTnLst>
+                                </p:cTn>
+                              </p:par>
+                            </p:childTnLst>
+                          </p:cTn>
+                        </p:par>
+                      </p:childTnLst>
+                    </p:cTn>
+                  </p:par>
+                  <p:par>
+                    <p:cTn id="31" fill="hold">
+                      <p:stCondLst>
+                        <p:cond delay="indefinite"/>
+                      </p:stCondLst>
+                      <p:childTnLst>
+                        <p:par>
+                          <p:cTn id="32" fill="hold">
+                            <p:stCondLst>
+                              <p:cond delay="0"/>
+                            </p:stCondLst>
+                            <p:childTnLst>
+                              <p:par>
+                                <p:cTn id="33" presetID="1" presetClass="entr" presetSubtype="0" fill="hold" grpId="0" nodeType="clickEffect">
+                                  <p:stCondLst>
+                                    <p:cond delay="0"/>
+                                  </p:stCondLst>
+                                  <p:childTnLst>
+                                    <p:set>
+                                      <p:cBhvr>
+                                        <p:cTn id="34" dur="1" fill="hold">
+                                          <p:stCondLst>
+                                            <p:cond delay="0"/>
+                                          </p:stCondLst>
+                                        </p:cTn>
+                                        <p:tgtEl>
+                                          <p:spTgt spid="8"/>
+                                        </p:tgtEl>
+                                        <p:attrNameLst>
+                                          <p:attrName>style.visibility</p:attrName>
+                                        </p:attrNameLst>
+                                      </p:cBhvr>
+                                      <p:to>
+                                        <p:strVal val="visible"/>
+                                      </p:to>
+                                    </p:set>
+                                  </p:childTnLst>
+                                </p:cTn>
+                              </p:par>
+                            </p:childTnLst>
+                          </p:cTn>
+                        </p:par>
+                      </p:childTnLst>
+                    </p:cTn>
+                  </p:par>
+                  <p:par>
+                    <p:cTn id="35" fill="hold">
+                      <p:stCondLst>
+                        <p:cond delay="indefinite"/>
+                      </p:stCondLst>
+                      <p:childTnLst>
+                        <p:par>
+                          <p:cTn id="36" fill="hold">
+                            <p:stCondLst>
+                              <p:cond delay="0"/>
+                            </p:stCondLst>
+                            <p:childTnLst>
+                              <p:par>
+                                <p:cTn id="37" presetID="1" presetClass="entr" presetSubtype="0" fill="hold" nodeType="clickEffect">
+                                  <p:stCondLst>
+                                    <p:cond delay="0"/>
+                                  </p:stCondLst>
+                                  <p:childTnLst>
+                                    <p:set>
+                                      <p:cBhvr>
+                                        <p:cTn id="38" dur="1" fill="hold">
+                                          <p:stCondLst>
+                                            <p:cond delay="0"/>
+                                          </p:stCondLst>
+                                        </p:cTn>
+                                        <p:tgtEl>
+                                          <p:spTgt spid="4"/>
+                                        </p:tgtEl>
+                                        <p:attrNameLst>
+                                          <p:attrName>style.visibility</p:attrName>
+                                        </p:attrNameLst>
+                                      </p:cBhvr>
+                                      <p:to>
+                                        <p:strVal val="visible"/>
+                                      </p:to>
+                                    </p:set>
+                                  </p:childTnLst>
+                                </p:cTn>
+                              </p:par>
+                              <p:par>
+                                <p:cTn id="39" presetID="1" presetClass="entr" presetSubtype="0" fill="hold" nodeType="withEffect">
+                                  <p:stCondLst>
+                                    <p:cond delay="0"/>
+                                  </p:stCondLst>
+                                  <p:childTnLst>
+                                    <p:set>
+                                      <p:cBhvr>
+                                        <p:cTn id="40" dur="1" fill="hold">
+                                          <p:stCondLst>
+                                            <p:cond delay="0"/>
+                                          </p:stCondLst>
+                                        </p:cTn>
+                                        <p:tgtEl>
+                                          <p:spTgt spid="22"/>
+                                        </p:tgtEl>
+                                        <p:attrNameLst>
+                                          <p:attrName>style.visibility</p:attrName>
+                                        </p:attrNameLst>
+                                      </p:cBhvr>
+                                      <p:to>
+                                        <p:strVal val="visible"/>
+                                      </p:to>
+                                    </p:set>
+                                  </p:childTnLst>
+                                </p:cTn>
+                              </p:par>
+                              <p:par>
+                                <p:cTn id="41" presetID="1" presetClass="entr" presetSubtype="0" fill="hold" nodeType="withEffect">
+                                  <p:stCondLst>
+                                    <p:cond delay="0"/>
+                                  </p:stCondLst>
+                                  <p:childTnLst>
+                                    <p:set>
+                                      <p:cBhvr>
+                                        <p:cTn id="42" dur="1" fill="hold">
+                                          <p:stCondLst>
+                                            <p:cond delay="0"/>
+                                          </p:stCondLst>
+                                        </p:cTn>
+                                        <p:tgtEl>
+                                          <p:spTgt spid="25"/>
+                                        </p:tgtEl>
+                                        <p:attrNameLst>
+                                          <p:attrName>style.visibility</p:attrName>
+                                        </p:attrNameLst>
+                                      </p:cBhvr>
+                                      <p:to>
+                                        <p:strVal val="visible"/>
+                                      </p:to>
+                                    </p:set>
+                                  </p:childTnLst>
+                                </p:cTn>
+                              </p:par>
+                            </p:childTnLst>
+                          </p:cTn>
+                        </p:par>
+                      </p:childTnLst>
+                    </p:cTn>
+                  </p:par>
+                </p:childTnLst>
+              </p:cTn>
+              <p:prevCondLst>
+                <p:cond evt="onPrev" delay="0">
+                  <p:tgtEl>
+                    <p:sldTgt/>
+                  </p:tgtEl>
+                </p:cond>
+              </p:prevCondLst>
+              <p:nextCondLst>
+                <p:cond evt="onNext" delay="0">
+                  <p:tgtEl>
+                    <p:sldTgt/>
+                  </p:tgtEl>
+                </p:cond>
+              </p:nextCondLst>
+            </p:seq>
+          </p:childTnLst>
+        </p:cTn>
+      </p:par>
+    </p:tnLst>
+    <p:bldLst>
+      <p:bldP spid="11" grpId="0" animBg="1"/>
+      <p:bldP spid="26" grpId="0" animBg="1"/>
+      <p:bldP spid="27" grpId="0" animBg="1"/>
+      <p:bldP spid="28" grpId="0" animBg="1"/>
+      <p:bldP spid="29" grpId="0" animBg="1"/>
+      <p:bldP spid="30" grpId="0" animBg="1"/>
+      <p:bldP spid="31" grpId="0" animBg="1"/>
+      <p:bldP spid="32" grpId="0" animBg="1"/>
+      <p:bldP spid="33" grpId="0" animBg="1"/>
+      <p:bldP spid="8" grpId="0" animBg="1"/>
+    </p:bldLst>
+  </p:timing>
 </p:sld>
 </file>
 
@@ -2890,7 +5245,7 @@
           <a:p>
             <a:r>
               <a:rPr lang="en-US" dirty="0"/>
-              <a:t>Results</a:t>
+              <a:t>Methods</a:t>
             </a:r>
           </a:p>
         </p:txBody>
@@ -2920,6 +5275,80 @@
     </p:spTree>
     <p:extLst>
       <p:ext uri="{BB962C8B-B14F-4D97-AF65-F5344CB8AC3E}">
+        <p14:creationId xmlns:p14="http://schemas.microsoft.com/office/powerpoint/2010/main" val="1533381046"/>
+      </p:ext>
+    </p:extLst>
+  </p:cSld>
+  <p:clrMapOvr>
+    <a:masterClrMapping/>
+  </p:clrMapOvr>
+</p:sld>
+</file>
+
+<file path=ppt/slides/slide7.xml><?xml version="1.0" encoding="utf-8"?>
+<p:sld xmlns:a="http://schemas.openxmlformats.org/drawingml/2006/main" xmlns:r="http://schemas.openxmlformats.org/officeDocument/2006/relationships" xmlns:p="http://schemas.openxmlformats.org/presentationml/2006/main">
+  <p:cSld>
+    <p:spTree>
+      <p:nvGrpSpPr>
+        <p:cNvPr id="1" name=""/>
+        <p:cNvGrpSpPr/>
+        <p:nvPr/>
+      </p:nvGrpSpPr>
+      <p:grpSpPr>
+        <a:xfrm>
+          <a:off x="0" y="0"/>
+          <a:ext cx="0" cy="0"/>
+          <a:chOff x="0" y="0"/>
+          <a:chExt cx="0" cy="0"/>
+        </a:xfrm>
+      </p:grpSpPr>
+      <p:sp>
+        <p:nvSpPr>
+          <p:cNvPr id="2" name="Titel 1"/>
+          <p:cNvSpPr>
+            <a:spLocks noGrp="1"/>
+          </p:cNvSpPr>
+          <p:nvPr>
+            <p:ph type="title"/>
+          </p:nvPr>
+        </p:nvSpPr>
+        <p:spPr/>
+        <p:txBody>
+          <a:bodyPr/>
+          <a:lstStyle/>
+          <a:p>
+            <a:r>
+              <a:rPr lang="en-US" dirty="0"/>
+              <a:t>Results</a:t>
+            </a:r>
+          </a:p>
+        </p:txBody>
+      </p:sp>
+      <p:sp>
+        <p:nvSpPr>
+          <p:cNvPr id="3" name="Inhaltsplatzhalter 2"/>
+          <p:cNvSpPr>
+            <a:spLocks noGrp="1"/>
+          </p:cNvSpPr>
+          <p:nvPr>
+            <p:ph sz="quarter" idx="10"/>
+          </p:nvPr>
+        </p:nvSpPr>
+        <p:spPr/>
+        <p:txBody>
+          <a:bodyPr/>
+          <a:lstStyle/>
+          <a:p>
+            <a:r>
+              <a:rPr lang="en-US" dirty="0"/>
+              <a:t>Now let’s go into details …</a:t>
+            </a:r>
+          </a:p>
+        </p:txBody>
+      </p:sp>
+    </p:spTree>
+    <p:extLst>
+      <p:ext uri="{BB962C8B-B14F-4D97-AF65-F5344CB8AC3E}">
         <p14:creationId xmlns:p14="http://schemas.microsoft.com/office/powerpoint/2010/main" val="2299048768"/>
       </p:ext>
     </p:extLst>
@@ -2930,7 +5359,7 @@
 </p:sld>
 </file>
 
-<file path=ppt/slides/slide7.xml><?xml version="1.0" encoding="utf-8"?>
+<file path=ppt/slides/slide8.xml><?xml version="1.0" encoding="utf-8"?>
 <p:sld xmlns:a="http://schemas.openxmlformats.org/drawingml/2006/main" xmlns:r="http://schemas.openxmlformats.org/officeDocument/2006/relationships" xmlns:p="http://schemas.openxmlformats.org/presentationml/2006/main">
   <p:cSld>
     <p:spTree>

--- a/seminarppt.pptx
+++ b/seminarppt.pptx
@@ -574,14 +574,14 @@
           </a:ln>
           <a:extLst>
             <a:ext uri="{909E8E84-426E-40dd-AFC4-6F175D3DCCD1}">
-              <a14:hiddenFill xmlns="" xmlns:a14="http://schemas.microsoft.com/office/drawing/2010/main">
+              <a14:hiddenFill xmlns:a14="http://schemas.microsoft.com/office/drawing/2010/main" xmlns="">
                 <a:solidFill>
                   <a:srgbClr val="FFFFFF"/>
                 </a:solidFill>
               </a14:hiddenFill>
             </a:ext>
             <a:ext uri="{FAA26D3D-D897-4be2-8F04-BA451C77F1D7}">
-              <ma14:placeholderFlag xmlns="" xmlns:ma14="http://schemas.microsoft.com/office/mac/drawingml/2011/main" val="1"/>
+              <ma14:placeholderFlag xmlns:ma14="http://schemas.microsoft.com/office/mac/drawingml/2011/main" xmlns="" val="1"/>
             </a:ext>
           </a:extLst>
         </p:spPr>
@@ -1686,7 +1686,7 @@
             <a:fld id="{2A50D37A-6B93-784C-992A-41C102456268}" type="datetimeFigureOut">
               <a:rPr lang="de-DE" noProof="0" smtClean="0"/>
               <a:pPr/>
-              <a:t>05.11.20</a:t>
+              <a:t>08.11.20</a:t>
             </a:fld>
             <a:endParaRPr lang="de-DE" noProof="0"/>
           </a:p>
@@ -3839,39 +3839,12 @@
           <a:chExt cx="0" cy="0"/>
         </a:xfrm>
       </p:grpSpPr>
-      <p:sp>
-        <p:nvSpPr>
-          <p:cNvPr id="2" name="Titel 1"/>
-          <p:cNvSpPr>
-            <a:spLocks noGrp="1"/>
-          </p:cNvSpPr>
-          <p:nvPr>
-            <p:ph type="title"/>
-          </p:nvPr>
-        </p:nvSpPr>
-        <p:spPr/>
-        <p:txBody>
-          <a:bodyPr/>
-          <a:lstStyle/>
-          <a:p>
-            <a:r>
-              <a:rPr lang="en-US" dirty="0"/>
-              <a:t>Basics </a:t>
-            </a:r>
-            <a:r>
-              <a:rPr lang="en-US" sz="1400" b="0" dirty="0"/>
-              <a:t>- BINARY DECISION TREE</a:t>
-            </a:r>
-            <a:endParaRPr lang="en-US" b="0" dirty="0"/>
-          </a:p>
-        </p:txBody>
-      </p:sp>
       <p:pic>
         <p:nvPicPr>
-          <p:cNvPr id="5" name="Grafik 4">
+          <p:cNvPr id="6" name="Grafik 5" descr="Ein Bild, das Tisch enthält.&#10;&#10;Automatisch generierte Beschreibung">
             <a:extLst>
               <a:ext uri="{FF2B5EF4-FFF2-40B4-BE49-F238E27FC236}">
-                <a16:creationId xmlns:a16="http://schemas.microsoft.com/office/drawing/2014/main" id="{CDC32EC1-9CEA-9D44-9525-D70A14C4E31C}"/>
+                <a16:creationId xmlns:a16="http://schemas.microsoft.com/office/drawing/2014/main" id="{8F7CCE74-A5D4-5C47-8A18-E6515B52B6F7}"/>
               </a:ext>
             </a:extLst>
           </p:cNvPr>
@@ -3894,20 +3867,47 @@
         </p:blipFill>
         <p:spPr>
           <a:xfrm>
-            <a:off x="7218648" y="973667"/>
-            <a:ext cx="1871396" cy="1296546"/>
+            <a:off x="235769" y="2497112"/>
+            <a:ext cx="4292069" cy="3095492"/>
           </a:xfrm>
           <a:prstGeom prst="rect">
             <a:avLst/>
           </a:prstGeom>
         </p:spPr>
       </p:pic>
+      <p:sp>
+        <p:nvSpPr>
+          <p:cNvPr id="2" name="Titel 1"/>
+          <p:cNvSpPr>
+            <a:spLocks noGrp="1"/>
+          </p:cNvSpPr>
+          <p:nvPr>
+            <p:ph type="title"/>
+          </p:nvPr>
+        </p:nvSpPr>
+        <p:spPr/>
+        <p:txBody>
+          <a:bodyPr/>
+          <a:lstStyle/>
+          <a:p>
+            <a:r>
+              <a:rPr lang="en-US" dirty="0"/>
+              <a:t>Basics </a:t>
+            </a:r>
+            <a:r>
+              <a:rPr lang="en-US" sz="1400" b="0" dirty="0"/>
+              <a:t>- BINARY DECISION TREE</a:t>
+            </a:r>
+            <a:endParaRPr lang="en-US" b="0" dirty="0"/>
+          </a:p>
+        </p:txBody>
+      </p:sp>
       <p:pic>
         <p:nvPicPr>
-          <p:cNvPr id="9" name="Grafik 8" descr="Ein Bild, das Tisch enthält.&#10;&#10;Automatisch generierte Beschreibung">
+          <p:cNvPr id="5" name="Grafik 4">
             <a:extLst>
               <a:ext uri="{FF2B5EF4-FFF2-40B4-BE49-F238E27FC236}">
-                <a16:creationId xmlns:a16="http://schemas.microsoft.com/office/drawing/2014/main" id="{1D549646-3C2A-F84E-8898-B1A13BFB3EE1}"/>
+                <a16:creationId xmlns:a16="http://schemas.microsoft.com/office/drawing/2014/main" id="{CDC32EC1-9CEA-9D44-9525-D70A14C4E31C}"/>
               </a:ext>
             </a:extLst>
           </p:cNvPr>
@@ -3930,8 +3930,8 @@
         </p:blipFill>
         <p:spPr>
           <a:xfrm>
-            <a:off x="707038" y="2780782"/>
-            <a:ext cx="3722975" cy="2683122"/>
+            <a:off x="7218648" y="973667"/>
+            <a:ext cx="1871396" cy="1296546"/>
           </a:xfrm>
           <a:prstGeom prst="rect">
             <a:avLst/>
@@ -3952,8 +3952,8 @@
         </p:nvSpPr>
         <p:spPr>
           <a:xfrm>
-            <a:off x="3620622" y="2705600"/>
-            <a:ext cx="880323" cy="2833485"/>
+            <a:off x="3620622" y="2493928"/>
+            <a:ext cx="880323" cy="3095492"/>
           </a:xfrm>
           <a:prstGeom prst="rect">
             <a:avLst/>
@@ -4537,7 +4537,7 @@
         </p:nvSpPr>
         <p:spPr>
           <a:xfrm>
-            <a:off x="636104" y="3470166"/>
+            <a:off x="627715" y="3461777"/>
             <a:ext cx="3935896" cy="238539"/>
           </a:xfrm>
           <a:prstGeom prst="rect">
@@ -6718,6 +6718,15 @@
 </file>
 
 <file path=customXml/item1.xml><?xml version="1.0" encoding="utf-8"?>
+<?mso-contentType ?>
+<FormTemplates xmlns="http://schemas.microsoft.com/sharepoint/v3/contenttype/forms">
+  <Display>DocumentLibraryForm</Display>
+  <Edit>DocumentLibraryForm</Edit>
+  <New>DocumentLibraryForm</New>
+</FormTemplates>
+</file>
+
+<file path=customXml/item2.xml><?xml version="1.0" encoding="utf-8"?>
 <ct:contentTypeSchema xmlns:ct="http://schemas.microsoft.com/office/2006/metadata/contentType" xmlns:ma="http://schemas.microsoft.com/office/2006/metadata/properties/metaAttributes" ct:_="" ma:_="" ma:contentTypeName="Dokument" ma:contentTypeID="0x010100901E189A4E44DB4D8CE815D633FFD2F1" ma:contentTypeVersion="0" ma:contentTypeDescription="Ein neues Dokument erstellen." ma:contentTypeScope="" ma:versionID="9ec4490c60b9815a7c756a6b35b9cf55">
   <xsd:schema xmlns:xsd="http://www.w3.org/2001/XMLSchema" xmlns:p="http://schemas.microsoft.com/office/2006/metadata/properties" targetNamespace="http://schemas.microsoft.com/office/2006/metadata/properties" ma:root="true" ma:fieldsID="246f02dd96380beb4f7cdcce14d77fd6">
     <xsd:element name="properties">
@@ -6766,16 +6775,15 @@
 </ct:contentTypeSchema>
 </file>
 
-<file path=customXml/item2.xml><?xml version="1.0" encoding="utf-8"?>
-<?mso-contentType ?>
-<FormTemplates xmlns="http://schemas.microsoft.com/sharepoint/v3/contenttype/forms">
-  <Display>DocumentLibraryForm</Display>
-  <Edit>DocumentLibraryForm</Edit>
-  <New>DocumentLibraryForm</New>
-</FormTemplates>
+<file path=customXml/itemProps1.xml><?xml version="1.0" encoding="utf-8"?>
+<ds:datastoreItem xmlns:ds="http://schemas.openxmlformats.org/officeDocument/2006/customXml" ds:itemID="{F7042A18-1274-4E29-AA39-AA7411EB08B6}">
+  <ds:schemaRefs>
+    <ds:schemaRef ds:uri="http://schemas.microsoft.com/sharepoint/v3/contenttype/forms"/>
+  </ds:schemaRefs>
+</ds:datastoreItem>
 </file>
 
-<file path=customXml/itemProps1.xml><?xml version="1.0" encoding="utf-8"?>
+<file path=customXml/itemProps2.xml><?xml version="1.0" encoding="utf-8"?>
 <ds:datastoreItem xmlns:ds="http://schemas.openxmlformats.org/officeDocument/2006/customXml" ds:itemID="{E86829B0-2F74-4FCA-95E8-CFEE9FFE862A}">
   <ds:schemaRefs>
     <ds:schemaRef ds:uri="http://schemas.microsoft.com/office/2006/metadata/contentType"/>
@@ -6788,12 +6796,4 @@
     <ds:schemaRef ds:uri="http://schemas.microsoft.com/office/internal/2005/internalDocumentation"/>
   </ds:schemaRefs>
 </ds:datastoreItem>
-</file>
-
-<file path=customXml/itemProps2.xml><?xml version="1.0" encoding="utf-8"?>
-<ds:datastoreItem xmlns:ds="http://schemas.openxmlformats.org/officeDocument/2006/customXml" ds:itemID="{F7042A18-1274-4E29-AA39-AA7411EB08B6}">
-  <ds:schemaRefs>
-    <ds:schemaRef ds:uri="http://schemas.microsoft.com/sharepoint/v3/contenttype/forms"/>
-  </ds:schemaRefs>
-</ds:datastoreItem>
 </file>
--- a/seminarppt.pptx
+++ b/seminarppt.pptx
@@ -5,10 +5,10 @@
     <p:sldMasterId id="2147483715" r:id="rId3"/>
   </p:sldMasterIdLst>
   <p:notesMasterIdLst>
-    <p:notesMasterId r:id="rId12"/>
+    <p:notesMasterId r:id="rId15"/>
   </p:notesMasterIdLst>
   <p:handoutMasterIdLst>
-    <p:handoutMasterId r:id="rId13"/>
+    <p:handoutMasterId r:id="rId16"/>
   </p:handoutMasterIdLst>
   <p:sldIdLst>
     <p:sldId id="532" r:id="rId4"/>
@@ -16,9 +16,12 @@
     <p:sldId id="590" r:id="rId6"/>
     <p:sldId id="591" r:id="rId7"/>
     <p:sldId id="595" r:id="rId8"/>
-    <p:sldId id="592" r:id="rId9"/>
-    <p:sldId id="593" r:id="rId10"/>
-    <p:sldId id="594" r:id="rId11"/>
+    <p:sldId id="598" r:id="rId9"/>
+    <p:sldId id="596" r:id="rId10"/>
+    <p:sldId id="597" r:id="rId11"/>
+    <p:sldId id="592" r:id="rId12"/>
+    <p:sldId id="593" r:id="rId13"/>
+    <p:sldId id="594" r:id="rId14"/>
   </p:sldIdLst>
   <p:sldSz cx="9144000" cy="6858000" type="screen4x3"/>
   <p:notesSz cx="7099300" cy="10234613"/>
@@ -970,6 +973,96 @@
     <p:extLst>
       <p:ext uri="{BB962C8B-B14F-4D97-AF65-F5344CB8AC3E}">
         <p14:creationId xmlns:p14="http://schemas.microsoft.com/office/powerpoint/2010/main" val="3169059056"/>
+      </p:ext>
+    </p:extLst>
+  </p:cSld>
+  <p:clrMapOvr>
+    <a:masterClrMapping/>
+  </p:clrMapOvr>
+</p:notes>
+</file>
+
+<file path=ppt/notesSlides/notesSlide2.xml><?xml version="1.0" encoding="utf-8"?>
+<p:notes xmlns:a="http://schemas.openxmlformats.org/drawingml/2006/main" xmlns:r="http://schemas.openxmlformats.org/officeDocument/2006/relationships" xmlns:p="http://schemas.openxmlformats.org/presentationml/2006/main">
+  <p:cSld>
+    <p:spTree>
+      <p:nvGrpSpPr>
+        <p:cNvPr id="1" name=""/>
+        <p:cNvGrpSpPr/>
+        <p:nvPr/>
+      </p:nvGrpSpPr>
+      <p:grpSpPr>
+        <a:xfrm>
+          <a:off x="0" y="0"/>
+          <a:ext cx="0" cy="0"/>
+          <a:chOff x="0" y="0"/>
+          <a:chExt cx="0" cy="0"/>
+        </a:xfrm>
+      </p:grpSpPr>
+      <p:sp>
+        <p:nvSpPr>
+          <p:cNvPr id="2" name="Folienbildplatzhalter 1"/>
+          <p:cNvSpPr>
+            <a:spLocks noGrp="1" noRot="1" noChangeAspect="1"/>
+          </p:cNvSpPr>
+          <p:nvPr>
+            <p:ph type="sldImg"/>
+          </p:nvPr>
+        </p:nvSpPr>
+        <p:spPr>
+          <a:xfrm>
+            <a:off x="992188" y="768350"/>
+            <a:ext cx="5114925" cy="3836988"/>
+          </a:xfrm>
+        </p:spPr>
+      </p:sp>
+      <p:sp>
+        <p:nvSpPr>
+          <p:cNvPr id="3" name="Notizenplatzhalter 2"/>
+          <p:cNvSpPr>
+            <a:spLocks noGrp="1"/>
+          </p:cNvSpPr>
+          <p:nvPr>
+            <p:ph type="body" idx="1"/>
+          </p:nvPr>
+        </p:nvSpPr>
+        <p:spPr/>
+        <p:txBody>
+          <a:bodyPr/>
+          <a:lstStyle/>
+          <a:p>
+            <a:endParaRPr lang="de-DE" dirty="0"/>
+          </a:p>
+        </p:txBody>
+      </p:sp>
+      <p:sp>
+        <p:nvSpPr>
+          <p:cNvPr id="4" name="Foliennummernplatzhalter 3"/>
+          <p:cNvSpPr>
+            <a:spLocks noGrp="1"/>
+          </p:cNvSpPr>
+          <p:nvPr>
+            <p:ph type="sldNum" sz="quarter" idx="5"/>
+          </p:nvPr>
+        </p:nvSpPr>
+        <p:spPr/>
+        <p:txBody>
+          <a:bodyPr/>
+          <a:lstStyle/>
+          <a:p>
+            <a:fld id="{9FC3EDD6-0A4A-C540-9197-893F889A87ED}" type="slidenum">
+              <a:rPr lang="de-DE" smtClean="0"/>
+              <a:pPr/>
+              <a:t>7</a:t>
+            </a:fld>
+            <a:endParaRPr lang="de-DE" dirty="0"/>
+          </a:p>
+        </p:txBody>
+      </p:sp>
+    </p:spTree>
+    <p:extLst>
+      <p:ext uri="{BB962C8B-B14F-4D97-AF65-F5344CB8AC3E}">
+        <p14:creationId xmlns:p14="http://schemas.microsoft.com/office/powerpoint/2010/main" val="2498061160"/>
       </p:ext>
     </p:extLst>
   </p:cSld>
@@ -2502,6 +2595,154 @@
 </p:sld>
 </file>
 
+<file path=ppt/slides/slide10.xml><?xml version="1.0" encoding="utf-8"?>
+<p:sld xmlns:a="http://schemas.openxmlformats.org/drawingml/2006/main" xmlns:r="http://schemas.openxmlformats.org/officeDocument/2006/relationships" xmlns:p="http://schemas.openxmlformats.org/presentationml/2006/main">
+  <p:cSld>
+    <p:spTree>
+      <p:nvGrpSpPr>
+        <p:cNvPr id="1" name=""/>
+        <p:cNvGrpSpPr/>
+        <p:nvPr/>
+      </p:nvGrpSpPr>
+      <p:grpSpPr>
+        <a:xfrm>
+          <a:off x="0" y="0"/>
+          <a:ext cx="0" cy="0"/>
+          <a:chOff x="0" y="0"/>
+          <a:chExt cx="0" cy="0"/>
+        </a:xfrm>
+      </p:grpSpPr>
+      <p:sp>
+        <p:nvSpPr>
+          <p:cNvPr id="2" name="Titel 1"/>
+          <p:cNvSpPr>
+            <a:spLocks noGrp="1"/>
+          </p:cNvSpPr>
+          <p:nvPr>
+            <p:ph type="title"/>
+          </p:nvPr>
+        </p:nvSpPr>
+        <p:spPr/>
+        <p:txBody>
+          <a:bodyPr/>
+          <a:lstStyle/>
+          <a:p>
+            <a:r>
+              <a:rPr lang="en-US" dirty="0"/>
+              <a:t>Results</a:t>
+            </a:r>
+          </a:p>
+        </p:txBody>
+      </p:sp>
+      <p:sp>
+        <p:nvSpPr>
+          <p:cNvPr id="3" name="Inhaltsplatzhalter 2"/>
+          <p:cNvSpPr>
+            <a:spLocks noGrp="1"/>
+          </p:cNvSpPr>
+          <p:nvPr>
+            <p:ph sz="quarter" idx="10"/>
+          </p:nvPr>
+        </p:nvSpPr>
+        <p:spPr/>
+        <p:txBody>
+          <a:bodyPr/>
+          <a:lstStyle/>
+          <a:p>
+            <a:r>
+              <a:rPr lang="en-US" dirty="0"/>
+              <a:t>Now let’s go into details …</a:t>
+            </a:r>
+          </a:p>
+        </p:txBody>
+      </p:sp>
+    </p:spTree>
+    <p:extLst>
+      <p:ext uri="{BB962C8B-B14F-4D97-AF65-F5344CB8AC3E}">
+        <p14:creationId xmlns:p14="http://schemas.microsoft.com/office/powerpoint/2010/main" val="2299048768"/>
+      </p:ext>
+    </p:extLst>
+  </p:cSld>
+  <p:clrMapOvr>
+    <a:masterClrMapping/>
+  </p:clrMapOvr>
+</p:sld>
+</file>
+
+<file path=ppt/slides/slide11.xml><?xml version="1.0" encoding="utf-8"?>
+<p:sld xmlns:a="http://schemas.openxmlformats.org/drawingml/2006/main" xmlns:r="http://schemas.openxmlformats.org/officeDocument/2006/relationships" xmlns:p="http://schemas.openxmlformats.org/presentationml/2006/main">
+  <p:cSld>
+    <p:spTree>
+      <p:nvGrpSpPr>
+        <p:cNvPr id="1" name=""/>
+        <p:cNvGrpSpPr/>
+        <p:nvPr/>
+      </p:nvGrpSpPr>
+      <p:grpSpPr>
+        <a:xfrm>
+          <a:off x="0" y="0"/>
+          <a:ext cx="0" cy="0"/>
+          <a:chOff x="0" y="0"/>
+          <a:chExt cx="0" cy="0"/>
+        </a:xfrm>
+      </p:grpSpPr>
+      <p:sp>
+        <p:nvSpPr>
+          <p:cNvPr id="2" name="Titel 1"/>
+          <p:cNvSpPr>
+            <a:spLocks noGrp="1"/>
+          </p:cNvSpPr>
+          <p:nvPr>
+            <p:ph type="title"/>
+          </p:nvPr>
+        </p:nvSpPr>
+        <p:spPr/>
+        <p:txBody>
+          <a:bodyPr/>
+          <a:lstStyle/>
+          <a:p>
+            <a:r>
+              <a:rPr lang="en-US" dirty="0"/>
+              <a:t>Conclusion</a:t>
+            </a:r>
+          </a:p>
+        </p:txBody>
+      </p:sp>
+      <p:sp>
+        <p:nvSpPr>
+          <p:cNvPr id="3" name="Inhaltsplatzhalter 2"/>
+          <p:cNvSpPr>
+            <a:spLocks noGrp="1"/>
+          </p:cNvSpPr>
+          <p:nvPr>
+            <p:ph sz="quarter" idx="10"/>
+          </p:nvPr>
+        </p:nvSpPr>
+        <p:spPr/>
+        <p:txBody>
+          <a:bodyPr/>
+          <a:lstStyle/>
+          <a:p>
+            <a:r>
+              <a:rPr lang="en-US" dirty="0"/>
+              <a:t>Now let’s go into details …</a:t>
+            </a:r>
+          </a:p>
+        </p:txBody>
+      </p:sp>
+    </p:spTree>
+    <p:extLst>
+      <p:ext uri="{BB962C8B-B14F-4D97-AF65-F5344CB8AC3E}">
+        <p14:creationId xmlns:p14="http://schemas.microsoft.com/office/powerpoint/2010/main" val="1276775774"/>
+      </p:ext>
+    </p:extLst>
+  </p:cSld>
+  <p:clrMapOvr>
+    <a:masterClrMapping/>
+  </p:clrMapOvr>
+</p:sld>
+</file>
+
 <file path=ppt/slides/slide2.xml><?xml version="1.0" encoding="utf-8"?>
 <p:sld xmlns:a="http://schemas.openxmlformats.org/drawingml/2006/main" xmlns:r="http://schemas.openxmlformats.org/officeDocument/2006/relationships" xmlns:p="http://schemas.openxmlformats.org/presentationml/2006/main">
   <p:cSld>
@@ -4537,8 +4778,8 @@
         </p:nvSpPr>
         <p:spPr>
           <a:xfrm>
-            <a:off x="627715" y="3461777"/>
-            <a:ext cx="3935896" cy="238539"/>
+            <a:off x="254751" y="3495453"/>
+            <a:ext cx="4329486" cy="288632"/>
           </a:xfrm>
           <a:prstGeom prst="rect">
             <a:avLst/>
@@ -5230,7 +5471,13 @@
       </p:grpSpPr>
       <p:sp>
         <p:nvSpPr>
-          <p:cNvPr id="2" name="Titel 1"/>
+          <p:cNvPr id="2" name="Titel 1">
+            <a:extLst>
+              <a:ext uri="{FF2B5EF4-FFF2-40B4-BE49-F238E27FC236}">
+                <a16:creationId xmlns:a16="http://schemas.microsoft.com/office/drawing/2014/main" id="{9FB8C047-FD43-A945-93D2-F55814660576}"/>
+              </a:ext>
+            </a:extLst>
+          </p:cNvPr>
           <p:cNvSpPr>
             <a:spLocks noGrp="1"/>
           </p:cNvSpPr>
@@ -5244,15 +5491,42 @@
           <a:lstStyle/>
           <a:p>
             <a:r>
-              <a:rPr lang="en-US" dirty="0"/>
-              <a:t>Methods</a:t>
-            </a:r>
+              <a:rPr lang="de-DE" dirty="0" err="1"/>
+              <a:t>How</a:t>
+            </a:r>
+            <a:r>
+              <a:rPr lang="de-DE" dirty="0"/>
+              <a:t> </a:t>
+            </a:r>
+            <a:r>
+              <a:rPr lang="de-DE" dirty="0" err="1"/>
+              <a:t>to</a:t>
+            </a:r>
+            <a:r>
+              <a:rPr lang="de-DE" dirty="0"/>
+              <a:t> </a:t>
+            </a:r>
+            <a:r>
+              <a:rPr lang="de-DE" dirty="0" err="1"/>
+              <a:t>split</a:t>
+            </a:r>
+            <a:r>
+              <a:rPr lang="de-DE"/>
+              <a:t>? </a:t>
+            </a:r>
+            <a:endParaRPr lang="de-DE" dirty="0"/>
           </a:p>
         </p:txBody>
       </p:sp>
       <p:sp>
         <p:nvSpPr>
-          <p:cNvPr id="3" name="Inhaltsplatzhalter 2"/>
+          <p:cNvPr id="3" name="Inhaltsplatzhalter 2">
+            <a:extLst>
+              <a:ext uri="{FF2B5EF4-FFF2-40B4-BE49-F238E27FC236}">
+                <a16:creationId xmlns:a16="http://schemas.microsoft.com/office/drawing/2014/main" id="{B95E3863-25E3-914E-97FA-65985DB2CD37}"/>
+              </a:ext>
+            </a:extLst>
+          </p:cNvPr>
           <p:cNvSpPr>
             <a:spLocks noGrp="1"/>
           </p:cNvSpPr>
@@ -5265,17 +5539,14 @@
           <a:bodyPr/>
           <a:lstStyle/>
           <a:p>
-            <a:r>
-              <a:rPr lang="en-US" dirty="0"/>
-              <a:t>Now let’s go into details …</a:t>
-            </a:r>
+            <a:endParaRPr lang="de-DE"/>
           </a:p>
         </p:txBody>
       </p:sp>
     </p:spTree>
     <p:extLst>
       <p:ext uri="{BB962C8B-B14F-4D97-AF65-F5344CB8AC3E}">
-        <p14:creationId xmlns:p14="http://schemas.microsoft.com/office/powerpoint/2010/main" val="1533381046"/>
+        <p14:creationId xmlns:p14="http://schemas.microsoft.com/office/powerpoint/2010/main" val="2528224510"/>
       </p:ext>
     </p:extLst>
   </p:cSld>
@@ -5286,6 +5557,3716 @@
 </file>
 
 <file path=ppt/slides/slide7.xml><?xml version="1.0" encoding="utf-8"?>
+<p:sld xmlns:a="http://schemas.openxmlformats.org/drawingml/2006/main" xmlns:r="http://schemas.openxmlformats.org/officeDocument/2006/relationships" xmlns:p="http://schemas.openxmlformats.org/presentationml/2006/main">
+  <p:cSld>
+    <p:spTree>
+      <p:nvGrpSpPr>
+        <p:cNvPr id="1" name=""/>
+        <p:cNvGrpSpPr/>
+        <p:nvPr/>
+      </p:nvGrpSpPr>
+      <p:grpSpPr>
+        <a:xfrm>
+          <a:off x="0" y="0"/>
+          <a:ext cx="0" cy="0"/>
+          <a:chOff x="0" y="0"/>
+          <a:chExt cx="0" cy="0"/>
+        </a:xfrm>
+      </p:grpSpPr>
+      <p:sp>
+        <p:nvSpPr>
+          <p:cNvPr id="2" name="Titel 1">
+            <a:extLst>
+              <a:ext uri="{FF2B5EF4-FFF2-40B4-BE49-F238E27FC236}">
+                <a16:creationId xmlns:a16="http://schemas.microsoft.com/office/drawing/2014/main" id="{3D9C85C3-0143-4F47-BD9A-D17689631447}"/>
+              </a:ext>
+            </a:extLst>
+          </p:cNvPr>
+          <p:cNvSpPr>
+            <a:spLocks noGrp="1"/>
+          </p:cNvSpPr>
+          <p:nvPr>
+            <p:ph type="title"/>
+          </p:nvPr>
+        </p:nvSpPr>
+        <p:spPr/>
+        <p:txBody>
+          <a:bodyPr/>
+          <a:lstStyle/>
+          <a:p>
+            <a:r>
+              <a:rPr lang="de-DE" dirty="0"/>
+              <a:t>Information </a:t>
+            </a:r>
+            <a:r>
+              <a:rPr lang="de-DE" dirty="0" err="1"/>
+              <a:t>Gain</a:t>
+            </a:r>
+            <a:endParaRPr lang="de-DE" dirty="0"/>
+          </a:p>
+        </p:txBody>
+      </p:sp>
+      <p:pic>
+        <p:nvPicPr>
+          <p:cNvPr id="4" name="Grafik 3" descr="Ein Bild, das Text enthält.&#10;&#10;Automatisch generierte Beschreibung">
+            <a:extLst>
+              <a:ext uri="{FF2B5EF4-FFF2-40B4-BE49-F238E27FC236}">
+                <a16:creationId xmlns:a16="http://schemas.microsoft.com/office/drawing/2014/main" id="{4B622B06-5181-D449-8507-39230957F25C}"/>
+              </a:ext>
+            </a:extLst>
+          </p:cNvPr>
+          <p:cNvPicPr>
+            <a:picLocks noChangeAspect="1"/>
+          </p:cNvPicPr>
+          <p:nvPr/>
+        </p:nvPicPr>
+        <p:blipFill rotWithShape="1">
+          <a:blip r:embed="rId3">
+            <a:extLst>
+              <a:ext uri="{28A0092B-C50C-407E-A947-70E740481C1C}">
+                <a14:useLocalDpi xmlns:a14="http://schemas.microsoft.com/office/drawing/2010/main" val="0"/>
+              </a:ext>
+            </a:extLst>
+          </a:blip>
+          <a:srcRect l="11857" r="10793" b="89150"/>
+          <a:stretch/>
+        </p:blipFill>
+        <p:spPr>
+          <a:xfrm>
+            <a:off x="457200" y="2253727"/>
+            <a:ext cx="3950044" cy="789079"/>
+          </a:xfrm>
+          <a:prstGeom prst="rect">
+            <a:avLst/>
+          </a:prstGeom>
+        </p:spPr>
+      </p:pic>
+      <p:pic>
+        <p:nvPicPr>
+          <p:cNvPr id="6" name="Grafik 5" descr="Ein Bild, das Text enthält.&#10;&#10;Automatisch generierte Beschreibung">
+            <a:extLst>
+              <a:ext uri="{FF2B5EF4-FFF2-40B4-BE49-F238E27FC236}">
+                <a16:creationId xmlns:a16="http://schemas.microsoft.com/office/drawing/2014/main" id="{A67DA39E-7C7F-8246-909C-6C32C5D175B6}"/>
+              </a:ext>
+            </a:extLst>
+          </p:cNvPr>
+          <p:cNvPicPr>
+            <a:picLocks noChangeAspect="1"/>
+          </p:cNvPicPr>
+          <p:nvPr/>
+        </p:nvPicPr>
+        <p:blipFill rotWithShape="1">
+          <a:blip r:embed="rId3">
+            <a:extLst>
+              <a:ext uri="{28A0092B-C50C-407E-A947-70E740481C1C}">
+                <a14:useLocalDpi xmlns:a14="http://schemas.microsoft.com/office/drawing/2010/main" val="0"/>
+              </a:ext>
+            </a:extLst>
+          </a:blip>
+          <a:srcRect t="13181" b="58992"/>
+          <a:stretch/>
+        </p:blipFill>
+        <p:spPr>
+          <a:xfrm>
+            <a:off x="533493" y="3820458"/>
+            <a:ext cx="6186334" cy="2451502"/>
+          </a:xfrm>
+          <a:prstGeom prst="rect">
+            <a:avLst/>
+          </a:prstGeom>
+        </p:spPr>
+      </p:pic>
+      <p:pic>
+        <p:nvPicPr>
+          <p:cNvPr id="10" name="Grafik 9" descr="Ein Bild, das Tisch enthält.&#10;&#10;Automatisch generierte Beschreibung">
+            <a:extLst>
+              <a:ext uri="{FF2B5EF4-FFF2-40B4-BE49-F238E27FC236}">
+                <a16:creationId xmlns:a16="http://schemas.microsoft.com/office/drawing/2014/main" id="{766FE4C8-1348-BC45-81AD-BB580CF6F484}"/>
+              </a:ext>
+            </a:extLst>
+          </p:cNvPr>
+          <p:cNvPicPr>
+            <a:picLocks noChangeAspect="1"/>
+          </p:cNvPicPr>
+          <p:nvPr/>
+        </p:nvPicPr>
+        <p:blipFill>
+          <a:blip r:embed="rId4">
+            <a:extLst>
+              <a:ext uri="{28A0092B-C50C-407E-A947-70E740481C1C}">
+                <a14:useLocalDpi xmlns:a14="http://schemas.microsoft.com/office/drawing/2010/main" val="0"/>
+              </a:ext>
+            </a:extLst>
+          </a:blip>
+          <a:stretch>
+            <a:fillRect/>
+          </a:stretch>
+        </p:blipFill>
+        <p:spPr>
+          <a:xfrm>
+            <a:off x="4678560" y="935697"/>
+            <a:ext cx="4292069" cy="3095492"/>
+          </a:xfrm>
+          <a:prstGeom prst="rect">
+            <a:avLst/>
+          </a:prstGeom>
+        </p:spPr>
+      </p:pic>
+      <p:sp>
+        <p:nvSpPr>
+          <p:cNvPr id="11" name="Oval 10">
+            <a:extLst>
+              <a:ext uri="{FF2B5EF4-FFF2-40B4-BE49-F238E27FC236}">
+                <a16:creationId xmlns:a16="http://schemas.microsoft.com/office/drawing/2014/main" id="{B414B0AC-4212-2B46-B27C-0D715D942227}"/>
+              </a:ext>
+            </a:extLst>
+          </p:cNvPr>
+          <p:cNvSpPr/>
+          <p:nvPr/>
+        </p:nvSpPr>
+        <p:spPr>
+          <a:xfrm>
+            <a:off x="8445202" y="1818623"/>
+            <a:ext cx="119269" cy="119269"/>
+          </a:xfrm>
+          <a:prstGeom prst="ellipse">
+            <a:avLst/>
+          </a:prstGeom>
+          <a:solidFill>
+            <a:srgbClr val="92D050"/>
+          </a:solidFill>
+          <a:ln>
+            <a:solidFill>
+              <a:srgbClr val="00B050"/>
+            </a:solidFill>
+          </a:ln>
+        </p:spPr>
+        <p:style>
+          <a:lnRef idx="2">
+            <a:schemeClr val="accent1">
+              <a:shade val="50000"/>
+            </a:schemeClr>
+          </a:lnRef>
+          <a:fillRef idx="1">
+            <a:schemeClr val="accent1"/>
+          </a:fillRef>
+          <a:effectRef idx="0">
+            <a:schemeClr val="accent1"/>
+          </a:effectRef>
+          <a:fontRef idx="minor">
+            <a:schemeClr val="lt1"/>
+          </a:fontRef>
+        </p:style>
+        <p:txBody>
+          <a:bodyPr rtlCol="0" anchor="ctr"/>
+          <a:lstStyle/>
+          <a:p>
+            <a:pPr algn="ctr"/>
+            <a:endParaRPr lang="de-DE"/>
+          </a:p>
+        </p:txBody>
+      </p:sp>
+      <p:sp>
+        <p:nvSpPr>
+          <p:cNvPr id="12" name="Oval 11">
+            <a:extLst>
+              <a:ext uri="{FF2B5EF4-FFF2-40B4-BE49-F238E27FC236}">
+                <a16:creationId xmlns:a16="http://schemas.microsoft.com/office/drawing/2014/main" id="{BFE4387A-F01D-1845-A6F6-F54EDBAB4D5A}"/>
+              </a:ext>
+            </a:extLst>
+          </p:cNvPr>
+          <p:cNvSpPr/>
+          <p:nvPr/>
+        </p:nvSpPr>
+        <p:spPr>
+          <a:xfrm>
+            <a:off x="8448261" y="1414784"/>
+            <a:ext cx="119269" cy="119269"/>
+          </a:xfrm>
+          <a:prstGeom prst="ellipse">
+            <a:avLst/>
+          </a:prstGeom>
+          <a:solidFill>
+            <a:srgbClr val="92D050"/>
+          </a:solidFill>
+          <a:ln>
+            <a:solidFill>
+              <a:srgbClr val="00B050"/>
+            </a:solidFill>
+          </a:ln>
+        </p:spPr>
+        <p:style>
+          <a:lnRef idx="2">
+            <a:schemeClr val="accent1">
+              <a:shade val="50000"/>
+            </a:schemeClr>
+          </a:lnRef>
+          <a:fillRef idx="1">
+            <a:schemeClr val="accent1"/>
+          </a:fillRef>
+          <a:effectRef idx="0">
+            <a:schemeClr val="accent1"/>
+          </a:effectRef>
+          <a:fontRef idx="minor">
+            <a:schemeClr val="lt1"/>
+          </a:fontRef>
+        </p:style>
+        <p:txBody>
+          <a:bodyPr rtlCol="0" anchor="ctr"/>
+          <a:lstStyle/>
+          <a:p>
+            <a:pPr algn="ctr"/>
+            <a:endParaRPr lang="de-DE"/>
+          </a:p>
+        </p:txBody>
+      </p:sp>
+      <p:sp>
+        <p:nvSpPr>
+          <p:cNvPr id="13" name="Oval 12">
+            <a:extLst>
+              <a:ext uri="{FF2B5EF4-FFF2-40B4-BE49-F238E27FC236}">
+                <a16:creationId xmlns:a16="http://schemas.microsoft.com/office/drawing/2014/main" id="{24892DA8-4043-2C4F-8CC2-FC354D6379B6}"/>
+              </a:ext>
+            </a:extLst>
+          </p:cNvPr>
+          <p:cNvSpPr/>
+          <p:nvPr/>
+        </p:nvSpPr>
+        <p:spPr>
+          <a:xfrm>
+            <a:off x="8445201" y="2423808"/>
+            <a:ext cx="119269" cy="119269"/>
+          </a:xfrm>
+          <a:prstGeom prst="ellipse">
+            <a:avLst/>
+          </a:prstGeom>
+          <a:solidFill>
+            <a:srgbClr val="92D050"/>
+          </a:solidFill>
+          <a:ln>
+            <a:solidFill>
+              <a:srgbClr val="00B050"/>
+            </a:solidFill>
+          </a:ln>
+        </p:spPr>
+        <p:style>
+          <a:lnRef idx="2">
+            <a:schemeClr val="accent1">
+              <a:shade val="50000"/>
+            </a:schemeClr>
+          </a:lnRef>
+          <a:fillRef idx="1">
+            <a:schemeClr val="accent1"/>
+          </a:fillRef>
+          <a:effectRef idx="0">
+            <a:schemeClr val="accent1"/>
+          </a:effectRef>
+          <a:fontRef idx="minor">
+            <a:schemeClr val="lt1"/>
+          </a:fontRef>
+        </p:style>
+        <p:txBody>
+          <a:bodyPr rtlCol="0" anchor="ctr"/>
+          <a:lstStyle/>
+          <a:p>
+            <a:pPr algn="ctr"/>
+            <a:endParaRPr lang="de-DE"/>
+          </a:p>
+        </p:txBody>
+      </p:sp>
+      <p:sp>
+        <p:nvSpPr>
+          <p:cNvPr id="14" name="Oval 13">
+            <a:extLst>
+              <a:ext uri="{FF2B5EF4-FFF2-40B4-BE49-F238E27FC236}">
+                <a16:creationId xmlns:a16="http://schemas.microsoft.com/office/drawing/2014/main" id="{589A582F-E331-8146-A6FE-EEAB141A350F}"/>
+              </a:ext>
+            </a:extLst>
+          </p:cNvPr>
+          <p:cNvSpPr/>
+          <p:nvPr/>
+        </p:nvSpPr>
+        <p:spPr>
+          <a:xfrm>
+            <a:off x="8445200" y="3028993"/>
+            <a:ext cx="119269" cy="119269"/>
+          </a:xfrm>
+          <a:prstGeom prst="ellipse">
+            <a:avLst/>
+          </a:prstGeom>
+          <a:solidFill>
+            <a:srgbClr val="92D050"/>
+          </a:solidFill>
+          <a:ln>
+            <a:solidFill>
+              <a:srgbClr val="00B050"/>
+            </a:solidFill>
+          </a:ln>
+        </p:spPr>
+        <p:style>
+          <a:lnRef idx="2">
+            <a:schemeClr val="accent1">
+              <a:shade val="50000"/>
+            </a:schemeClr>
+          </a:lnRef>
+          <a:fillRef idx="1">
+            <a:schemeClr val="accent1"/>
+          </a:fillRef>
+          <a:effectRef idx="0">
+            <a:schemeClr val="accent1"/>
+          </a:effectRef>
+          <a:fontRef idx="minor">
+            <a:schemeClr val="lt1"/>
+          </a:fontRef>
+        </p:style>
+        <p:txBody>
+          <a:bodyPr rtlCol="0" anchor="ctr"/>
+          <a:lstStyle/>
+          <a:p>
+            <a:pPr algn="ctr"/>
+            <a:endParaRPr lang="de-DE"/>
+          </a:p>
+        </p:txBody>
+      </p:sp>
+      <p:sp>
+        <p:nvSpPr>
+          <p:cNvPr id="15" name="Oval 14">
+            <a:extLst>
+              <a:ext uri="{FF2B5EF4-FFF2-40B4-BE49-F238E27FC236}">
+                <a16:creationId xmlns:a16="http://schemas.microsoft.com/office/drawing/2014/main" id="{BD2EF54D-10A1-9D49-A383-AC716A6664BE}"/>
+              </a:ext>
+            </a:extLst>
+          </p:cNvPr>
+          <p:cNvSpPr/>
+          <p:nvPr/>
+        </p:nvSpPr>
+        <p:spPr>
+          <a:xfrm>
+            <a:off x="8445199" y="3650104"/>
+            <a:ext cx="119269" cy="119269"/>
+          </a:xfrm>
+          <a:prstGeom prst="ellipse">
+            <a:avLst/>
+          </a:prstGeom>
+          <a:solidFill>
+            <a:srgbClr val="92D050"/>
+          </a:solidFill>
+          <a:ln>
+            <a:solidFill>
+              <a:srgbClr val="00B050"/>
+            </a:solidFill>
+          </a:ln>
+        </p:spPr>
+        <p:style>
+          <a:lnRef idx="2">
+            <a:schemeClr val="accent1">
+              <a:shade val="50000"/>
+            </a:schemeClr>
+          </a:lnRef>
+          <a:fillRef idx="1">
+            <a:schemeClr val="accent1"/>
+          </a:fillRef>
+          <a:effectRef idx="0">
+            <a:schemeClr val="accent1"/>
+          </a:effectRef>
+          <a:fontRef idx="minor">
+            <a:schemeClr val="lt1"/>
+          </a:fontRef>
+        </p:style>
+        <p:txBody>
+          <a:bodyPr rtlCol="0" anchor="ctr"/>
+          <a:lstStyle/>
+          <a:p>
+            <a:pPr algn="ctr"/>
+            <a:endParaRPr lang="de-DE"/>
+          </a:p>
+        </p:txBody>
+      </p:sp>
+      <p:sp>
+        <p:nvSpPr>
+          <p:cNvPr id="16" name="Oval 15">
+            <a:extLst>
+              <a:ext uri="{FF2B5EF4-FFF2-40B4-BE49-F238E27FC236}">
+                <a16:creationId xmlns:a16="http://schemas.microsoft.com/office/drawing/2014/main" id="{EBE431BB-55EC-D349-8628-6D7CAF8DAF16}"/>
+              </a:ext>
+            </a:extLst>
+          </p:cNvPr>
+          <p:cNvSpPr/>
+          <p:nvPr/>
+        </p:nvSpPr>
+        <p:spPr>
+          <a:xfrm>
+            <a:off x="8448261" y="1202635"/>
+            <a:ext cx="119269" cy="119269"/>
+          </a:xfrm>
+          <a:prstGeom prst="ellipse">
+            <a:avLst/>
+          </a:prstGeom>
+          <a:solidFill>
+            <a:srgbClr val="FF0000"/>
+          </a:solidFill>
+          <a:ln>
+            <a:solidFill>
+              <a:srgbClr val="C00000"/>
+            </a:solidFill>
+          </a:ln>
+        </p:spPr>
+        <p:style>
+          <a:lnRef idx="2">
+            <a:schemeClr val="accent1">
+              <a:shade val="50000"/>
+            </a:schemeClr>
+          </a:lnRef>
+          <a:fillRef idx="1">
+            <a:schemeClr val="accent1"/>
+          </a:fillRef>
+          <a:effectRef idx="0">
+            <a:schemeClr val="accent1"/>
+          </a:effectRef>
+          <a:fontRef idx="minor">
+            <a:schemeClr val="lt1"/>
+          </a:fontRef>
+        </p:style>
+        <p:txBody>
+          <a:bodyPr rtlCol="0" anchor="ctr"/>
+          <a:lstStyle/>
+          <a:p>
+            <a:pPr algn="ctr"/>
+            <a:endParaRPr lang="de-DE"/>
+          </a:p>
+        </p:txBody>
+      </p:sp>
+      <p:sp>
+        <p:nvSpPr>
+          <p:cNvPr id="17" name="Oval 16">
+            <a:extLst>
+              <a:ext uri="{FF2B5EF4-FFF2-40B4-BE49-F238E27FC236}">
+                <a16:creationId xmlns:a16="http://schemas.microsoft.com/office/drawing/2014/main" id="{9F7C01AA-B361-E341-86E4-2C6EBCA9CB09}"/>
+              </a:ext>
+            </a:extLst>
+          </p:cNvPr>
+          <p:cNvSpPr/>
+          <p:nvPr/>
+        </p:nvSpPr>
+        <p:spPr>
+          <a:xfrm>
+            <a:off x="8445198" y="1616703"/>
+            <a:ext cx="119269" cy="119269"/>
+          </a:xfrm>
+          <a:prstGeom prst="ellipse">
+            <a:avLst/>
+          </a:prstGeom>
+          <a:solidFill>
+            <a:srgbClr val="FF0000"/>
+          </a:solidFill>
+          <a:ln>
+            <a:solidFill>
+              <a:srgbClr val="C00000"/>
+            </a:solidFill>
+          </a:ln>
+        </p:spPr>
+        <p:style>
+          <a:lnRef idx="2">
+            <a:schemeClr val="accent1">
+              <a:shade val="50000"/>
+            </a:schemeClr>
+          </a:lnRef>
+          <a:fillRef idx="1">
+            <a:schemeClr val="accent1"/>
+          </a:fillRef>
+          <a:effectRef idx="0">
+            <a:schemeClr val="accent1"/>
+          </a:effectRef>
+          <a:fontRef idx="minor">
+            <a:schemeClr val="lt1"/>
+          </a:fontRef>
+        </p:style>
+        <p:txBody>
+          <a:bodyPr rtlCol="0" anchor="ctr"/>
+          <a:lstStyle/>
+          <a:p>
+            <a:pPr algn="ctr"/>
+            <a:endParaRPr lang="de-DE"/>
+          </a:p>
+        </p:txBody>
+      </p:sp>
+      <p:sp>
+        <p:nvSpPr>
+          <p:cNvPr id="18" name="Oval 17">
+            <a:extLst>
+              <a:ext uri="{FF2B5EF4-FFF2-40B4-BE49-F238E27FC236}">
+                <a16:creationId xmlns:a16="http://schemas.microsoft.com/office/drawing/2014/main" id="{A6CB2EA4-F99A-3246-85BB-3F631256538B}"/>
+              </a:ext>
+            </a:extLst>
+          </p:cNvPr>
+          <p:cNvSpPr/>
+          <p:nvPr/>
+        </p:nvSpPr>
+        <p:spPr>
+          <a:xfrm>
+            <a:off x="8445198" y="2026797"/>
+            <a:ext cx="119269" cy="119269"/>
+          </a:xfrm>
+          <a:prstGeom prst="ellipse">
+            <a:avLst/>
+          </a:prstGeom>
+          <a:solidFill>
+            <a:srgbClr val="FF0000"/>
+          </a:solidFill>
+          <a:ln>
+            <a:solidFill>
+              <a:srgbClr val="C00000"/>
+            </a:solidFill>
+          </a:ln>
+        </p:spPr>
+        <p:style>
+          <a:lnRef idx="2">
+            <a:schemeClr val="accent1">
+              <a:shade val="50000"/>
+            </a:schemeClr>
+          </a:lnRef>
+          <a:fillRef idx="1">
+            <a:schemeClr val="accent1"/>
+          </a:fillRef>
+          <a:effectRef idx="0">
+            <a:schemeClr val="accent1"/>
+          </a:effectRef>
+          <a:fontRef idx="minor">
+            <a:schemeClr val="lt1"/>
+          </a:fontRef>
+        </p:style>
+        <p:txBody>
+          <a:bodyPr rtlCol="0" anchor="ctr"/>
+          <a:lstStyle/>
+          <a:p>
+            <a:pPr algn="ctr"/>
+            <a:endParaRPr lang="de-DE"/>
+          </a:p>
+        </p:txBody>
+      </p:sp>
+      <p:sp>
+        <p:nvSpPr>
+          <p:cNvPr id="19" name="Oval 18">
+            <a:extLst>
+              <a:ext uri="{FF2B5EF4-FFF2-40B4-BE49-F238E27FC236}">
+                <a16:creationId xmlns:a16="http://schemas.microsoft.com/office/drawing/2014/main" id="{A1596EDC-B852-C64E-931B-43BA85B60D5D}"/>
+              </a:ext>
+            </a:extLst>
+          </p:cNvPr>
+          <p:cNvSpPr/>
+          <p:nvPr/>
+        </p:nvSpPr>
+        <p:spPr>
+          <a:xfrm>
+            <a:off x="8445197" y="2226098"/>
+            <a:ext cx="119269" cy="119269"/>
+          </a:xfrm>
+          <a:prstGeom prst="ellipse">
+            <a:avLst/>
+          </a:prstGeom>
+          <a:solidFill>
+            <a:srgbClr val="FF0000"/>
+          </a:solidFill>
+          <a:ln>
+            <a:solidFill>
+              <a:srgbClr val="C00000"/>
+            </a:solidFill>
+          </a:ln>
+        </p:spPr>
+        <p:style>
+          <a:lnRef idx="2">
+            <a:schemeClr val="accent1">
+              <a:shade val="50000"/>
+            </a:schemeClr>
+          </a:lnRef>
+          <a:fillRef idx="1">
+            <a:schemeClr val="accent1"/>
+          </a:fillRef>
+          <a:effectRef idx="0">
+            <a:schemeClr val="accent1"/>
+          </a:effectRef>
+          <a:fontRef idx="minor">
+            <a:schemeClr val="lt1"/>
+          </a:fontRef>
+        </p:style>
+        <p:txBody>
+          <a:bodyPr rtlCol="0" anchor="ctr"/>
+          <a:lstStyle/>
+          <a:p>
+            <a:pPr algn="ctr"/>
+            <a:endParaRPr lang="de-DE"/>
+          </a:p>
+        </p:txBody>
+      </p:sp>
+      <p:sp>
+        <p:nvSpPr>
+          <p:cNvPr id="20" name="Oval 19">
+            <a:extLst>
+              <a:ext uri="{FF2B5EF4-FFF2-40B4-BE49-F238E27FC236}">
+                <a16:creationId xmlns:a16="http://schemas.microsoft.com/office/drawing/2014/main" id="{C983A62D-FD9F-1744-9780-6E5B73CFE9DC}"/>
+              </a:ext>
+            </a:extLst>
+          </p:cNvPr>
+          <p:cNvSpPr/>
+          <p:nvPr/>
+        </p:nvSpPr>
+        <p:spPr>
+          <a:xfrm>
+            <a:off x="8445196" y="2641131"/>
+            <a:ext cx="119269" cy="119269"/>
+          </a:xfrm>
+          <a:prstGeom prst="ellipse">
+            <a:avLst/>
+          </a:prstGeom>
+          <a:solidFill>
+            <a:srgbClr val="FF0000"/>
+          </a:solidFill>
+          <a:ln>
+            <a:solidFill>
+              <a:srgbClr val="C00000"/>
+            </a:solidFill>
+          </a:ln>
+        </p:spPr>
+        <p:style>
+          <a:lnRef idx="2">
+            <a:schemeClr val="accent1">
+              <a:shade val="50000"/>
+            </a:schemeClr>
+          </a:lnRef>
+          <a:fillRef idx="1">
+            <a:schemeClr val="accent1"/>
+          </a:fillRef>
+          <a:effectRef idx="0">
+            <a:schemeClr val="accent1"/>
+          </a:effectRef>
+          <a:fontRef idx="minor">
+            <a:schemeClr val="lt1"/>
+          </a:fontRef>
+        </p:style>
+        <p:txBody>
+          <a:bodyPr rtlCol="0" anchor="ctr"/>
+          <a:lstStyle/>
+          <a:p>
+            <a:pPr algn="ctr"/>
+            <a:endParaRPr lang="de-DE"/>
+          </a:p>
+        </p:txBody>
+      </p:sp>
+      <p:sp>
+        <p:nvSpPr>
+          <p:cNvPr id="21" name="Oval 20">
+            <a:extLst>
+              <a:ext uri="{FF2B5EF4-FFF2-40B4-BE49-F238E27FC236}">
+                <a16:creationId xmlns:a16="http://schemas.microsoft.com/office/drawing/2014/main" id="{DA674A9F-8F5C-0348-B796-D90990093BA4}"/>
+              </a:ext>
+            </a:extLst>
+          </p:cNvPr>
+          <p:cNvSpPr/>
+          <p:nvPr/>
+        </p:nvSpPr>
+        <p:spPr>
+          <a:xfrm>
+            <a:off x="8445195" y="2835062"/>
+            <a:ext cx="119269" cy="119269"/>
+          </a:xfrm>
+          <a:prstGeom prst="ellipse">
+            <a:avLst/>
+          </a:prstGeom>
+          <a:solidFill>
+            <a:srgbClr val="FF0000"/>
+          </a:solidFill>
+          <a:ln>
+            <a:solidFill>
+              <a:srgbClr val="C00000"/>
+            </a:solidFill>
+          </a:ln>
+        </p:spPr>
+        <p:style>
+          <a:lnRef idx="2">
+            <a:schemeClr val="accent1">
+              <a:shade val="50000"/>
+            </a:schemeClr>
+          </a:lnRef>
+          <a:fillRef idx="1">
+            <a:schemeClr val="accent1"/>
+          </a:fillRef>
+          <a:effectRef idx="0">
+            <a:schemeClr val="accent1"/>
+          </a:effectRef>
+          <a:fontRef idx="minor">
+            <a:schemeClr val="lt1"/>
+          </a:fontRef>
+        </p:style>
+        <p:txBody>
+          <a:bodyPr rtlCol="0" anchor="ctr"/>
+          <a:lstStyle/>
+          <a:p>
+            <a:pPr algn="ctr"/>
+            <a:endParaRPr lang="de-DE"/>
+          </a:p>
+        </p:txBody>
+      </p:sp>
+      <p:sp>
+        <p:nvSpPr>
+          <p:cNvPr id="22" name="Oval 21">
+            <a:extLst>
+              <a:ext uri="{FF2B5EF4-FFF2-40B4-BE49-F238E27FC236}">
+                <a16:creationId xmlns:a16="http://schemas.microsoft.com/office/drawing/2014/main" id="{1994B76A-3753-8741-B300-06170E30C891}"/>
+              </a:ext>
+            </a:extLst>
+          </p:cNvPr>
+          <p:cNvSpPr/>
+          <p:nvPr/>
+        </p:nvSpPr>
+        <p:spPr>
+          <a:xfrm>
+            <a:off x="8445195" y="3246316"/>
+            <a:ext cx="119269" cy="119269"/>
+          </a:xfrm>
+          <a:prstGeom prst="ellipse">
+            <a:avLst/>
+          </a:prstGeom>
+          <a:solidFill>
+            <a:srgbClr val="FF0000"/>
+          </a:solidFill>
+          <a:ln>
+            <a:solidFill>
+              <a:srgbClr val="C00000"/>
+            </a:solidFill>
+          </a:ln>
+        </p:spPr>
+        <p:style>
+          <a:lnRef idx="2">
+            <a:schemeClr val="accent1">
+              <a:shade val="50000"/>
+            </a:schemeClr>
+          </a:lnRef>
+          <a:fillRef idx="1">
+            <a:schemeClr val="accent1"/>
+          </a:fillRef>
+          <a:effectRef idx="0">
+            <a:schemeClr val="accent1"/>
+          </a:effectRef>
+          <a:fontRef idx="minor">
+            <a:schemeClr val="lt1"/>
+          </a:fontRef>
+        </p:style>
+        <p:txBody>
+          <a:bodyPr rtlCol="0" anchor="ctr"/>
+          <a:lstStyle/>
+          <a:p>
+            <a:pPr algn="ctr"/>
+            <a:endParaRPr lang="de-DE"/>
+          </a:p>
+        </p:txBody>
+      </p:sp>
+      <p:sp>
+        <p:nvSpPr>
+          <p:cNvPr id="23" name="Oval 22">
+            <a:extLst>
+              <a:ext uri="{FF2B5EF4-FFF2-40B4-BE49-F238E27FC236}">
+                <a16:creationId xmlns:a16="http://schemas.microsoft.com/office/drawing/2014/main" id="{E451D79F-3380-1146-A947-FFA262362BBD}"/>
+              </a:ext>
+            </a:extLst>
+          </p:cNvPr>
+          <p:cNvSpPr/>
+          <p:nvPr/>
+        </p:nvSpPr>
+        <p:spPr>
+          <a:xfrm>
+            <a:off x="8445194" y="3440247"/>
+            <a:ext cx="119269" cy="119269"/>
+          </a:xfrm>
+          <a:prstGeom prst="ellipse">
+            <a:avLst/>
+          </a:prstGeom>
+          <a:solidFill>
+            <a:srgbClr val="FF0000"/>
+          </a:solidFill>
+          <a:ln>
+            <a:solidFill>
+              <a:srgbClr val="C00000"/>
+            </a:solidFill>
+          </a:ln>
+        </p:spPr>
+        <p:style>
+          <a:lnRef idx="2">
+            <a:schemeClr val="accent1">
+              <a:shade val="50000"/>
+            </a:schemeClr>
+          </a:lnRef>
+          <a:fillRef idx="1">
+            <a:schemeClr val="accent1"/>
+          </a:fillRef>
+          <a:effectRef idx="0">
+            <a:schemeClr val="accent1"/>
+          </a:effectRef>
+          <a:fontRef idx="minor">
+            <a:schemeClr val="lt1"/>
+          </a:fontRef>
+        </p:style>
+        <p:txBody>
+          <a:bodyPr rtlCol="0" anchor="ctr"/>
+          <a:lstStyle/>
+          <a:p>
+            <a:pPr algn="ctr"/>
+            <a:endParaRPr lang="de-DE"/>
+          </a:p>
+        </p:txBody>
+      </p:sp>
+      <p:sp>
+        <p:nvSpPr>
+          <p:cNvPr id="24" name="Oval 23">
+            <a:extLst>
+              <a:ext uri="{FF2B5EF4-FFF2-40B4-BE49-F238E27FC236}">
+                <a16:creationId xmlns:a16="http://schemas.microsoft.com/office/drawing/2014/main" id="{9A59C99B-DA2C-E94C-9CD6-D603A881CBFC}"/>
+              </a:ext>
+            </a:extLst>
+          </p:cNvPr>
+          <p:cNvSpPr/>
+          <p:nvPr/>
+        </p:nvSpPr>
+        <p:spPr>
+          <a:xfrm>
+            <a:off x="8445193" y="3863839"/>
+            <a:ext cx="119269" cy="119269"/>
+          </a:xfrm>
+          <a:prstGeom prst="ellipse">
+            <a:avLst/>
+          </a:prstGeom>
+          <a:solidFill>
+            <a:srgbClr val="FF0000"/>
+          </a:solidFill>
+          <a:ln>
+            <a:solidFill>
+              <a:srgbClr val="C00000"/>
+            </a:solidFill>
+          </a:ln>
+        </p:spPr>
+        <p:style>
+          <a:lnRef idx="2">
+            <a:schemeClr val="accent1">
+              <a:shade val="50000"/>
+            </a:schemeClr>
+          </a:lnRef>
+          <a:fillRef idx="1">
+            <a:schemeClr val="accent1"/>
+          </a:fillRef>
+          <a:effectRef idx="0">
+            <a:schemeClr val="accent1"/>
+          </a:effectRef>
+          <a:fontRef idx="minor">
+            <a:schemeClr val="lt1"/>
+          </a:fontRef>
+        </p:style>
+        <p:txBody>
+          <a:bodyPr rtlCol="0" anchor="ctr"/>
+          <a:lstStyle/>
+          <a:p>
+            <a:pPr algn="ctr"/>
+            <a:endParaRPr lang="de-DE"/>
+          </a:p>
+        </p:txBody>
+      </p:sp>
+      <p:sp>
+        <p:nvSpPr>
+          <p:cNvPr id="25" name="Oval 24">
+            <a:extLst>
+              <a:ext uri="{FF2B5EF4-FFF2-40B4-BE49-F238E27FC236}">
+                <a16:creationId xmlns:a16="http://schemas.microsoft.com/office/drawing/2014/main" id="{B181FE44-63F3-8843-9D8A-D5DFD50C2FA8}"/>
+              </a:ext>
+            </a:extLst>
+          </p:cNvPr>
+          <p:cNvSpPr/>
+          <p:nvPr/>
+        </p:nvSpPr>
+        <p:spPr>
+          <a:xfrm>
+            <a:off x="882917" y="2418403"/>
+            <a:ext cx="89608" cy="89608"/>
+          </a:xfrm>
+          <a:prstGeom prst="ellipse">
+            <a:avLst/>
+          </a:prstGeom>
+          <a:solidFill>
+            <a:srgbClr val="FF0000"/>
+          </a:solidFill>
+          <a:ln>
+            <a:solidFill>
+              <a:srgbClr val="C00000"/>
+            </a:solidFill>
+          </a:ln>
+        </p:spPr>
+        <p:style>
+          <a:lnRef idx="2">
+            <a:schemeClr val="accent1">
+              <a:shade val="50000"/>
+            </a:schemeClr>
+          </a:lnRef>
+          <a:fillRef idx="1">
+            <a:schemeClr val="accent1"/>
+          </a:fillRef>
+          <a:effectRef idx="0">
+            <a:schemeClr val="accent1"/>
+          </a:effectRef>
+          <a:fontRef idx="minor">
+            <a:schemeClr val="lt1"/>
+          </a:fontRef>
+        </p:style>
+        <p:txBody>
+          <a:bodyPr rtlCol="0" anchor="ctr"/>
+          <a:lstStyle/>
+          <a:p>
+            <a:pPr algn="ctr"/>
+            <a:endParaRPr lang="de-DE"/>
+          </a:p>
+        </p:txBody>
+      </p:sp>
+      <p:sp>
+        <p:nvSpPr>
+          <p:cNvPr id="26" name="Oval 25">
+            <a:extLst>
+              <a:ext uri="{FF2B5EF4-FFF2-40B4-BE49-F238E27FC236}">
+                <a16:creationId xmlns:a16="http://schemas.microsoft.com/office/drawing/2014/main" id="{08C3FD07-86ED-0746-90C7-8190F3C99F45}"/>
+              </a:ext>
+            </a:extLst>
+          </p:cNvPr>
+          <p:cNvSpPr/>
+          <p:nvPr/>
+        </p:nvSpPr>
+        <p:spPr>
+          <a:xfrm>
+            <a:off x="739472" y="2418404"/>
+            <a:ext cx="89608" cy="89608"/>
+          </a:xfrm>
+          <a:prstGeom prst="ellipse">
+            <a:avLst/>
+          </a:prstGeom>
+          <a:solidFill>
+            <a:srgbClr val="92D050"/>
+          </a:solidFill>
+          <a:ln>
+            <a:solidFill>
+              <a:srgbClr val="00B050"/>
+            </a:solidFill>
+          </a:ln>
+        </p:spPr>
+        <p:style>
+          <a:lnRef idx="2">
+            <a:schemeClr val="accent1">
+              <a:shade val="50000"/>
+            </a:schemeClr>
+          </a:lnRef>
+          <a:fillRef idx="1">
+            <a:schemeClr val="accent1"/>
+          </a:fillRef>
+          <a:effectRef idx="0">
+            <a:schemeClr val="accent1"/>
+          </a:effectRef>
+          <a:fontRef idx="minor">
+            <a:schemeClr val="lt1"/>
+          </a:fontRef>
+        </p:style>
+        <p:txBody>
+          <a:bodyPr rtlCol="0" anchor="ctr"/>
+          <a:lstStyle/>
+          <a:p>
+            <a:pPr algn="ctr"/>
+            <a:endParaRPr lang="de-DE"/>
+          </a:p>
+        </p:txBody>
+      </p:sp>
+      <p:sp>
+        <p:nvSpPr>
+          <p:cNvPr id="27" name="Rechteck 26">
+            <a:extLst>
+              <a:ext uri="{FF2B5EF4-FFF2-40B4-BE49-F238E27FC236}">
+                <a16:creationId xmlns:a16="http://schemas.microsoft.com/office/drawing/2014/main" id="{F9790577-D835-F244-91CA-3075808A5E5E}"/>
+              </a:ext>
+            </a:extLst>
+          </p:cNvPr>
+          <p:cNvSpPr/>
+          <p:nvPr/>
+        </p:nvSpPr>
+        <p:spPr>
+          <a:xfrm>
+            <a:off x="5033913" y="1202635"/>
+            <a:ext cx="452487" cy="119269"/>
+          </a:xfrm>
+          <a:prstGeom prst="rect">
+            <a:avLst/>
+          </a:prstGeom>
+          <a:solidFill>
+            <a:srgbClr val="FFFF00"/>
+          </a:solidFill>
+          <a:ln>
+            <a:solidFill>
+              <a:schemeClr val="accent4">
+                <a:lumMod val="60000"/>
+                <a:lumOff val="40000"/>
+              </a:schemeClr>
+            </a:solidFill>
+          </a:ln>
+        </p:spPr>
+        <p:style>
+          <a:lnRef idx="2">
+            <a:schemeClr val="accent1">
+              <a:shade val="50000"/>
+            </a:schemeClr>
+          </a:lnRef>
+          <a:fillRef idx="1">
+            <a:schemeClr val="accent1"/>
+          </a:fillRef>
+          <a:effectRef idx="0">
+            <a:schemeClr val="accent1"/>
+          </a:effectRef>
+          <a:fontRef idx="minor">
+            <a:schemeClr val="lt1"/>
+          </a:fontRef>
+        </p:style>
+        <p:txBody>
+          <a:bodyPr rtlCol="0" anchor="ctr"/>
+          <a:lstStyle/>
+          <a:p>
+            <a:pPr algn="ctr"/>
+            <a:endParaRPr lang="de-DE"/>
+          </a:p>
+        </p:txBody>
+      </p:sp>
+      <p:sp>
+        <p:nvSpPr>
+          <p:cNvPr id="28" name="Rechteck 27">
+            <a:extLst>
+              <a:ext uri="{FF2B5EF4-FFF2-40B4-BE49-F238E27FC236}">
+                <a16:creationId xmlns:a16="http://schemas.microsoft.com/office/drawing/2014/main" id="{9447A58B-FDCB-FD41-A8EB-DCBC6D263D2C}"/>
+              </a:ext>
+            </a:extLst>
+          </p:cNvPr>
+          <p:cNvSpPr/>
+          <p:nvPr/>
+        </p:nvSpPr>
+        <p:spPr>
+          <a:xfrm>
+            <a:off x="5033913" y="1818622"/>
+            <a:ext cx="452487" cy="119269"/>
+          </a:xfrm>
+          <a:prstGeom prst="rect">
+            <a:avLst/>
+          </a:prstGeom>
+          <a:solidFill>
+            <a:srgbClr val="FFFF00"/>
+          </a:solidFill>
+          <a:ln>
+            <a:solidFill>
+              <a:schemeClr val="accent4">
+                <a:lumMod val="60000"/>
+                <a:lumOff val="40000"/>
+              </a:schemeClr>
+            </a:solidFill>
+          </a:ln>
+        </p:spPr>
+        <p:style>
+          <a:lnRef idx="2">
+            <a:schemeClr val="accent1">
+              <a:shade val="50000"/>
+            </a:schemeClr>
+          </a:lnRef>
+          <a:fillRef idx="1">
+            <a:schemeClr val="accent1"/>
+          </a:fillRef>
+          <a:effectRef idx="0">
+            <a:schemeClr val="accent1"/>
+          </a:effectRef>
+          <a:fontRef idx="minor">
+            <a:schemeClr val="lt1"/>
+          </a:fontRef>
+        </p:style>
+        <p:txBody>
+          <a:bodyPr rtlCol="0" anchor="ctr"/>
+          <a:lstStyle/>
+          <a:p>
+            <a:pPr algn="ctr"/>
+            <a:endParaRPr lang="de-DE"/>
+          </a:p>
+        </p:txBody>
+      </p:sp>
+      <p:sp>
+        <p:nvSpPr>
+          <p:cNvPr id="29" name="Rechteck 28">
+            <a:extLst>
+              <a:ext uri="{FF2B5EF4-FFF2-40B4-BE49-F238E27FC236}">
+                <a16:creationId xmlns:a16="http://schemas.microsoft.com/office/drawing/2014/main" id="{C0369472-145A-3147-823C-4A49C5710BF5}"/>
+              </a:ext>
+            </a:extLst>
+          </p:cNvPr>
+          <p:cNvSpPr/>
+          <p:nvPr/>
+        </p:nvSpPr>
+        <p:spPr>
+          <a:xfrm>
+            <a:off x="5033913" y="2022913"/>
+            <a:ext cx="452487" cy="119269"/>
+          </a:xfrm>
+          <a:prstGeom prst="rect">
+            <a:avLst/>
+          </a:prstGeom>
+          <a:solidFill>
+            <a:srgbClr val="FFFF00"/>
+          </a:solidFill>
+          <a:ln>
+            <a:solidFill>
+              <a:schemeClr val="accent4">
+                <a:lumMod val="60000"/>
+                <a:lumOff val="40000"/>
+              </a:schemeClr>
+            </a:solidFill>
+          </a:ln>
+        </p:spPr>
+        <p:style>
+          <a:lnRef idx="2">
+            <a:schemeClr val="accent1">
+              <a:shade val="50000"/>
+            </a:schemeClr>
+          </a:lnRef>
+          <a:fillRef idx="1">
+            <a:schemeClr val="accent1"/>
+          </a:fillRef>
+          <a:effectRef idx="0">
+            <a:schemeClr val="accent1"/>
+          </a:effectRef>
+          <a:fontRef idx="minor">
+            <a:schemeClr val="lt1"/>
+          </a:fontRef>
+        </p:style>
+        <p:txBody>
+          <a:bodyPr rtlCol="0" anchor="ctr"/>
+          <a:lstStyle/>
+          <a:p>
+            <a:pPr algn="ctr"/>
+            <a:endParaRPr lang="de-DE"/>
+          </a:p>
+        </p:txBody>
+      </p:sp>
+      <p:sp>
+        <p:nvSpPr>
+          <p:cNvPr id="30" name="Rechteck 29">
+            <a:extLst>
+              <a:ext uri="{FF2B5EF4-FFF2-40B4-BE49-F238E27FC236}">
+                <a16:creationId xmlns:a16="http://schemas.microsoft.com/office/drawing/2014/main" id="{5CB0AAC0-3BCC-9D4E-A475-C387FDB64B2B}"/>
+              </a:ext>
+            </a:extLst>
+          </p:cNvPr>
+          <p:cNvSpPr/>
+          <p:nvPr/>
+        </p:nvSpPr>
+        <p:spPr>
+          <a:xfrm>
+            <a:off x="5033912" y="2427916"/>
+            <a:ext cx="452487" cy="119269"/>
+          </a:xfrm>
+          <a:prstGeom prst="rect">
+            <a:avLst/>
+          </a:prstGeom>
+          <a:solidFill>
+            <a:srgbClr val="FFFF00"/>
+          </a:solidFill>
+          <a:ln>
+            <a:solidFill>
+              <a:schemeClr val="accent4">
+                <a:lumMod val="60000"/>
+                <a:lumOff val="40000"/>
+              </a:schemeClr>
+            </a:solidFill>
+          </a:ln>
+        </p:spPr>
+        <p:style>
+          <a:lnRef idx="2">
+            <a:schemeClr val="accent1">
+              <a:shade val="50000"/>
+            </a:schemeClr>
+          </a:lnRef>
+          <a:fillRef idx="1">
+            <a:schemeClr val="accent1"/>
+          </a:fillRef>
+          <a:effectRef idx="0">
+            <a:schemeClr val="accent1"/>
+          </a:effectRef>
+          <a:fontRef idx="minor">
+            <a:schemeClr val="lt1"/>
+          </a:fontRef>
+        </p:style>
+        <p:txBody>
+          <a:bodyPr rtlCol="0" anchor="ctr"/>
+          <a:lstStyle/>
+          <a:p>
+            <a:pPr algn="ctr"/>
+            <a:endParaRPr lang="de-DE"/>
+          </a:p>
+        </p:txBody>
+      </p:sp>
+      <p:sp>
+        <p:nvSpPr>
+          <p:cNvPr id="31" name="Rechteck 30">
+            <a:extLst>
+              <a:ext uri="{FF2B5EF4-FFF2-40B4-BE49-F238E27FC236}">
+                <a16:creationId xmlns:a16="http://schemas.microsoft.com/office/drawing/2014/main" id="{DB6C21DE-4C1C-CC49-B23B-5D07282A0DF9}"/>
+              </a:ext>
+            </a:extLst>
+          </p:cNvPr>
+          <p:cNvSpPr/>
+          <p:nvPr/>
+        </p:nvSpPr>
+        <p:spPr>
+          <a:xfrm>
+            <a:off x="5033912" y="3246316"/>
+            <a:ext cx="452487" cy="119269"/>
+          </a:xfrm>
+          <a:prstGeom prst="rect">
+            <a:avLst/>
+          </a:prstGeom>
+          <a:solidFill>
+            <a:srgbClr val="FFFF00"/>
+          </a:solidFill>
+          <a:ln>
+            <a:solidFill>
+              <a:schemeClr val="accent4">
+                <a:lumMod val="60000"/>
+                <a:lumOff val="40000"/>
+              </a:schemeClr>
+            </a:solidFill>
+          </a:ln>
+        </p:spPr>
+        <p:style>
+          <a:lnRef idx="2">
+            <a:schemeClr val="accent1">
+              <a:shade val="50000"/>
+            </a:schemeClr>
+          </a:lnRef>
+          <a:fillRef idx="1">
+            <a:schemeClr val="accent1"/>
+          </a:fillRef>
+          <a:effectRef idx="0">
+            <a:schemeClr val="accent1"/>
+          </a:effectRef>
+          <a:fontRef idx="minor">
+            <a:schemeClr val="lt1"/>
+          </a:fontRef>
+        </p:style>
+        <p:txBody>
+          <a:bodyPr rtlCol="0" anchor="ctr"/>
+          <a:lstStyle/>
+          <a:p>
+            <a:pPr algn="ctr"/>
+            <a:endParaRPr lang="de-DE"/>
+          </a:p>
+        </p:txBody>
+      </p:sp>
+      <p:sp>
+        <p:nvSpPr>
+          <p:cNvPr id="32" name="Rechteck 31">
+            <a:extLst>
+              <a:ext uri="{FF2B5EF4-FFF2-40B4-BE49-F238E27FC236}">
+                <a16:creationId xmlns:a16="http://schemas.microsoft.com/office/drawing/2014/main" id="{0391A40B-EC82-5241-828B-B90460A1720A}"/>
+              </a:ext>
+            </a:extLst>
+          </p:cNvPr>
+          <p:cNvSpPr/>
+          <p:nvPr/>
+        </p:nvSpPr>
+        <p:spPr>
+          <a:xfrm>
+            <a:off x="5033912" y="3450607"/>
+            <a:ext cx="452487" cy="119269"/>
+          </a:xfrm>
+          <a:prstGeom prst="rect">
+            <a:avLst/>
+          </a:prstGeom>
+          <a:solidFill>
+            <a:srgbClr val="FFFF00"/>
+          </a:solidFill>
+          <a:ln>
+            <a:solidFill>
+              <a:schemeClr val="accent4">
+                <a:lumMod val="60000"/>
+                <a:lumOff val="40000"/>
+              </a:schemeClr>
+            </a:solidFill>
+          </a:ln>
+        </p:spPr>
+        <p:style>
+          <a:lnRef idx="2">
+            <a:schemeClr val="accent1">
+              <a:shade val="50000"/>
+            </a:schemeClr>
+          </a:lnRef>
+          <a:fillRef idx="1">
+            <a:schemeClr val="accent1"/>
+          </a:fillRef>
+          <a:effectRef idx="0">
+            <a:schemeClr val="accent1"/>
+          </a:effectRef>
+          <a:fontRef idx="minor">
+            <a:schemeClr val="lt1"/>
+          </a:fontRef>
+        </p:style>
+        <p:txBody>
+          <a:bodyPr rtlCol="0" anchor="ctr"/>
+          <a:lstStyle/>
+          <a:p>
+            <a:pPr algn="ctr"/>
+            <a:endParaRPr lang="de-DE"/>
+          </a:p>
+        </p:txBody>
+      </p:sp>
+      <p:sp>
+        <p:nvSpPr>
+          <p:cNvPr id="33" name="Rechteck 32">
+            <a:extLst>
+              <a:ext uri="{FF2B5EF4-FFF2-40B4-BE49-F238E27FC236}">
+                <a16:creationId xmlns:a16="http://schemas.microsoft.com/office/drawing/2014/main" id="{85F9F368-CBFC-3F48-95A8-6A8FBFBBE39B}"/>
+              </a:ext>
+            </a:extLst>
+          </p:cNvPr>
+          <p:cNvSpPr/>
+          <p:nvPr/>
+        </p:nvSpPr>
+        <p:spPr>
+          <a:xfrm>
+            <a:off x="5033911" y="3856427"/>
+            <a:ext cx="452487" cy="119269"/>
+          </a:xfrm>
+          <a:prstGeom prst="rect">
+            <a:avLst/>
+          </a:prstGeom>
+          <a:solidFill>
+            <a:srgbClr val="FFFF00"/>
+          </a:solidFill>
+          <a:ln>
+            <a:solidFill>
+              <a:schemeClr val="accent4">
+                <a:lumMod val="60000"/>
+                <a:lumOff val="40000"/>
+              </a:schemeClr>
+            </a:solidFill>
+          </a:ln>
+        </p:spPr>
+        <p:style>
+          <a:lnRef idx="2">
+            <a:schemeClr val="accent1">
+              <a:shade val="50000"/>
+            </a:schemeClr>
+          </a:lnRef>
+          <a:fillRef idx="1">
+            <a:schemeClr val="accent1"/>
+          </a:fillRef>
+          <a:effectRef idx="0">
+            <a:schemeClr val="accent1"/>
+          </a:effectRef>
+          <a:fontRef idx="minor">
+            <a:schemeClr val="lt1"/>
+          </a:fontRef>
+        </p:style>
+        <p:txBody>
+          <a:bodyPr rtlCol="0" anchor="ctr"/>
+          <a:lstStyle/>
+          <a:p>
+            <a:pPr algn="ctr"/>
+            <a:endParaRPr lang="de-DE"/>
+          </a:p>
+        </p:txBody>
+      </p:sp>
+      <p:sp>
+        <p:nvSpPr>
+          <p:cNvPr id="34" name="Rechteck 33">
+            <a:extLst>
+              <a:ext uri="{FF2B5EF4-FFF2-40B4-BE49-F238E27FC236}">
+                <a16:creationId xmlns:a16="http://schemas.microsoft.com/office/drawing/2014/main" id="{E5B8EDC8-DDEF-1440-977D-D83F987AC27F}"/>
+              </a:ext>
+            </a:extLst>
+          </p:cNvPr>
+          <p:cNvSpPr/>
+          <p:nvPr/>
+        </p:nvSpPr>
+        <p:spPr>
+          <a:xfrm>
+            <a:off x="810652" y="4434280"/>
+            <a:ext cx="1273467" cy="286802"/>
+          </a:xfrm>
+          <a:prstGeom prst="rect">
+            <a:avLst/>
+          </a:prstGeom>
+          <a:solidFill>
+            <a:srgbClr val="FFFF00">
+              <a:alpha val="9804"/>
+            </a:srgbClr>
+          </a:solidFill>
+          <a:ln>
+            <a:solidFill>
+              <a:schemeClr val="accent4">
+                <a:lumMod val="60000"/>
+                <a:lumOff val="40000"/>
+              </a:schemeClr>
+            </a:solidFill>
+          </a:ln>
+        </p:spPr>
+        <p:style>
+          <a:lnRef idx="2">
+            <a:schemeClr val="accent1">
+              <a:shade val="50000"/>
+            </a:schemeClr>
+          </a:lnRef>
+          <a:fillRef idx="1">
+            <a:schemeClr val="accent1"/>
+          </a:fillRef>
+          <a:effectRef idx="0">
+            <a:schemeClr val="accent1"/>
+          </a:effectRef>
+          <a:fontRef idx="minor">
+            <a:schemeClr val="lt1"/>
+          </a:fontRef>
+        </p:style>
+        <p:txBody>
+          <a:bodyPr rtlCol="0" anchor="ctr"/>
+          <a:lstStyle/>
+          <a:p>
+            <a:pPr algn="ctr"/>
+            <a:endParaRPr lang="de-DE"/>
+          </a:p>
+        </p:txBody>
+      </p:sp>
+      <p:sp>
+        <p:nvSpPr>
+          <p:cNvPr id="35" name="Rechteck 34">
+            <a:extLst>
+              <a:ext uri="{FF2B5EF4-FFF2-40B4-BE49-F238E27FC236}">
+                <a16:creationId xmlns:a16="http://schemas.microsoft.com/office/drawing/2014/main" id="{8B2B643E-E8A3-AE41-A2C0-DB8602950659}"/>
+              </a:ext>
+            </a:extLst>
+          </p:cNvPr>
+          <p:cNvSpPr/>
+          <p:nvPr/>
+        </p:nvSpPr>
+        <p:spPr>
+          <a:xfrm>
+            <a:off x="5033911" y="3662641"/>
+            <a:ext cx="452487" cy="119269"/>
+          </a:xfrm>
+          <a:prstGeom prst="rect">
+            <a:avLst/>
+          </a:prstGeom>
+          <a:solidFill>
+            <a:srgbClr val="00B0F0"/>
+          </a:solidFill>
+          <a:ln>
+            <a:solidFill>
+              <a:srgbClr val="0070C0"/>
+            </a:solidFill>
+          </a:ln>
+        </p:spPr>
+        <p:style>
+          <a:lnRef idx="2">
+            <a:schemeClr val="accent1">
+              <a:shade val="50000"/>
+            </a:schemeClr>
+          </a:lnRef>
+          <a:fillRef idx="1">
+            <a:schemeClr val="accent1"/>
+          </a:fillRef>
+          <a:effectRef idx="0">
+            <a:schemeClr val="accent1"/>
+          </a:effectRef>
+          <a:fontRef idx="minor">
+            <a:schemeClr val="lt1"/>
+          </a:fontRef>
+        </p:style>
+        <p:txBody>
+          <a:bodyPr rtlCol="0" anchor="ctr"/>
+          <a:lstStyle/>
+          <a:p>
+            <a:pPr algn="ctr"/>
+            <a:endParaRPr lang="de-DE"/>
+          </a:p>
+        </p:txBody>
+      </p:sp>
+      <p:sp>
+        <p:nvSpPr>
+          <p:cNvPr id="36" name="Rechteck 35">
+            <a:extLst>
+              <a:ext uri="{FF2B5EF4-FFF2-40B4-BE49-F238E27FC236}">
+                <a16:creationId xmlns:a16="http://schemas.microsoft.com/office/drawing/2014/main" id="{CAE2623F-9C85-7B4F-AA73-48AB90319024}"/>
+              </a:ext>
+            </a:extLst>
+          </p:cNvPr>
+          <p:cNvSpPr/>
+          <p:nvPr/>
+        </p:nvSpPr>
+        <p:spPr>
+          <a:xfrm>
+            <a:off x="5033910" y="3042806"/>
+            <a:ext cx="452487" cy="119269"/>
+          </a:xfrm>
+          <a:prstGeom prst="rect">
+            <a:avLst/>
+          </a:prstGeom>
+          <a:solidFill>
+            <a:srgbClr val="00B0F0"/>
+          </a:solidFill>
+          <a:ln>
+            <a:solidFill>
+              <a:srgbClr val="0070C0"/>
+            </a:solidFill>
+          </a:ln>
+        </p:spPr>
+        <p:style>
+          <a:lnRef idx="2">
+            <a:schemeClr val="accent1">
+              <a:shade val="50000"/>
+            </a:schemeClr>
+          </a:lnRef>
+          <a:fillRef idx="1">
+            <a:schemeClr val="accent1"/>
+          </a:fillRef>
+          <a:effectRef idx="0">
+            <a:schemeClr val="accent1"/>
+          </a:effectRef>
+          <a:fontRef idx="minor">
+            <a:schemeClr val="lt1"/>
+          </a:fontRef>
+        </p:style>
+        <p:txBody>
+          <a:bodyPr rtlCol="0" anchor="ctr"/>
+          <a:lstStyle/>
+          <a:p>
+            <a:pPr algn="ctr"/>
+            <a:endParaRPr lang="de-DE"/>
+          </a:p>
+        </p:txBody>
+      </p:sp>
+      <p:sp>
+        <p:nvSpPr>
+          <p:cNvPr id="37" name="Rechteck 36">
+            <a:extLst>
+              <a:ext uri="{FF2B5EF4-FFF2-40B4-BE49-F238E27FC236}">
+                <a16:creationId xmlns:a16="http://schemas.microsoft.com/office/drawing/2014/main" id="{59926DB2-8FA1-C94C-91A6-4A25D31C2DD5}"/>
+              </a:ext>
+            </a:extLst>
+          </p:cNvPr>
+          <p:cNvSpPr/>
+          <p:nvPr/>
+        </p:nvSpPr>
+        <p:spPr>
+          <a:xfrm>
+            <a:off x="5033909" y="2830657"/>
+            <a:ext cx="452487" cy="119269"/>
+          </a:xfrm>
+          <a:prstGeom prst="rect">
+            <a:avLst/>
+          </a:prstGeom>
+          <a:solidFill>
+            <a:srgbClr val="00B0F0"/>
+          </a:solidFill>
+          <a:ln>
+            <a:solidFill>
+              <a:srgbClr val="0070C0"/>
+            </a:solidFill>
+          </a:ln>
+        </p:spPr>
+        <p:style>
+          <a:lnRef idx="2">
+            <a:schemeClr val="accent1">
+              <a:shade val="50000"/>
+            </a:schemeClr>
+          </a:lnRef>
+          <a:fillRef idx="1">
+            <a:schemeClr val="accent1"/>
+          </a:fillRef>
+          <a:effectRef idx="0">
+            <a:schemeClr val="accent1"/>
+          </a:effectRef>
+          <a:fontRef idx="minor">
+            <a:schemeClr val="lt1"/>
+          </a:fontRef>
+        </p:style>
+        <p:txBody>
+          <a:bodyPr rtlCol="0" anchor="ctr"/>
+          <a:lstStyle/>
+          <a:p>
+            <a:pPr algn="ctr"/>
+            <a:endParaRPr lang="de-DE"/>
+          </a:p>
+        </p:txBody>
+      </p:sp>
+      <p:sp>
+        <p:nvSpPr>
+          <p:cNvPr id="38" name="Rechteck 37">
+            <a:extLst>
+              <a:ext uri="{FF2B5EF4-FFF2-40B4-BE49-F238E27FC236}">
+                <a16:creationId xmlns:a16="http://schemas.microsoft.com/office/drawing/2014/main" id="{30F7531F-2308-4F4D-B03D-DB15F523E8D5}"/>
+              </a:ext>
+            </a:extLst>
+          </p:cNvPr>
+          <p:cNvSpPr/>
+          <p:nvPr/>
+        </p:nvSpPr>
+        <p:spPr>
+          <a:xfrm>
+            <a:off x="5033909" y="2626366"/>
+            <a:ext cx="452487" cy="119269"/>
+          </a:xfrm>
+          <a:prstGeom prst="rect">
+            <a:avLst/>
+          </a:prstGeom>
+          <a:solidFill>
+            <a:srgbClr val="00B0F0"/>
+          </a:solidFill>
+          <a:ln>
+            <a:solidFill>
+              <a:srgbClr val="0070C0"/>
+            </a:solidFill>
+          </a:ln>
+        </p:spPr>
+        <p:style>
+          <a:lnRef idx="2">
+            <a:schemeClr val="accent1">
+              <a:shade val="50000"/>
+            </a:schemeClr>
+          </a:lnRef>
+          <a:fillRef idx="1">
+            <a:schemeClr val="accent1"/>
+          </a:fillRef>
+          <a:effectRef idx="0">
+            <a:schemeClr val="accent1"/>
+          </a:effectRef>
+          <a:fontRef idx="minor">
+            <a:schemeClr val="lt1"/>
+          </a:fontRef>
+        </p:style>
+        <p:txBody>
+          <a:bodyPr rtlCol="0" anchor="ctr"/>
+          <a:lstStyle/>
+          <a:p>
+            <a:pPr algn="ctr"/>
+            <a:endParaRPr lang="de-DE"/>
+          </a:p>
+        </p:txBody>
+      </p:sp>
+      <p:sp>
+        <p:nvSpPr>
+          <p:cNvPr id="39" name="Rechteck 38">
+            <a:extLst>
+              <a:ext uri="{FF2B5EF4-FFF2-40B4-BE49-F238E27FC236}">
+                <a16:creationId xmlns:a16="http://schemas.microsoft.com/office/drawing/2014/main" id="{3BA09C51-733A-F448-9731-4A171001F22D}"/>
+              </a:ext>
+            </a:extLst>
+          </p:cNvPr>
+          <p:cNvSpPr/>
+          <p:nvPr/>
+        </p:nvSpPr>
+        <p:spPr>
+          <a:xfrm>
+            <a:off x="5033909" y="2222329"/>
+            <a:ext cx="452487" cy="119269"/>
+          </a:xfrm>
+          <a:prstGeom prst="rect">
+            <a:avLst/>
+          </a:prstGeom>
+          <a:solidFill>
+            <a:srgbClr val="00B0F0"/>
+          </a:solidFill>
+          <a:ln>
+            <a:solidFill>
+              <a:srgbClr val="0070C0"/>
+            </a:solidFill>
+          </a:ln>
+        </p:spPr>
+        <p:style>
+          <a:lnRef idx="2">
+            <a:schemeClr val="accent1">
+              <a:shade val="50000"/>
+            </a:schemeClr>
+          </a:lnRef>
+          <a:fillRef idx="1">
+            <a:schemeClr val="accent1"/>
+          </a:fillRef>
+          <a:effectRef idx="0">
+            <a:schemeClr val="accent1"/>
+          </a:effectRef>
+          <a:fontRef idx="minor">
+            <a:schemeClr val="lt1"/>
+          </a:fontRef>
+        </p:style>
+        <p:txBody>
+          <a:bodyPr rtlCol="0" anchor="ctr"/>
+          <a:lstStyle/>
+          <a:p>
+            <a:pPr algn="ctr"/>
+            <a:endParaRPr lang="de-DE"/>
+          </a:p>
+        </p:txBody>
+      </p:sp>
+      <p:sp>
+        <p:nvSpPr>
+          <p:cNvPr id="40" name="Rechteck 39">
+            <a:extLst>
+              <a:ext uri="{FF2B5EF4-FFF2-40B4-BE49-F238E27FC236}">
+                <a16:creationId xmlns:a16="http://schemas.microsoft.com/office/drawing/2014/main" id="{DE49414F-939D-4D47-B39F-A132DA0C7328}"/>
+              </a:ext>
+            </a:extLst>
+          </p:cNvPr>
+          <p:cNvSpPr/>
+          <p:nvPr/>
+        </p:nvSpPr>
+        <p:spPr>
+          <a:xfrm>
+            <a:off x="5033908" y="1596980"/>
+            <a:ext cx="452487" cy="119269"/>
+          </a:xfrm>
+          <a:prstGeom prst="rect">
+            <a:avLst/>
+          </a:prstGeom>
+          <a:solidFill>
+            <a:srgbClr val="00B0F0"/>
+          </a:solidFill>
+          <a:ln>
+            <a:solidFill>
+              <a:srgbClr val="0070C0"/>
+            </a:solidFill>
+          </a:ln>
+        </p:spPr>
+        <p:style>
+          <a:lnRef idx="2">
+            <a:schemeClr val="accent1">
+              <a:shade val="50000"/>
+            </a:schemeClr>
+          </a:lnRef>
+          <a:fillRef idx="1">
+            <a:schemeClr val="accent1"/>
+          </a:fillRef>
+          <a:effectRef idx="0">
+            <a:schemeClr val="accent1"/>
+          </a:effectRef>
+          <a:fontRef idx="minor">
+            <a:schemeClr val="lt1"/>
+          </a:fontRef>
+        </p:style>
+        <p:txBody>
+          <a:bodyPr rtlCol="0" anchor="ctr"/>
+          <a:lstStyle/>
+          <a:p>
+            <a:pPr algn="ctr"/>
+            <a:endParaRPr lang="de-DE"/>
+          </a:p>
+        </p:txBody>
+      </p:sp>
+      <p:sp>
+        <p:nvSpPr>
+          <p:cNvPr id="41" name="Rechteck 40">
+            <a:extLst>
+              <a:ext uri="{FF2B5EF4-FFF2-40B4-BE49-F238E27FC236}">
+                <a16:creationId xmlns:a16="http://schemas.microsoft.com/office/drawing/2014/main" id="{67EABDAB-DBAC-564B-A36B-611B7F7A0773}"/>
+              </a:ext>
+            </a:extLst>
+          </p:cNvPr>
+          <p:cNvSpPr/>
+          <p:nvPr/>
+        </p:nvSpPr>
+        <p:spPr>
+          <a:xfrm>
+            <a:off x="5033908" y="1394479"/>
+            <a:ext cx="452487" cy="119269"/>
+          </a:xfrm>
+          <a:prstGeom prst="rect">
+            <a:avLst/>
+          </a:prstGeom>
+          <a:solidFill>
+            <a:srgbClr val="00B0F0"/>
+          </a:solidFill>
+          <a:ln>
+            <a:solidFill>
+              <a:srgbClr val="0070C0"/>
+            </a:solidFill>
+          </a:ln>
+        </p:spPr>
+        <p:style>
+          <a:lnRef idx="2">
+            <a:schemeClr val="accent1">
+              <a:shade val="50000"/>
+            </a:schemeClr>
+          </a:lnRef>
+          <a:fillRef idx="1">
+            <a:schemeClr val="accent1"/>
+          </a:fillRef>
+          <a:effectRef idx="0">
+            <a:schemeClr val="accent1"/>
+          </a:effectRef>
+          <a:fontRef idx="minor">
+            <a:schemeClr val="lt1"/>
+          </a:fontRef>
+        </p:style>
+        <p:txBody>
+          <a:bodyPr rtlCol="0" anchor="ctr"/>
+          <a:lstStyle/>
+          <a:p>
+            <a:pPr algn="ctr"/>
+            <a:endParaRPr lang="de-DE"/>
+          </a:p>
+        </p:txBody>
+      </p:sp>
+      <p:sp>
+        <p:nvSpPr>
+          <p:cNvPr id="42" name="Rechteck 41">
+            <a:extLst>
+              <a:ext uri="{FF2B5EF4-FFF2-40B4-BE49-F238E27FC236}">
+                <a16:creationId xmlns:a16="http://schemas.microsoft.com/office/drawing/2014/main" id="{599B0934-B297-684A-B501-2AE4F8F5123D}"/>
+              </a:ext>
+            </a:extLst>
+          </p:cNvPr>
+          <p:cNvSpPr/>
+          <p:nvPr/>
+        </p:nvSpPr>
+        <p:spPr>
+          <a:xfrm>
+            <a:off x="810652" y="5087380"/>
+            <a:ext cx="1273467" cy="286802"/>
+          </a:xfrm>
+          <a:prstGeom prst="rect">
+            <a:avLst/>
+          </a:prstGeom>
+          <a:solidFill>
+            <a:srgbClr val="00B0F0">
+              <a:alpha val="9804"/>
+            </a:srgbClr>
+          </a:solidFill>
+          <a:ln>
+            <a:solidFill>
+              <a:srgbClr val="0070C0"/>
+            </a:solidFill>
+          </a:ln>
+        </p:spPr>
+        <p:style>
+          <a:lnRef idx="2">
+            <a:schemeClr val="accent1">
+              <a:shade val="50000"/>
+            </a:schemeClr>
+          </a:lnRef>
+          <a:fillRef idx="1">
+            <a:schemeClr val="accent1"/>
+          </a:fillRef>
+          <a:effectRef idx="0">
+            <a:schemeClr val="accent1"/>
+          </a:effectRef>
+          <a:fontRef idx="minor">
+            <a:schemeClr val="lt1"/>
+          </a:fontRef>
+        </p:style>
+        <p:txBody>
+          <a:bodyPr rtlCol="0" anchor="ctr"/>
+          <a:lstStyle/>
+          <a:p>
+            <a:pPr algn="ctr"/>
+            <a:endParaRPr lang="de-DE"/>
+          </a:p>
+        </p:txBody>
+      </p:sp>
+      <p:sp>
+        <p:nvSpPr>
+          <p:cNvPr id="43" name="Rechteck 42">
+            <a:extLst>
+              <a:ext uri="{FF2B5EF4-FFF2-40B4-BE49-F238E27FC236}">
+                <a16:creationId xmlns:a16="http://schemas.microsoft.com/office/drawing/2014/main" id="{9735BEAC-9524-654E-84FF-554DC7D76E41}"/>
+              </a:ext>
+            </a:extLst>
+          </p:cNvPr>
+          <p:cNvSpPr/>
+          <p:nvPr/>
+        </p:nvSpPr>
+        <p:spPr>
+          <a:xfrm>
+            <a:off x="3496235" y="5737413"/>
+            <a:ext cx="627530" cy="286870"/>
+          </a:xfrm>
+          <a:prstGeom prst="rect">
+            <a:avLst/>
+          </a:prstGeom>
+          <a:solidFill>
+            <a:srgbClr val="FFFF00">
+              <a:alpha val="9804"/>
+            </a:srgbClr>
+          </a:solidFill>
+          <a:ln>
+            <a:solidFill>
+              <a:schemeClr val="accent4">
+                <a:lumMod val="60000"/>
+                <a:lumOff val="40000"/>
+              </a:schemeClr>
+            </a:solidFill>
+          </a:ln>
+        </p:spPr>
+        <p:style>
+          <a:lnRef idx="2">
+            <a:schemeClr val="accent1">
+              <a:shade val="50000"/>
+            </a:schemeClr>
+          </a:lnRef>
+          <a:fillRef idx="1">
+            <a:schemeClr val="accent1"/>
+          </a:fillRef>
+          <a:effectRef idx="0">
+            <a:schemeClr val="accent1"/>
+          </a:effectRef>
+          <a:fontRef idx="minor">
+            <a:schemeClr val="lt1"/>
+          </a:fontRef>
+        </p:style>
+        <p:txBody>
+          <a:bodyPr rtlCol="0" anchor="ctr"/>
+          <a:lstStyle/>
+          <a:p>
+            <a:pPr algn="ctr"/>
+            <a:endParaRPr lang="de-DE"/>
+          </a:p>
+        </p:txBody>
+      </p:sp>
+      <p:sp>
+        <p:nvSpPr>
+          <p:cNvPr id="44" name="Rechteck 43">
+            <a:extLst>
+              <a:ext uri="{FF2B5EF4-FFF2-40B4-BE49-F238E27FC236}">
+                <a16:creationId xmlns:a16="http://schemas.microsoft.com/office/drawing/2014/main" id="{FE4E1F9D-763D-EE4D-AD79-DE831D31A388}"/>
+              </a:ext>
+            </a:extLst>
+          </p:cNvPr>
+          <p:cNvSpPr/>
+          <p:nvPr/>
+        </p:nvSpPr>
+        <p:spPr>
+          <a:xfrm>
+            <a:off x="4572001" y="5737481"/>
+            <a:ext cx="627530" cy="286802"/>
+          </a:xfrm>
+          <a:prstGeom prst="rect">
+            <a:avLst/>
+          </a:prstGeom>
+          <a:solidFill>
+            <a:srgbClr val="00B0F0">
+              <a:alpha val="9804"/>
+            </a:srgbClr>
+          </a:solidFill>
+          <a:ln>
+            <a:solidFill>
+              <a:srgbClr val="0070C0"/>
+            </a:solidFill>
+          </a:ln>
+        </p:spPr>
+        <p:style>
+          <a:lnRef idx="2">
+            <a:schemeClr val="accent1">
+              <a:shade val="50000"/>
+            </a:schemeClr>
+          </a:lnRef>
+          <a:fillRef idx="1">
+            <a:schemeClr val="accent1"/>
+          </a:fillRef>
+          <a:effectRef idx="0">
+            <a:schemeClr val="accent1"/>
+          </a:effectRef>
+          <a:fontRef idx="minor">
+            <a:schemeClr val="lt1"/>
+          </a:fontRef>
+        </p:style>
+        <p:txBody>
+          <a:bodyPr rtlCol="0" anchor="ctr"/>
+          <a:lstStyle/>
+          <a:p>
+            <a:pPr algn="ctr"/>
+            <a:endParaRPr lang="de-DE"/>
+          </a:p>
+        </p:txBody>
+      </p:sp>
+    </p:spTree>
+    <p:extLst>
+      <p:ext uri="{BB962C8B-B14F-4D97-AF65-F5344CB8AC3E}">
+        <p14:creationId xmlns:p14="http://schemas.microsoft.com/office/powerpoint/2010/main" val="4011409252"/>
+      </p:ext>
+    </p:extLst>
+  </p:cSld>
+  <p:clrMapOvr>
+    <a:masterClrMapping/>
+  </p:clrMapOvr>
+  <p:timing>
+    <p:tnLst>
+      <p:par>
+        <p:cTn id="1" dur="indefinite" restart="never" nodeType="tmRoot">
+          <p:childTnLst>
+            <p:seq concurrent="1" nextAc="seek">
+              <p:cTn id="2" dur="indefinite" nodeType="mainSeq">
+                <p:childTnLst>
+                  <p:par>
+                    <p:cTn id="3" fill="hold">
+                      <p:stCondLst>
+                        <p:cond delay="indefinite"/>
+                      </p:stCondLst>
+                      <p:childTnLst>
+                        <p:par>
+                          <p:cTn id="4" fill="hold">
+                            <p:stCondLst>
+                              <p:cond delay="0"/>
+                            </p:stCondLst>
+                            <p:childTnLst>
+                              <p:par>
+                                <p:cTn id="5" presetID="1" presetClass="entr" presetSubtype="0" fill="hold" nodeType="clickEffect">
+                                  <p:stCondLst>
+                                    <p:cond delay="0"/>
+                                  </p:stCondLst>
+                                  <p:childTnLst>
+                                    <p:set>
+                                      <p:cBhvr>
+                                        <p:cTn id="6" dur="1" fill="hold">
+                                          <p:stCondLst>
+                                            <p:cond delay="0"/>
+                                          </p:stCondLst>
+                                        </p:cTn>
+                                        <p:tgtEl>
+                                          <p:spTgt spid="4"/>
+                                        </p:tgtEl>
+                                        <p:attrNameLst>
+                                          <p:attrName>style.visibility</p:attrName>
+                                        </p:attrNameLst>
+                                      </p:cBhvr>
+                                      <p:to>
+                                        <p:strVal val="visible"/>
+                                      </p:to>
+                                    </p:set>
+                                  </p:childTnLst>
+                                </p:cTn>
+                              </p:par>
+                            </p:childTnLst>
+                          </p:cTn>
+                        </p:par>
+                      </p:childTnLst>
+                    </p:cTn>
+                  </p:par>
+                  <p:par>
+                    <p:cTn id="7" fill="hold">
+                      <p:stCondLst>
+                        <p:cond delay="indefinite"/>
+                      </p:stCondLst>
+                      <p:childTnLst>
+                        <p:par>
+                          <p:cTn id="8" fill="hold">
+                            <p:stCondLst>
+                              <p:cond delay="0"/>
+                            </p:stCondLst>
+                            <p:childTnLst>
+                              <p:par>
+                                <p:cTn id="9" presetID="1" presetClass="entr" presetSubtype="0" fill="hold" grpId="0" nodeType="clickEffect">
+                                  <p:stCondLst>
+                                    <p:cond delay="0"/>
+                                  </p:stCondLst>
+                                  <p:childTnLst>
+                                    <p:set>
+                                      <p:cBhvr>
+                                        <p:cTn id="10" dur="1" fill="hold">
+                                          <p:stCondLst>
+                                            <p:cond delay="0"/>
+                                          </p:stCondLst>
+                                        </p:cTn>
+                                        <p:tgtEl>
+                                          <p:spTgt spid="26"/>
+                                        </p:tgtEl>
+                                        <p:attrNameLst>
+                                          <p:attrName>style.visibility</p:attrName>
+                                        </p:attrNameLst>
+                                      </p:cBhvr>
+                                      <p:to>
+                                        <p:strVal val="visible"/>
+                                      </p:to>
+                                    </p:set>
+                                  </p:childTnLst>
+                                </p:cTn>
+                              </p:par>
+                              <p:par>
+                                <p:cTn id="11" presetID="1" presetClass="entr" presetSubtype="0" fill="hold" grpId="0" nodeType="withEffect">
+                                  <p:stCondLst>
+                                    <p:cond delay="0"/>
+                                  </p:stCondLst>
+                                  <p:childTnLst>
+                                    <p:set>
+                                      <p:cBhvr>
+                                        <p:cTn id="12" dur="1" fill="hold">
+                                          <p:stCondLst>
+                                            <p:cond delay="0"/>
+                                          </p:stCondLst>
+                                        </p:cTn>
+                                        <p:tgtEl>
+                                          <p:spTgt spid="25"/>
+                                        </p:tgtEl>
+                                        <p:attrNameLst>
+                                          <p:attrName>style.visibility</p:attrName>
+                                        </p:attrNameLst>
+                                      </p:cBhvr>
+                                      <p:to>
+                                        <p:strVal val="visible"/>
+                                      </p:to>
+                                    </p:set>
+                                  </p:childTnLst>
+                                </p:cTn>
+                              </p:par>
+                              <p:par>
+                                <p:cTn id="13" presetID="1" presetClass="entr" presetSubtype="0" fill="hold" grpId="0" nodeType="withEffect">
+                                  <p:stCondLst>
+                                    <p:cond delay="0"/>
+                                  </p:stCondLst>
+                                  <p:childTnLst>
+                                    <p:set>
+                                      <p:cBhvr>
+                                        <p:cTn id="14" dur="1" fill="hold">
+                                          <p:stCondLst>
+                                            <p:cond delay="0"/>
+                                          </p:stCondLst>
+                                        </p:cTn>
+                                        <p:tgtEl>
+                                          <p:spTgt spid="16"/>
+                                        </p:tgtEl>
+                                        <p:attrNameLst>
+                                          <p:attrName>style.visibility</p:attrName>
+                                        </p:attrNameLst>
+                                      </p:cBhvr>
+                                      <p:to>
+                                        <p:strVal val="visible"/>
+                                      </p:to>
+                                    </p:set>
+                                  </p:childTnLst>
+                                </p:cTn>
+                              </p:par>
+                              <p:par>
+                                <p:cTn id="15" presetID="1" presetClass="entr" presetSubtype="0" fill="hold" grpId="0" nodeType="withEffect">
+                                  <p:stCondLst>
+                                    <p:cond delay="0"/>
+                                  </p:stCondLst>
+                                  <p:childTnLst>
+                                    <p:set>
+                                      <p:cBhvr>
+                                        <p:cTn id="16" dur="1" fill="hold">
+                                          <p:stCondLst>
+                                            <p:cond delay="0"/>
+                                          </p:stCondLst>
+                                        </p:cTn>
+                                        <p:tgtEl>
+                                          <p:spTgt spid="12"/>
+                                        </p:tgtEl>
+                                        <p:attrNameLst>
+                                          <p:attrName>style.visibility</p:attrName>
+                                        </p:attrNameLst>
+                                      </p:cBhvr>
+                                      <p:to>
+                                        <p:strVal val="visible"/>
+                                      </p:to>
+                                    </p:set>
+                                  </p:childTnLst>
+                                </p:cTn>
+                              </p:par>
+                              <p:par>
+                                <p:cTn id="17" presetID="1" presetClass="entr" presetSubtype="0" fill="hold" grpId="0" nodeType="withEffect">
+                                  <p:stCondLst>
+                                    <p:cond delay="0"/>
+                                  </p:stCondLst>
+                                  <p:childTnLst>
+                                    <p:set>
+                                      <p:cBhvr>
+                                        <p:cTn id="18" dur="1" fill="hold">
+                                          <p:stCondLst>
+                                            <p:cond delay="0"/>
+                                          </p:stCondLst>
+                                        </p:cTn>
+                                        <p:tgtEl>
+                                          <p:spTgt spid="17"/>
+                                        </p:tgtEl>
+                                        <p:attrNameLst>
+                                          <p:attrName>style.visibility</p:attrName>
+                                        </p:attrNameLst>
+                                      </p:cBhvr>
+                                      <p:to>
+                                        <p:strVal val="visible"/>
+                                      </p:to>
+                                    </p:set>
+                                  </p:childTnLst>
+                                </p:cTn>
+                              </p:par>
+                              <p:par>
+                                <p:cTn id="19" presetID="1" presetClass="entr" presetSubtype="0" fill="hold" grpId="0" nodeType="withEffect">
+                                  <p:stCondLst>
+                                    <p:cond delay="0"/>
+                                  </p:stCondLst>
+                                  <p:childTnLst>
+                                    <p:set>
+                                      <p:cBhvr>
+                                        <p:cTn id="20" dur="1" fill="hold">
+                                          <p:stCondLst>
+                                            <p:cond delay="0"/>
+                                          </p:stCondLst>
+                                        </p:cTn>
+                                        <p:tgtEl>
+                                          <p:spTgt spid="11"/>
+                                        </p:tgtEl>
+                                        <p:attrNameLst>
+                                          <p:attrName>style.visibility</p:attrName>
+                                        </p:attrNameLst>
+                                      </p:cBhvr>
+                                      <p:to>
+                                        <p:strVal val="visible"/>
+                                      </p:to>
+                                    </p:set>
+                                  </p:childTnLst>
+                                </p:cTn>
+                              </p:par>
+                              <p:par>
+                                <p:cTn id="21" presetID="1" presetClass="entr" presetSubtype="0" fill="hold" grpId="0" nodeType="withEffect">
+                                  <p:stCondLst>
+                                    <p:cond delay="0"/>
+                                  </p:stCondLst>
+                                  <p:childTnLst>
+                                    <p:set>
+                                      <p:cBhvr>
+                                        <p:cTn id="22" dur="1" fill="hold">
+                                          <p:stCondLst>
+                                            <p:cond delay="0"/>
+                                          </p:stCondLst>
+                                        </p:cTn>
+                                        <p:tgtEl>
+                                          <p:spTgt spid="18"/>
+                                        </p:tgtEl>
+                                        <p:attrNameLst>
+                                          <p:attrName>style.visibility</p:attrName>
+                                        </p:attrNameLst>
+                                      </p:cBhvr>
+                                      <p:to>
+                                        <p:strVal val="visible"/>
+                                      </p:to>
+                                    </p:set>
+                                  </p:childTnLst>
+                                </p:cTn>
+                              </p:par>
+                              <p:par>
+                                <p:cTn id="23" presetID="1" presetClass="entr" presetSubtype="0" fill="hold" grpId="0" nodeType="withEffect">
+                                  <p:stCondLst>
+                                    <p:cond delay="0"/>
+                                  </p:stCondLst>
+                                  <p:childTnLst>
+                                    <p:set>
+                                      <p:cBhvr>
+                                        <p:cTn id="24" dur="1" fill="hold">
+                                          <p:stCondLst>
+                                            <p:cond delay="0"/>
+                                          </p:stCondLst>
+                                        </p:cTn>
+                                        <p:tgtEl>
+                                          <p:spTgt spid="19"/>
+                                        </p:tgtEl>
+                                        <p:attrNameLst>
+                                          <p:attrName>style.visibility</p:attrName>
+                                        </p:attrNameLst>
+                                      </p:cBhvr>
+                                      <p:to>
+                                        <p:strVal val="visible"/>
+                                      </p:to>
+                                    </p:set>
+                                  </p:childTnLst>
+                                </p:cTn>
+                              </p:par>
+                              <p:par>
+                                <p:cTn id="25" presetID="1" presetClass="entr" presetSubtype="0" fill="hold" grpId="0" nodeType="withEffect">
+                                  <p:stCondLst>
+                                    <p:cond delay="0"/>
+                                  </p:stCondLst>
+                                  <p:childTnLst>
+                                    <p:set>
+                                      <p:cBhvr>
+                                        <p:cTn id="26" dur="1" fill="hold">
+                                          <p:stCondLst>
+                                            <p:cond delay="0"/>
+                                          </p:stCondLst>
+                                        </p:cTn>
+                                        <p:tgtEl>
+                                          <p:spTgt spid="13"/>
+                                        </p:tgtEl>
+                                        <p:attrNameLst>
+                                          <p:attrName>style.visibility</p:attrName>
+                                        </p:attrNameLst>
+                                      </p:cBhvr>
+                                      <p:to>
+                                        <p:strVal val="visible"/>
+                                      </p:to>
+                                    </p:set>
+                                  </p:childTnLst>
+                                </p:cTn>
+                              </p:par>
+                              <p:par>
+                                <p:cTn id="27" presetID="1" presetClass="entr" presetSubtype="0" fill="hold" grpId="0" nodeType="withEffect">
+                                  <p:stCondLst>
+                                    <p:cond delay="0"/>
+                                  </p:stCondLst>
+                                  <p:childTnLst>
+                                    <p:set>
+                                      <p:cBhvr>
+                                        <p:cTn id="28" dur="1" fill="hold">
+                                          <p:stCondLst>
+                                            <p:cond delay="0"/>
+                                          </p:stCondLst>
+                                        </p:cTn>
+                                        <p:tgtEl>
+                                          <p:spTgt spid="20"/>
+                                        </p:tgtEl>
+                                        <p:attrNameLst>
+                                          <p:attrName>style.visibility</p:attrName>
+                                        </p:attrNameLst>
+                                      </p:cBhvr>
+                                      <p:to>
+                                        <p:strVal val="visible"/>
+                                      </p:to>
+                                    </p:set>
+                                  </p:childTnLst>
+                                </p:cTn>
+                              </p:par>
+                              <p:par>
+                                <p:cTn id="29" presetID="1" presetClass="entr" presetSubtype="0" fill="hold" grpId="0" nodeType="withEffect">
+                                  <p:stCondLst>
+                                    <p:cond delay="0"/>
+                                  </p:stCondLst>
+                                  <p:childTnLst>
+                                    <p:set>
+                                      <p:cBhvr>
+                                        <p:cTn id="30" dur="1" fill="hold">
+                                          <p:stCondLst>
+                                            <p:cond delay="0"/>
+                                          </p:stCondLst>
+                                        </p:cTn>
+                                        <p:tgtEl>
+                                          <p:spTgt spid="21"/>
+                                        </p:tgtEl>
+                                        <p:attrNameLst>
+                                          <p:attrName>style.visibility</p:attrName>
+                                        </p:attrNameLst>
+                                      </p:cBhvr>
+                                      <p:to>
+                                        <p:strVal val="visible"/>
+                                      </p:to>
+                                    </p:set>
+                                  </p:childTnLst>
+                                </p:cTn>
+                              </p:par>
+                              <p:par>
+                                <p:cTn id="31" presetID="1" presetClass="entr" presetSubtype="0" fill="hold" grpId="0" nodeType="withEffect">
+                                  <p:stCondLst>
+                                    <p:cond delay="0"/>
+                                  </p:stCondLst>
+                                  <p:childTnLst>
+                                    <p:set>
+                                      <p:cBhvr>
+                                        <p:cTn id="32" dur="1" fill="hold">
+                                          <p:stCondLst>
+                                            <p:cond delay="0"/>
+                                          </p:stCondLst>
+                                        </p:cTn>
+                                        <p:tgtEl>
+                                          <p:spTgt spid="14"/>
+                                        </p:tgtEl>
+                                        <p:attrNameLst>
+                                          <p:attrName>style.visibility</p:attrName>
+                                        </p:attrNameLst>
+                                      </p:cBhvr>
+                                      <p:to>
+                                        <p:strVal val="visible"/>
+                                      </p:to>
+                                    </p:set>
+                                  </p:childTnLst>
+                                </p:cTn>
+                              </p:par>
+                              <p:par>
+                                <p:cTn id="33" presetID="1" presetClass="entr" presetSubtype="0" fill="hold" grpId="0" nodeType="withEffect">
+                                  <p:stCondLst>
+                                    <p:cond delay="0"/>
+                                  </p:stCondLst>
+                                  <p:childTnLst>
+                                    <p:set>
+                                      <p:cBhvr>
+                                        <p:cTn id="34" dur="1" fill="hold">
+                                          <p:stCondLst>
+                                            <p:cond delay="0"/>
+                                          </p:stCondLst>
+                                        </p:cTn>
+                                        <p:tgtEl>
+                                          <p:spTgt spid="22"/>
+                                        </p:tgtEl>
+                                        <p:attrNameLst>
+                                          <p:attrName>style.visibility</p:attrName>
+                                        </p:attrNameLst>
+                                      </p:cBhvr>
+                                      <p:to>
+                                        <p:strVal val="visible"/>
+                                      </p:to>
+                                    </p:set>
+                                  </p:childTnLst>
+                                </p:cTn>
+                              </p:par>
+                              <p:par>
+                                <p:cTn id="35" presetID="1" presetClass="entr" presetSubtype="0" fill="hold" grpId="0" nodeType="withEffect">
+                                  <p:stCondLst>
+                                    <p:cond delay="0"/>
+                                  </p:stCondLst>
+                                  <p:childTnLst>
+                                    <p:set>
+                                      <p:cBhvr>
+                                        <p:cTn id="36" dur="1" fill="hold">
+                                          <p:stCondLst>
+                                            <p:cond delay="0"/>
+                                          </p:stCondLst>
+                                        </p:cTn>
+                                        <p:tgtEl>
+                                          <p:spTgt spid="23"/>
+                                        </p:tgtEl>
+                                        <p:attrNameLst>
+                                          <p:attrName>style.visibility</p:attrName>
+                                        </p:attrNameLst>
+                                      </p:cBhvr>
+                                      <p:to>
+                                        <p:strVal val="visible"/>
+                                      </p:to>
+                                    </p:set>
+                                  </p:childTnLst>
+                                </p:cTn>
+                              </p:par>
+                              <p:par>
+                                <p:cTn id="37" presetID="1" presetClass="entr" presetSubtype="0" fill="hold" grpId="0" nodeType="withEffect">
+                                  <p:stCondLst>
+                                    <p:cond delay="0"/>
+                                  </p:stCondLst>
+                                  <p:childTnLst>
+                                    <p:set>
+                                      <p:cBhvr>
+                                        <p:cTn id="38" dur="1" fill="hold">
+                                          <p:stCondLst>
+                                            <p:cond delay="0"/>
+                                          </p:stCondLst>
+                                        </p:cTn>
+                                        <p:tgtEl>
+                                          <p:spTgt spid="15"/>
+                                        </p:tgtEl>
+                                        <p:attrNameLst>
+                                          <p:attrName>style.visibility</p:attrName>
+                                        </p:attrNameLst>
+                                      </p:cBhvr>
+                                      <p:to>
+                                        <p:strVal val="visible"/>
+                                      </p:to>
+                                    </p:set>
+                                  </p:childTnLst>
+                                </p:cTn>
+                              </p:par>
+                              <p:par>
+                                <p:cTn id="39" presetID="1" presetClass="entr" presetSubtype="0" fill="hold" grpId="0" nodeType="withEffect">
+                                  <p:stCondLst>
+                                    <p:cond delay="0"/>
+                                  </p:stCondLst>
+                                  <p:childTnLst>
+                                    <p:set>
+                                      <p:cBhvr>
+                                        <p:cTn id="40" dur="1" fill="hold">
+                                          <p:stCondLst>
+                                            <p:cond delay="0"/>
+                                          </p:stCondLst>
+                                        </p:cTn>
+                                        <p:tgtEl>
+                                          <p:spTgt spid="24"/>
+                                        </p:tgtEl>
+                                        <p:attrNameLst>
+                                          <p:attrName>style.visibility</p:attrName>
+                                        </p:attrNameLst>
+                                      </p:cBhvr>
+                                      <p:to>
+                                        <p:strVal val="visible"/>
+                                      </p:to>
+                                    </p:set>
+                                  </p:childTnLst>
+                                </p:cTn>
+                              </p:par>
+                            </p:childTnLst>
+                          </p:cTn>
+                        </p:par>
+                      </p:childTnLst>
+                    </p:cTn>
+                  </p:par>
+                  <p:par>
+                    <p:cTn id="41" fill="hold">
+                      <p:stCondLst>
+                        <p:cond delay="indefinite"/>
+                      </p:stCondLst>
+                      <p:childTnLst>
+                        <p:par>
+                          <p:cTn id="42" fill="hold">
+                            <p:stCondLst>
+                              <p:cond delay="0"/>
+                            </p:stCondLst>
+                            <p:childTnLst>
+                              <p:par>
+                                <p:cTn id="43" presetID="1" presetClass="entr" presetSubtype="0" fill="hold" nodeType="clickEffect">
+                                  <p:stCondLst>
+                                    <p:cond delay="0"/>
+                                  </p:stCondLst>
+                                  <p:childTnLst>
+                                    <p:set>
+                                      <p:cBhvr>
+                                        <p:cTn id="44" dur="1" fill="hold">
+                                          <p:stCondLst>
+                                            <p:cond delay="0"/>
+                                          </p:stCondLst>
+                                        </p:cTn>
+                                        <p:tgtEl>
+                                          <p:spTgt spid="6"/>
+                                        </p:tgtEl>
+                                        <p:attrNameLst>
+                                          <p:attrName>style.visibility</p:attrName>
+                                        </p:attrNameLst>
+                                      </p:cBhvr>
+                                      <p:to>
+                                        <p:strVal val="visible"/>
+                                      </p:to>
+                                    </p:set>
+                                  </p:childTnLst>
+                                </p:cTn>
+                              </p:par>
+                            </p:childTnLst>
+                          </p:cTn>
+                        </p:par>
+                      </p:childTnLst>
+                    </p:cTn>
+                  </p:par>
+                  <p:par>
+                    <p:cTn id="45" fill="hold">
+                      <p:stCondLst>
+                        <p:cond delay="indefinite"/>
+                      </p:stCondLst>
+                      <p:childTnLst>
+                        <p:par>
+                          <p:cTn id="46" fill="hold">
+                            <p:stCondLst>
+                              <p:cond delay="0"/>
+                            </p:stCondLst>
+                            <p:childTnLst>
+                              <p:par>
+                                <p:cTn id="47" presetID="1" presetClass="entr" presetSubtype="0" fill="hold" grpId="0" nodeType="clickEffect">
+                                  <p:stCondLst>
+                                    <p:cond delay="0"/>
+                                  </p:stCondLst>
+                                  <p:childTnLst>
+                                    <p:set>
+                                      <p:cBhvr>
+                                        <p:cTn id="48" dur="1" fill="hold">
+                                          <p:stCondLst>
+                                            <p:cond delay="0"/>
+                                          </p:stCondLst>
+                                        </p:cTn>
+                                        <p:tgtEl>
+                                          <p:spTgt spid="27"/>
+                                        </p:tgtEl>
+                                        <p:attrNameLst>
+                                          <p:attrName>style.visibility</p:attrName>
+                                        </p:attrNameLst>
+                                      </p:cBhvr>
+                                      <p:to>
+                                        <p:strVal val="visible"/>
+                                      </p:to>
+                                    </p:set>
+                                  </p:childTnLst>
+                                </p:cTn>
+                              </p:par>
+                              <p:par>
+                                <p:cTn id="49" presetID="1" presetClass="entr" presetSubtype="0" fill="hold" grpId="0" nodeType="withEffect">
+                                  <p:stCondLst>
+                                    <p:cond delay="0"/>
+                                  </p:stCondLst>
+                                  <p:childTnLst>
+                                    <p:set>
+                                      <p:cBhvr>
+                                        <p:cTn id="50" dur="1" fill="hold">
+                                          <p:stCondLst>
+                                            <p:cond delay="0"/>
+                                          </p:stCondLst>
+                                        </p:cTn>
+                                        <p:tgtEl>
+                                          <p:spTgt spid="28"/>
+                                        </p:tgtEl>
+                                        <p:attrNameLst>
+                                          <p:attrName>style.visibility</p:attrName>
+                                        </p:attrNameLst>
+                                      </p:cBhvr>
+                                      <p:to>
+                                        <p:strVal val="visible"/>
+                                      </p:to>
+                                    </p:set>
+                                  </p:childTnLst>
+                                </p:cTn>
+                              </p:par>
+                              <p:par>
+                                <p:cTn id="51" presetID="1" presetClass="entr" presetSubtype="0" fill="hold" grpId="0" nodeType="withEffect">
+                                  <p:stCondLst>
+                                    <p:cond delay="0"/>
+                                  </p:stCondLst>
+                                  <p:childTnLst>
+                                    <p:set>
+                                      <p:cBhvr>
+                                        <p:cTn id="52" dur="1" fill="hold">
+                                          <p:stCondLst>
+                                            <p:cond delay="0"/>
+                                          </p:stCondLst>
+                                        </p:cTn>
+                                        <p:tgtEl>
+                                          <p:spTgt spid="29"/>
+                                        </p:tgtEl>
+                                        <p:attrNameLst>
+                                          <p:attrName>style.visibility</p:attrName>
+                                        </p:attrNameLst>
+                                      </p:cBhvr>
+                                      <p:to>
+                                        <p:strVal val="visible"/>
+                                      </p:to>
+                                    </p:set>
+                                  </p:childTnLst>
+                                </p:cTn>
+                              </p:par>
+                              <p:par>
+                                <p:cTn id="53" presetID="1" presetClass="entr" presetSubtype="0" fill="hold" grpId="0" nodeType="withEffect">
+                                  <p:stCondLst>
+                                    <p:cond delay="0"/>
+                                  </p:stCondLst>
+                                  <p:childTnLst>
+                                    <p:set>
+                                      <p:cBhvr>
+                                        <p:cTn id="54" dur="1" fill="hold">
+                                          <p:stCondLst>
+                                            <p:cond delay="0"/>
+                                          </p:stCondLst>
+                                        </p:cTn>
+                                        <p:tgtEl>
+                                          <p:spTgt spid="30"/>
+                                        </p:tgtEl>
+                                        <p:attrNameLst>
+                                          <p:attrName>style.visibility</p:attrName>
+                                        </p:attrNameLst>
+                                      </p:cBhvr>
+                                      <p:to>
+                                        <p:strVal val="visible"/>
+                                      </p:to>
+                                    </p:set>
+                                  </p:childTnLst>
+                                </p:cTn>
+                              </p:par>
+                              <p:par>
+                                <p:cTn id="55" presetID="1" presetClass="entr" presetSubtype="0" fill="hold" grpId="0" nodeType="withEffect">
+                                  <p:stCondLst>
+                                    <p:cond delay="0"/>
+                                  </p:stCondLst>
+                                  <p:childTnLst>
+                                    <p:set>
+                                      <p:cBhvr>
+                                        <p:cTn id="56" dur="1" fill="hold">
+                                          <p:stCondLst>
+                                            <p:cond delay="0"/>
+                                          </p:stCondLst>
+                                        </p:cTn>
+                                        <p:tgtEl>
+                                          <p:spTgt spid="31"/>
+                                        </p:tgtEl>
+                                        <p:attrNameLst>
+                                          <p:attrName>style.visibility</p:attrName>
+                                        </p:attrNameLst>
+                                      </p:cBhvr>
+                                      <p:to>
+                                        <p:strVal val="visible"/>
+                                      </p:to>
+                                    </p:set>
+                                  </p:childTnLst>
+                                </p:cTn>
+                              </p:par>
+                              <p:par>
+                                <p:cTn id="57" presetID="1" presetClass="entr" presetSubtype="0" fill="hold" grpId="0" nodeType="withEffect">
+                                  <p:stCondLst>
+                                    <p:cond delay="0"/>
+                                  </p:stCondLst>
+                                  <p:childTnLst>
+                                    <p:set>
+                                      <p:cBhvr>
+                                        <p:cTn id="58" dur="1" fill="hold">
+                                          <p:stCondLst>
+                                            <p:cond delay="0"/>
+                                          </p:stCondLst>
+                                        </p:cTn>
+                                        <p:tgtEl>
+                                          <p:spTgt spid="32"/>
+                                        </p:tgtEl>
+                                        <p:attrNameLst>
+                                          <p:attrName>style.visibility</p:attrName>
+                                        </p:attrNameLst>
+                                      </p:cBhvr>
+                                      <p:to>
+                                        <p:strVal val="visible"/>
+                                      </p:to>
+                                    </p:set>
+                                  </p:childTnLst>
+                                </p:cTn>
+                              </p:par>
+                              <p:par>
+                                <p:cTn id="59" presetID="1" presetClass="entr" presetSubtype="0" fill="hold" grpId="0" nodeType="withEffect">
+                                  <p:stCondLst>
+                                    <p:cond delay="0"/>
+                                  </p:stCondLst>
+                                  <p:childTnLst>
+                                    <p:set>
+                                      <p:cBhvr>
+                                        <p:cTn id="60" dur="1" fill="hold">
+                                          <p:stCondLst>
+                                            <p:cond delay="0"/>
+                                          </p:stCondLst>
+                                        </p:cTn>
+                                        <p:tgtEl>
+                                          <p:spTgt spid="33"/>
+                                        </p:tgtEl>
+                                        <p:attrNameLst>
+                                          <p:attrName>style.visibility</p:attrName>
+                                        </p:attrNameLst>
+                                      </p:cBhvr>
+                                      <p:to>
+                                        <p:strVal val="visible"/>
+                                      </p:to>
+                                    </p:set>
+                                  </p:childTnLst>
+                                </p:cTn>
+                              </p:par>
+                              <p:par>
+                                <p:cTn id="61" presetID="1" presetClass="entr" presetSubtype="0" fill="hold" grpId="0" nodeType="withEffect">
+                                  <p:stCondLst>
+                                    <p:cond delay="0"/>
+                                  </p:stCondLst>
+                                  <p:childTnLst>
+                                    <p:set>
+                                      <p:cBhvr>
+                                        <p:cTn id="62" dur="1" fill="hold">
+                                          <p:stCondLst>
+                                            <p:cond delay="0"/>
+                                          </p:stCondLst>
+                                        </p:cTn>
+                                        <p:tgtEl>
+                                          <p:spTgt spid="34"/>
+                                        </p:tgtEl>
+                                        <p:attrNameLst>
+                                          <p:attrName>style.visibility</p:attrName>
+                                        </p:attrNameLst>
+                                      </p:cBhvr>
+                                      <p:to>
+                                        <p:strVal val="visible"/>
+                                      </p:to>
+                                    </p:set>
+                                  </p:childTnLst>
+                                </p:cTn>
+                              </p:par>
+                            </p:childTnLst>
+                          </p:cTn>
+                        </p:par>
+                      </p:childTnLst>
+                    </p:cTn>
+                  </p:par>
+                  <p:par>
+                    <p:cTn id="63" fill="hold">
+                      <p:stCondLst>
+                        <p:cond delay="indefinite"/>
+                      </p:stCondLst>
+                      <p:childTnLst>
+                        <p:par>
+                          <p:cTn id="64" fill="hold">
+                            <p:stCondLst>
+                              <p:cond delay="0"/>
+                            </p:stCondLst>
+                            <p:childTnLst>
+                              <p:par>
+                                <p:cTn id="65" presetID="1" presetClass="entr" presetSubtype="0" fill="hold" grpId="0" nodeType="clickEffect">
+                                  <p:stCondLst>
+                                    <p:cond delay="0"/>
+                                  </p:stCondLst>
+                                  <p:childTnLst>
+                                    <p:set>
+                                      <p:cBhvr>
+                                        <p:cTn id="66" dur="1" fill="hold">
+                                          <p:stCondLst>
+                                            <p:cond delay="0"/>
+                                          </p:stCondLst>
+                                        </p:cTn>
+                                        <p:tgtEl>
+                                          <p:spTgt spid="41"/>
+                                        </p:tgtEl>
+                                        <p:attrNameLst>
+                                          <p:attrName>style.visibility</p:attrName>
+                                        </p:attrNameLst>
+                                      </p:cBhvr>
+                                      <p:to>
+                                        <p:strVal val="visible"/>
+                                      </p:to>
+                                    </p:set>
+                                  </p:childTnLst>
+                                </p:cTn>
+                              </p:par>
+                              <p:par>
+                                <p:cTn id="67" presetID="1" presetClass="entr" presetSubtype="0" fill="hold" grpId="0" nodeType="withEffect">
+                                  <p:stCondLst>
+                                    <p:cond delay="0"/>
+                                  </p:stCondLst>
+                                  <p:childTnLst>
+                                    <p:set>
+                                      <p:cBhvr>
+                                        <p:cTn id="68" dur="1" fill="hold">
+                                          <p:stCondLst>
+                                            <p:cond delay="0"/>
+                                          </p:stCondLst>
+                                        </p:cTn>
+                                        <p:tgtEl>
+                                          <p:spTgt spid="40"/>
+                                        </p:tgtEl>
+                                        <p:attrNameLst>
+                                          <p:attrName>style.visibility</p:attrName>
+                                        </p:attrNameLst>
+                                      </p:cBhvr>
+                                      <p:to>
+                                        <p:strVal val="visible"/>
+                                      </p:to>
+                                    </p:set>
+                                  </p:childTnLst>
+                                </p:cTn>
+                              </p:par>
+                              <p:par>
+                                <p:cTn id="69" presetID="1" presetClass="entr" presetSubtype="0" fill="hold" grpId="0" nodeType="withEffect">
+                                  <p:stCondLst>
+                                    <p:cond delay="0"/>
+                                  </p:stCondLst>
+                                  <p:childTnLst>
+                                    <p:set>
+                                      <p:cBhvr>
+                                        <p:cTn id="70" dur="1" fill="hold">
+                                          <p:stCondLst>
+                                            <p:cond delay="0"/>
+                                          </p:stCondLst>
+                                        </p:cTn>
+                                        <p:tgtEl>
+                                          <p:spTgt spid="38"/>
+                                        </p:tgtEl>
+                                        <p:attrNameLst>
+                                          <p:attrName>style.visibility</p:attrName>
+                                        </p:attrNameLst>
+                                      </p:cBhvr>
+                                      <p:to>
+                                        <p:strVal val="visible"/>
+                                      </p:to>
+                                    </p:set>
+                                  </p:childTnLst>
+                                </p:cTn>
+                              </p:par>
+                              <p:par>
+                                <p:cTn id="71" presetID="1" presetClass="entr" presetSubtype="0" fill="hold" grpId="0" nodeType="withEffect">
+                                  <p:stCondLst>
+                                    <p:cond delay="0"/>
+                                  </p:stCondLst>
+                                  <p:childTnLst>
+                                    <p:set>
+                                      <p:cBhvr>
+                                        <p:cTn id="72" dur="1" fill="hold">
+                                          <p:stCondLst>
+                                            <p:cond delay="0"/>
+                                          </p:stCondLst>
+                                        </p:cTn>
+                                        <p:tgtEl>
+                                          <p:spTgt spid="39"/>
+                                        </p:tgtEl>
+                                        <p:attrNameLst>
+                                          <p:attrName>style.visibility</p:attrName>
+                                        </p:attrNameLst>
+                                      </p:cBhvr>
+                                      <p:to>
+                                        <p:strVal val="visible"/>
+                                      </p:to>
+                                    </p:set>
+                                  </p:childTnLst>
+                                </p:cTn>
+                              </p:par>
+                              <p:par>
+                                <p:cTn id="73" presetID="1" presetClass="entr" presetSubtype="0" fill="hold" grpId="0" nodeType="withEffect">
+                                  <p:stCondLst>
+                                    <p:cond delay="0"/>
+                                  </p:stCondLst>
+                                  <p:childTnLst>
+                                    <p:set>
+                                      <p:cBhvr>
+                                        <p:cTn id="74" dur="1" fill="hold">
+                                          <p:stCondLst>
+                                            <p:cond delay="0"/>
+                                          </p:stCondLst>
+                                        </p:cTn>
+                                        <p:tgtEl>
+                                          <p:spTgt spid="37"/>
+                                        </p:tgtEl>
+                                        <p:attrNameLst>
+                                          <p:attrName>style.visibility</p:attrName>
+                                        </p:attrNameLst>
+                                      </p:cBhvr>
+                                      <p:to>
+                                        <p:strVal val="visible"/>
+                                      </p:to>
+                                    </p:set>
+                                  </p:childTnLst>
+                                </p:cTn>
+                              </p:par>
+                              <p:par>
+                                <p:cTn id="75" presetID="1" presetClass="entr" presetSubtype="0" fill="hold" grpId="0" nodeType="withEffect">
+                                  <p:stCondLst>
+                                    <p:cond delay="0"/>
+                                  </p:stCondLst>
+                                  <p:childTnLst>
+                                    <p:set>
+                                      <p:cBhvr>
+                                        <p:cTn id="76" dur="1" fill="hold">
+                                          <p:stCondLst>
+                                            <p:cond delay="0"/>
+                                          </p:stCondLst>
+                                        </p:cTn>
+                                        <p:tgtEl>
+                                          <p:spTgt spid="36"/>
+                                        </p:tgtEl>
+                                        <p:attrNameLst>
+                                          <p:attrName>style.visibility</p:attrName>
+                                        </p:attrNameLst>
+                                      </p:cBhvr>
+                                      <p:to>
+                                        <p:strVal val="visible"/>
+                                      </p:to>
+                                    </p:set>
+                                  </p:childTnLst>
+                                </p:cTn>
+                              </p:par>
+                              <p:par>
+                                <p:cTn id="77" presetID="1" presetClass="entr" presetSubtype="0" fill="hold" grpId="0" nodeType="withEffect">
+                                  <p:stCondLst>
+                                    <p:cond delay="0"/>
+                                  </p:stCondLst>
+                                  <p:childTnLst>
+                                    <p:set>
+                                      <p:cBhvr>
+                                        <p:cTn id="78" dur="1" fill="hold">
+                                          <p:stCondLst>
+                                            <p:cond delay="0"/>
+                                          </p:stCondLst>
+                                        </p:cTn>
+                                        <p:tgtEl>
+                                          <p:spTgt spid="35"/>
+                                        </p:tgtEl>
+                                        <p:attrNameLst>
+                                          <p:attrName>style.visibility</p:attrName>
+                                        </p:attrNameLst>
+                                      </p:cBhvr>
+                                      <p:to>
+                                        <p:strVal val="visible"/>
+                                      </p:to>
+                                    </p:set>
+                                  </p:childTnLst>
+                                </p:cTn>
+                              </p:par>
+                              <p:par>
+                                <p:cTn id="79" presetID="1" presetClass="entr" presetSubtype="0" fill="hold" grpId="0" nodeType="withEffect">
+                                  <p:stCondLst>
+                                    <p:cond delay="0"/>
+                                  </p:stCondLst>
+                                  <p:childTnLst>
+                                    <p:set>
+                                      <p:cBhvr>
+                                        <p:cTn id="80" dur="1" fill="hold">
+                                          <p:stCondLst>
+                                            <p:cond delay="0"/>
+                                          </p:stCondLst>
+                                        </p:cTn>
+                                        <p:tgtEl>
+                                          <p:spTgt spid="42"/>
+                                        </p:tgtEl>
+                                        <p:attrNameLst>
+                                          <p:attrName>style.visibility</p:attrName>
+                                        </p:attrNameLst>
+                                      </p:cBhvr>
+                                      <p:to>
+                                        <p:strVal val="visible"/>
+                                      </p:to>
+                                    </p:set>
+                                  </p:childTnLst>
+                                </p:cTn>
+                              </p:par>
+                              <p:par>
+                                <p:cTn id="81" presetID="1" presetClass="entr" presetSubtype="0" fill="hold" grpId="0" nodeType="withEffect">
+                                  <p:stCondLst>
+                                    <p:cond delay="0"/>
+                                  </p:stCondLst>
+                                  <p:childTnLst>
+                                    <p:set>
+                                      <p:cBhvr>
+                                        <p:cTn id="82" dur="1" fill="hold">
+                                          <p:stCondLst>
+                                            <p:cond delay="0"/>
+                                          </p:stCondLst>
+                                        </p:cTn>
+                                        <p:tgtEl>
+                                          <p:spTgt spid="43"/>
+                                        </p:tgtEl>
+                                        <p:attrNameLst>
+                                          <p:attrName>style.visibility</p:attrName>
+                                        </p:attrNameLst>
+                                      </p:cBhvr>
+                                      <p:to>
+                                        <p:strVal val="visible"/>
+                                      </p:to>
+                                    </p:set>
+                                  </p:childTnLst>
+                                </p:cTn>
+                              </p:par>
+                              <p:par>
+                                <p:cTn id="83" presetID="1" presetClass="entr" presetSubtype="0" fill="hold" grpId="0" nodeType="withEffect">
+                                  <p:stCondLst>
+                                    <p:cond delay="0"/>
+                                  </p:stCondLst>
+                                  <p:childTnLst>
+                                    <p:set>
+                                      <p:cBhvr>
+                                        <p:cTn id="84" dur="1" fill="hold">
+                                          <p:stCondLst>
+                                            <p:cond delay="0"/>
+                                          </p:stCondLst>
+                                        </p:cTn>
+                                        <p:tgtEl>
+                                          <p:spTgt spid="44"/>
+                                        </p:tgtEl>
+                                        <p:attrNameLst>
+                                          <p:attrName>style.visibility</p:attrName>
+                                        </p:attrNameLst>
+                                      </p:cBhvr>
+                                      <p:to>
+                                        <p:strVal val="visible"/>
+                                      </p:to>
+                                    </p:set>
+                                  </p:childTnLst>
+                                </p:cTn>
+                              </p:par>
+                            </p:childTnLst>
+                          </p:cTn>
+                        </p:par>
+                      </p:childTnLst>
+                    </p:cTn>
+                  </p:par>
+                  <p:par>
+                    <p:cTn id="85" fill="hold">
+                      <p:stCondLst>
+                        <p:cond delay="indefinite"/>
+                      </p:stCondLst>
+                      <p:childTnLst>
+                        <p:par>
+                          <p:cTn id="86" fill="hold">
+                            <p:stCondLst>
+                              <p:cond delay="0"/>
+                            </p:stCondLst>
+                            <p:childTnLst>
+                              <p:par>
+                                <p:cTn id="87" presetID="1" presetClass="entr" presetSubtype="0" fill="hold" grpId="1" nodeType="clickEffect">
+                                  <p:stCondLst>
+                                    <p:cond delay="0"/>
+                                  </p:stCondLst>
+                                  <p:childTnLst>
+                                    <p:set>
+                                      <p:cBhvr>
+                                        <p:cTn id="88" dur="1" fill="hold">
+                                          <p:stCondLst>
+                                            <p:cond delay="0"/>
+                                          </p:stCondLst>
+                                        </p:cTn>
+                                        <p:tgtEl>
+                                          <p:spTgt spid="43"/>
+                                        </p:tgtEl>
+                                        <p:attrNameLst>
+                                          <p:attrName>style.visibility</p:attrName>
+                                        </p:attrNameLst>
+                                      </p:cBhvr>
+                                      <p:to>
+                                        <p:strVal val="visible"/>
+                                      </p:to>
+                                    </p:set>
+                                  </p:childTnLst>
+                                </p:cTn>
+                              </p:par>
+                              <p:par>
+                                <p:cTn id="89" presetID="1" presetClass="entr" presetSubtype="0" fill="hold" grpId="1" nodeType="withEffect">
+                                  <p:stCondLst>
+                                    <p:cond delay="0"/>
+                                  </p:stCondLst>
+                                  <p:childTnLst>
+                                    <p:set>
+                                      <p:cBhvr>
+                                        <p:cTn id="90" dur="1" fill="hold">
+                                          <p:stCondLst>
+                                            <p:cond delay="0"/>
+                                          </p:stCondLst>
+                                        </p:cTn>
+                                        <p:tgtEl>
+                                          <p:spTgt spid="44"/>
+                                        </p:tgtEl>
+                                        <p:attrNameLst>
+                                          <p:attrName>style.visibility</p:attrName>
+                                        </p:attrNameLst>
+                                      </p:cBhvr>
+                                      <p:to>
+                                        <p:strVal val="visible"/>
+                                      </p:to>
+                                    </p:set>
+                                  </p:childTnLst>
+                                </p:cTn>
+                              </p:par>
+                            </p:childTnLst>
+                          </p:cTn>
+                        </p:par>
+                      </p:childTnLst>
+                    </p:cTn>
+                  </p:par>
+                </p:childTnLst>
+              </p:cTn>
+              <p:prevCondLst>
+                <p:cond evt="onPrev" delay="0">
+                  <p:tgtEl>
+                    <p:sldTgt/>
+                  </p:tgtEl>
+                </p:cond>
+              </p:prevCondLst>
+              <p:nextCondLst>
+                <p:cond evt="onNext" delay="0">
+                  <p:tgtEl>
+                    <p:sldTgt/>
+                  </p:tgtEl>
+                </p:cond>
+              </p:nextCondLst>
+            </p:seq>
+          </p:childTnLst>
+        </p:cTn>
+      </p:par>
+    </p:tnLst>
+    <p:bldLst>
+      <p:bldP spid="11" grpId="0" animBg="1"/>
+      <p:bldP spid="12" grpId="0" animBg="1"/>
+      <p:bldP spid="13" grpId="0" animBg="1"/>
+      <p:bldP spid="14" grpId="0" animBg="1"/>
+      <p:bldP spid="15" grpId="0" animBg="1"/>
+      <p:bldP spid="16" grpId="0" animBg="1"/>
+      <p:bldP spid="17" grpId="0" animBg="1"/>
+      <p:bldP spid="18" grpId="0" animBg="1"/>
+      <p:bldP spid="19" grpId="0" animBg="1"/>
+      <p:bldP spid="20" grpId="0" animBg="1"/>
+      <p:bldP spid="21" grpId="0" animBg="1"/>
+      <p:bldP spid="22" grpId="0" animBg="1"/>
+      <p:bldP spid="23" grpId="0" animBg="1"/>
+      <p:bldP spid="24" grpId="0" animBg="1"/>
+      <p:bldP spid="25" grpId="0" animBg="1"/>
+      <p:bldP spid="26" grpId="0" animBg="1"/>
+      <p:bldP spid="27" grpId="0" animBg="1"/>
+      <p:bldP spid="28" grpId="0" animBg="1"/>
+      <p:bldP spid="29" grpId="0" animBg="1"/>
+      <p:bldP spid="30" grpId="0" animBg="1"/>
+      <p:bldP spid="31" grpId="0" animBg="1"/>
+      <p:bldP spid="32" grpId="0" animBg="1"/>
+      <p:bldP spid="33" grpId="0" animBg="1"/>
+      <p:bldP spid="34" grpId="0" animBg="1"/>
+      <p:bldP spid="35" grpId="0" animBg="1"/>
+      <p:bldP spid="36" grpId="0" animBg="1"/>
+      <p:bldP spid="37" grpId="0" animBg="1"/>
+      <p:bldP spid="38" grpId="0" animBg="1"/>
+      <p:bldP spid="39" grpId="0" animBg="1"/>
+      <p:bldP spid="40" grpId="0" animBg="1"/>
+      <p:bldP spid="41" grpId="0" animBg="1"/>
+      <p:bldP spid="42" grpId="0" animBg="1"/>
+      <p:bldP spid="43" grpId="0" animBg="1"/>
+      <p:bldP spid="43" grpId="1" animBg="1"/>
+      <p:bldP spid="44" grpId="0" animBg="1"/>
+      <p:bldP spid="44" grpId="1" animBg="1"/>
+    </p:bldLst>
+  </p:timing>
+</p:sld>
+</file>
+
+<file path=ppt/slides/slide8.xml><?xml version="1.0" encoding="utf-8"?>
+<p:sld xmlns:a="http://schemas.openxmlformats.org/drawingml/2006/main" xmlns:r="http://schemas.openxmlformats.org/officeDocument/2006/relationships" xmlns:p="http://schemas.openxmlformats.org/presentationml/2006/main">
+  <p:cSld>
+    <p:spTree>
+      <p:nvGrpSpPr>
+        <p:cNvPr id="1" name=""/>
+        <p:cNvGrpSpPr/>
+        <p:nvPr/>
+      </p:nvGrpSpPr>
+      <p:grpSpPr>
+        <a:xfrm>
+          <a:off x="0" y="0"/>
+          <a:ext cx="0" cy="0"/>
+          <a:chOff x="0" y="0"/>
+          <a:chExt cx="0" cy="0"/>
+        </a:xfrm>
+      </p:grpSpPr>
+      <p:sp>
+        <p:nvSpPr>
+          <p:cNvPr id="2" name="Titel 1">
+            <a:extLst>
+              <a:ext uri="{FF2B5EF4-FFF2-40B4-BE49-F238E27FC236}">
+                <a16:creationId xmlns:a16="http://schemas.microsoft.com/office/drawing/2014/main" id="{3D9C85C3-0143-4F47-BD9A-D17689631447}"/>
+              </a:ext>
+            </a:extLst>
+          </p:cNvPr>
+          <p:cNvSpPr>
+            <a:spLocks noGrp="1"/>
+          </p:cNvSpPr>
+          <p:nvPr>
+            <p:ph type="title"/>
+          </p:nvPr>
+        </p:nvSpPr>
+        <p:spPr/>
+        <p:txBody>
+          <a:bodyPr/>
+          <a:lstStyle/>
+          <a:p>
+            <a:r>
+              <a:rPr lang="de-DE" dirty="0"/>
+              <a:t>Information </a:t>
+            </a:r>
+            <a:r>
+              <a:rPr lang="de-DE" dirty="0" err="1"/>
+              <a:t>Gain</a:t>
+            </a:r>
+            <a:endParaRPr lang="de-DE" dirty="0"/>
+          </a:p>
+        </p:txBody>
+      </p:sp>
+      <p:pic>
+        <p:nvPicPr>
+          <p:cNvPr id="4" name="Grafik 3" descr="Ein Bild, das Text enthält.&#10;&#10;Automatisch generierte Beschreibung">
+            <a:extLst>
+              <a:ext uri="{FF2B5EF4-FFF2-40B4-BE49-F238E27FC236}">
+                <a16:creationId xmlns:a16="http://schemas.microsoft.com/office/drawing/2014/main" id="{4B622B06-5181-D449-8507-39230957F25C}"/>
+              </a:ext>
+            </a:extLst>
+          </p:cNvPr>
+          <p:cNvPicPr>
+            <a:picLocks noChangeAspect="1"/>
+          </p:cNvPicPr>
+          <p:nvPr/>
+        </p:nvPicPr>
+        <p:blipFill rotWithShape="1">
+          <a:blip r:embed="rId2">
+            <a:extLst>
+              <a:ext uri="{28A0092B-C50C-407E-A947-70E740481C1C}">
+                <a14:useLocalDpi xmlns:a14="http://schemas.microsoft.com/office/drawing/2010/main" val="0"/>
+              </a:ext>
+            </a:extLst>
+          </a:blip>
+          <a:srcRect b="89150"/>
+          <a:stretch/>
+        </p:blipFill>
+        <p:spPr>
+          <a:xfrm>
+            <a:off x="0" y="2076424"/>
+            <a:ext cx="3626660" cy="560387"/>
+          </a:xfrm>
+          <a:prstGeom prst="rect">
+            <a:avLst/>
+          </a:prstGeom>
+        </p:spPr>
+      </p:pic>
+      <p:pic>
+        <p:nvPicPr>
+          <p:cNvPr id="5" name="Grafik 4">
+            <a:extLst>
+              <a:ext uri="{FF2B5EF4-FFF2-40B4-BE49-F238E27FC236}">
+                <a16:creationId xmlns:a16="http://schemas.microsoft.com/office/drawing/2014/main" id="{298321CE-7DA5-9049-B375-1EEA00CCF4FC}"/>
+              </a:ext>
+            </a:extLst>
+          </p:cNvPr>
+          <p:cNvPicPr>
+            <a:picLocks noChangeAspect="1"/>
+          </p:cNvPicPr>
+          <p:nvPr/>
+        </p:nvPicPr>
+        <p:blipFill>
+          <a:blip r:embed="rId3">
+            <a:extLst>
+              <a:ext uri="{28A0092B-C50C-407E-A947-70E740481C1C}">
+                <a14:useLocalDpi xmlns:a14="http://schemas.microsoft.com/office/drawing/2010/main" val="0"/>
+              </a:ext>
+            </a:extLst>
+          </a:blip>
+          <a:stretch>
+            <a:fillRect/>
+          </a:stretch>
+        </p:blipFill>
+        <p:spPr>
+          <a:xfrm>
+            <a:off x="4467638" y="4827116"/>
+            <a:ext cx="3838560" cy="1517269"/>
+          </a:xfrm>
+          <a:prstGeom prst="rect">
+            <a:avLst/>
+          </a:prstGeom>
+        </p:spPr>
+      </p:pic>
+      <p:pic>
+        <p:nvPicPr>
+          <p:cNvPr id="6" name="Grafik 5" descr="Ein Bild, das Text enthält.&#10;&#10;Automatisch generierte Beschreibung">
+            <a:extLst>
+              <a:ext uri="{FF2B5EF4-FFF2-40B4-BE49-F238E27FC236}">
+                <a16:creationId xmlns:a16="http://schemas.microsoft.com/office/drawing/2014/main" id="{A67DA39E-7C7F-8246-909C-6C32C5D175B6}"/>
+              </a:ext>
+            </a:extLst>
+          </p:cNvPr>
+          <p:cNvPicPr>
+            <a:picLocks noChangeAspect="1"/>
+          </p:cNvPicPr>
+          <p:nvPr/>
+        </p:nvPicPr>
+        <p:blipFill rotWithShape="1">
+          <a:blip r:embed="rId2">
+            <a:extLst>
+              <a:ext uri="{28A0092B-C50C-407E-A947-70E740481C1C}">
+                <a14:useLocalDpi xmlns:a14="http://schemas.microsoft.com/office/drawing/2010/main" val="0"/>
+              </a:ext>
+            </a:extLst>
+          </a:blip>
+          <a:srcRect t="13181" b="58992"/>
+          <a:stretch/>
+        </p:blipFill>
+        <p:spPr>
+          <a:xfrm>
+            <a:off x="457200" y="3054776"/>
+            <a:ext cx="3626660" cy="1437162"/>
+          </a:xfrm>
+          <a:prstGeom prst="rect">
+            <a:avLst/>
+          </a:prstGeom>
+        </p:spPr>
+      </p:pic>
+      <p:pic>
+        <p:nvPicPr>
+          <p:cNvPr id="7" name="Grafik 6" descr="Ein Bild, das Text enthält.&#10;&#10;Automatisch generierte Beschreibung">
+            <a:extLst>
+              <a:ext uri="{FF2B5EF4-FFF2-40B4-BE49-F238E27FC236}">
+                <a16:creationId xmlns:a16="http://schemas.microsoft.com/office/drawing/2014/main" id="{7FCE228B-CA02-DE41-AA54-345617880246}"/>
+              </a:ext>
+            </a:extLst>
+          </p:cNvPr>
+          <p:cNvPicPr>
+            <a:picLocks noChangeAspect="1"/>
+          </p:cNvPicPr>
+          <p:nvPr/>
+        </p:nvPicPr>
+        <p:blipFill rotWithShape="1">
+          <a:blip r:embed="rId2">
+            <a:extLst>
+              <a:ext uri="{28A0092B-C50C-407E-A947-70E740481C1C}">
+                <a14:useLocalDpi xmlns:a14="http://schemas.microsoft.com/office/drawing/2010/main" val="0"/>
+              </a:ext>
+            </a:extLst>
+          </a:blip>
+          <a:srcRect t="40970" b="31203"/>
+          <a:stretch/>
+        </p:blipFill>
+        <p:spPr>
+          <a:xfrm>
+            <a:off x="457200" y="4767482"/>
+            <a:ext cx="3626660" cy="1437162"/>
+          </a:xfrm>
+          <a:prstGeom prst="rect">
+            <a:avLst/>
+          </a:prstGeom>
+        </p:spPr>
+      </p:pic>
+      <p:pic>
+        <p:nvPicPr>
+          <p:cNvPr id="8" name="Grafik 7" descr="Ein Bild, das Text enthält.&#10;&#10;Automatisch generierte Beschreibung">
+            <a:extLst>
+              <a:ext uri="{FF2B5EF4-FFF2-40B4-BE49-F238E27FC236}">
+                <a16:creationId xmlns:a16="http://schemas.microsoft.com/office/drawing/2014/main" id="{5D6FD314-5A80-0842-BD43-721BCCA3195D}"/>
+              </a:ext>
+            </a:extLst>
+          </p:cNvPr>
+          <p:cNvPicPr>
+            <a:picLocks noChangeAspect="1"/>
+          </p:cNvPicPr>
+          <p:nvPr/>
+        </p:nvPicPr>
+        <p:blipFill rotWithShape="1">
+          <a:blip r:embed="rId2">
+            <a:extLst>
+              <a:ext uri="{28A0092B-C50C-407E-A947-70E740481C1C}">
+                <a14:useLocalDpi xmlns:a14="http://schemas.microsoft.com/office/drawing/2010/main" val="0"/>
+              </a:ext>
+            </a:extLst>
+          </a:blip>
+          <a:srcRect t="68797"/>
+          <a:stretch/>
+        </p:blipFill>
+        <p:spPr>
+          <a:xfrm>
+            <a:off x="4573588" y="3026464"/>
+            <a:ext cx="3626660" cy="1611555"/>
+          </a:xfrm>
+          <a:prstGeom prst="rect">
+            <a:avLst/>
+          </a:prstGeom>
+        </p:spPr>
+      </p:pic>
+      <p:sp>
+        <p:nvSpPr>
+          <p:cNvPr id="9" name="Rechteck 8">
+            <a:extLst>
+              <a:ext uri="{FF2B5EF4-FFF2-40B4-BE49-F238E27FC236}">
+                <a16:creationId xmlns:a16="http://schemas.microsoft.com/office/drawing/2014/main" id="{B7BDC391-174F-4A43-A4E1-E00017ADD775}"/>
+              </a:ext>
+            </a:extLst>
+          </p:cNvPr>
+          <p:cNvSpPr/>
+          <p:nvPr/>
+        </p:nvSpPr>
+        <p:spPr>
+          <a:xfrm>
+            <a:off x="417444" y="4717787"/>
+            <a:ext cx="3626660" cy="1576903"/>
+          </a:xfrm>
+          <a:prstGeom prst="rect">
+            <a:avLst/>
+          </a:prstGeom>
+          <a:noFill/>
+          <a:ln w="57150">
+            <a:solidFill>
+              <a:srgbClr val="EB8A2B"/>
+            </a:solidFill>
+          </a:ln>
+        </p:spPr>
+        <p:style>
+          <a:lnRef idx="2">
+            <a:schemeClr val="accent1">
+              <a:shade val="50000"/>
+            </a:schemeClr>
+          </a:lnRef>
+          <a:fillRef idx="1">
+            <a:schemeClr val="accent1"/>
+          </a:fillRef>
+          <a:effectRef idx="0">
+            <a:schemeClr val="accent1"/>
+          </a:effectRef>
+          <a:fontRef idx="minor">
+            <a:schemeClr val="lt1"/>
+          </a:fontRef>
+        </p:style>
+        <p:txBody>
+          <a:bodyPr rtlCol="0" anchor="ctr"/>
+          <a:lstStyle/>
+          <a:p>
+            <a:pPr algn="ctr"/>
+            <a:endParaRPr lang="de-DE"/>
+          </a:p>
+        </p:txBody>
+      </p:sp>
+    </p:spTree>
+    <p:extLst>
+      <p:ext uri="{BB962C8B-B14F-4D97-AF65-F5344CB8AC3E}">
+        <p14:creationId xmlns:p14="http://schemas.microsoft.com/office/powerpoint/2010/main" val="700417612"/>
+      </p:ext>
+    </p:extLst>
+  </p:cSld>
+  <p:clrMapOvr>
+    <a:masterClrMapping/>
+  </p:clrMapOvr>
+  <p:timing>
+    <p:tnLst>
+      <p:par>
+        <p:cTn id="1" dur="indefinite" restart="never" nodeType="tmRoot">
+          <p:childTnLst>
+            <p:seq concurrent="1" nextAc="seek">
+              <p:cTn id="2" dur="indefinite" nodeType="mainSeq">
+                <p:childTnLst>
+                  <p:par>
+                    <p:cTn id="3" fill="hold">
+                      <p:stCondLst>
+                        <p:cond delay="indefinite"/>
+                      </p:stCondLst>
+                      <p:childTnLst>
+                        <p:par>
+                          <p:cTn id="4" fill="hold">
+                            <p:stCondLst>
+                              <p:cond delay="0"/>
+                            </p:stCondLst>
+                            <p:childTnLst>
+                              <p:par>
+                                <p:cTn id="5" presetID="1" presetClass="entr" presetSubtype="0" fill="hold" nodeType="clickEffect">
+                                  <p:stCondLst>
+                                    <p:cond delay="0"/>
+                                  </p:stCondLst>
+                                  <p:childTnLst>
+                                    <p:set>
+                                      <p:cBhvr>
+                                        <p:cTn id="6" dur="1" fill="hold">
+                                          <p:stCondLst>
+                                            <p:cond delay="0"/>
+                                          </p:stCondLst>
+                                        </p:cTn>
+                                        <p:tgtEl>
+                                          <p:spTgt spid="8"/>
+                                        </p:tgtEl>
+                                        <p:attrNameLst>
+                                          <p:attrName>style.visibility</p:attrName>
+                                        </p:attrNameLst>
+                                      </p:cBhvr>
+                                      <p:to>
+                                        <p:strVal val="visible"/>
+                                      </p:to>
+                                    </p:set>
+                                  </p:childTnLst>
+                                </p:cTn>
+                              </p:par>
+                              <p:par>
+                                <p:cTn id="7" presetID="1" presetClass="entr" presetSubtype="0" fill="hold" nodeType="withEffect">
+                                  <p:stCondLst>
+                                    <p:cond delay="0"/>
+                                  </p:stCondLst>
+                                  <p:childTnLst>
+                                    <p:set>
+                                      <p:cBhvr>
+                                        <p:cTn id="8" dur="1" fill="hold">
+                                          <p:stCondLst>
+                                            <p:cond delay="0"/>
+                                          </p:stCondLst>
+                                        </p:cTn>
+                                        <p:tgtEl>
+                                          <p:spTgt spid="7"/>
+                                        </p:tgtEl>
+                                        <p:attrNameLst>
+                                          <p:attrName>style.visibility</p:attrName>
+                                        </p:attrNameLst>
+                                      </p:cBhvr>
+                                      <p:to>
+                                        <p:strVal val="visible"/>
+                                      </p:to>
+                                    </p:set>
+                                  </p:childTnLst>
+                                </p:cTn>
+                              </p:par>
+                              <p:par>
+                                <p:cTn id="9" presetID="1" presetClass="entr" presetSubtype="0" fill="hold" nodeType="withEffect">
+                                  <p:stCondLst>
+                                    <p:cond delay="0"/>
+                                  </p:stCondLst>
+                                  <p:childTnLst>
+                                    <p:set>
+                                      <p:cBhvr>
+                                        <p:cTn id="10" dur="1" fill="hold">
+                                          <p:stCondLst>
+                                            <p:cond delay="0"/>
+                                          </p:stCondLst>
+                                        </p:cTn>
+                                        <p:tgtEl>
+                                          <p:spTgt spid="5"/>
+                                        </p:tgtEl>
+                                        <p:attrNameLst>
+                                          <p:attrName>style.visibility</p:attrName>
+                                        </p:attrNameLst>
+                                      </p:cBhvr>
+                                      <p:to>
+                                        <p:strVal val="visible"/>
+                                      </p:to>
+                                    </p:set>
+                                  </p:childTnLst>
+                                </p:cTn>
+                              </p:par>
+                            </p:childTnLst>
+                          </p:cTn>
+                        </p:par>
+                      </p:childTnLst>
+                    </p:cTn>
+                  </p:par>
+                  <p:par>
+                    <p:cTn id="11" fill="hold">
+                      <p:stCondLst>
+                        <p:cond delay="indefinite"/>
+                      </p:stCondLst>
+                      <p:childTnLst>
+                        <p:par>
+                          <p:cTn id="12" fill="hold">
+                            <p:stCondLst>
+                              <p:cond delay="0"/>
+                            </p:stCondLst>
+                            <p:childTnLst>
+                              <p:par>
+                                <p:cTn id="13" presetID="1" presetClass="entr" presetSubtype="0" fill="hold" grpId="0" nodeType="clickEffect">
+                                  <p:stCondLst>
+                                    <p:cond delay="0"/>
+                                  </p:stCondLst>
+                                  <p:childTnLst>
+                                    <p:set>
+                                      <p:cBhvr>
+                                        <p:cTn id="14" dur="1" fill="hold">
+                                          <p:stCondLst>
+                                            <p:cond delay="0"/>
+                                          </p:stCondLst>
+                                        </p:cTn>
+                                        <p:tgtEl>
+                                          <p:spTgt spid="9"/>
+                                        </p:tgtEl>
+                                        <p:attrNameLst>
+                                          <p:attrName>style.visibility</p:attrName>
+                                        </p:attrNameLst>
+                                      </p:cBhvr>
+                                      <p:to>
+                                        <p:strVal val="visible"/>
+                                      </p:to>
+                                    </p:set>
+                                  </p:childTnLst>
+                                </p:cTn>
+                              </p:par>
+                            </p:childTnLst>
+                          </p:cTn>
+                        </p:par>
+                      </p:childTnLst>
+                    </p:cTn>
+                  </p:par>
+                </p:childTnLst>
+              </p:cTn>
+              <p:prevCondLst>
+                <p:cond evt="onPrev" delay="0">
+                  <p:tgtEl>
+                    <p:sldTgt/>
+                  </p:tgtEl>
+                </p:cond>
+              </p:prevCondLst>
+              <p:nextCondLst>
+                <p:cond evt="onNext" delay="0">
+                  <p:tgtEl>
+                    <p:sldTgt/>
+                  </p:tgtEl>
+                </p:cond>
+              </p:nextCondLst>
+            </p:seq>
+          </p:childTnLst>
+        </p:cTn>
+      </p:par>
+    </p:tnLst>
+    <p:bldLst>
+      <p:bldP spid="9" grpId="0" animBg="1"/>
+    </p:bldLst>
+  </p:timing>
+</p:sld>
+</file>
+
+<file path=ppt/slides/slide9.xml><?xml version="1.0" encoding="utf-8"?>
 <p:sld xmlns:a="http://schemas.openxmlformats.org/drawingml/2006/main" xmlns:r="http://schemas.openxmlformats.org/officeDocument/2006/relationships" xmlns:p="http://schemas.openxmlformats.org/presentationml/2006/main">
   <p:cSld>
     <p:spTree>
@@ -5319,7 +9300,7 @@
           <a:p>
             <a:r>
               <a:rPr lang="en-US" dirty="0"/>
-              <a:t>Results</a:t>
+              <a:t>Methods</a:t>
             </a:r>
           </a:p>
         </p:txBody>
@@ -5349,81 +9330,7 @@
     </p:spTree>
     <p:extLst>
       <p:ext uri="{BB962C8B-B14F-4D97-AF65-F5344CB8AC3E}">
-        <p14:creationId xmlns:p14="http://schemas.microsoft.com/office/powerpoint/2010/main" val="2299048768"/>
-      </p:ext>
-    </p:extLst>
-  </p:cSld>
-  <p:clrMapOvr>
-    <a:masterClrMapping/>
-  </p:clrMapOvr>
-</p:sld>
-</file>
-
-<file path=ppt/slides/slide8.xml><?xml version="1.0" encoding="utf-8"?>
-<p:sld xmlns:a="http://schemas.openxmlformats.org/drawingml/2006/main" xmlns:r="http://schemas.openxmlformats.org/officeDocument/2006/relationships" xmlns:p="http://schemas.openxmlformats.org/presentationml/2006/main">
-  <p:cSld>
-    <p:spTree>
-      <p:nvGrpSpPr>
-        <p:cNvPr id="1" name=""/>
-        <p:cNvGrpSpPr/>
-        <p:nvPr/>
-      </p:nvGrpSpPr>
-      <p:grpSpPr>
-        <a:xfrm>
-          <a:off x="0" y="0"/>
-          <a:ext cx="0" cy="0"/>
-          <a:chOff x="0" y="0"/>
-          <a:chExt cx="0" cy="0"/>
-        </a:xfrm>
-      </p:grpSpPr>
-      <p:sp>
-        <p:nvSpPr>
-          <p:cNvPr id="2" name="Titel 1"/>
-          <p:cNvSpPr>
-            <a:spLocks noGrp="1"/>
-          </p:cNvSpPr>
-          <p:nvPr>
-            <p:ph type="title"/>
-          </p:nvPr>
-        </p:nvSpPr>
-        <p:spPr/>
-        <p:txBody>
-          <a:bodyPr/>
-          <a:lstStyle/>
-          <a:p>
-            <a:r>
-              <a:rPr lang="en-US" dirty="0"/>
-              <a:t>Conclusion</a:t>
-            </a:r>
-          </a:p>
-        </p:txBody>
-      </p:sp>
-      <p:sp>
-        <p:nvSpPr>
-          <p:cNvPr id="3" name="Inhaltsplatzhalter 2"/>
-          <p:cNvSpPr>
-            <a:spLocks noGrp="1"/>
-          </p:cNvSpPr>
-          <p:nvPr>
-            <p:ph sz="quarter" idx="10"/>
-          </p:nvPr>
-        </p:nvSpPr>
-        <p:spPr/>
-        <p:txBody>
-          <a:bodyPr/>
-          <a:lstStyle/>
-          <a:p>
-            <a:r>
-              <a:rPr lang="en-US" dirty="0"/>
-              <a:t>Now let’s go into details …</a:t>
-            </a:r>
-          </a:p>
-        </p:txBody>
-      </p:sp>
-    </p:spTree>
-    <p:extLst>
-      <p:ext uri="{BB962C8B-B14F-4D97-AF65-F5344CB8AC3E}">
-        <p14:creationId xmlns:p14="http://schemas.microsoft.com/office/powerpoint/2010/main" val="1276775774"/>
+        <p14:creationId xmlns:p14="http://schemas.microsoft.com/office/powerpoint/2010/main" val="1533381046"/>
       </p:ext>
     </p:extLst>
   </p:cSld>
